--- a/Documentation/Eyetalk Presentation 10-29-2025.pptx
+++ b/Documentation/Eyetalk Presentation 10-29-2025.pptx
@@ -4,6 +4,9 @@
   <p:sldMasterIdLst>
     <p:sldMasterId id="2147483738" r:id="rId1"/>
   </p:sldMasterIdLst>
+  <p:notesMasterIdLst>
+    <p:notesMasterId r:id="rId13"/>
+  </p:notesMasterIdLst>
   <p:sldIdLst>
     <p:sldId id="256" r:id="rId2"/>
     <p:sldId id="257" r:id="rId3"/>
@@ -11,8 +14,11 @@
     <p:sldId id="259" r:id="rId5"/>
     <p:sldId id="260" r:id="rId6"/>
     <p:sldId id="261" r:id="rId7"/>
-    <p:sldId id="262" r:id="rId8"/>
-    <p:sldId id="263" r:id="rId9"/>
+    <p:sldId id="264" r:id="rId8"/>
+    <p:sldId id="265" r:id="rId9"/>
+    <p:sldId id="266" r:id="rId10"/>
+    <p:sldId id="267" r:id="rId11"/>
+    <p:sldId id="263" r:id="rId12"/>
   </p:sldIdLst>
   <p:sldSz cx="12192000" cy="6858000"/>
   <p:notesSz cx="6858000" cy="9144000"/>
@@ -111,6 +117,11 @@
       </a:defRPr>
     </a:lvl9pPr>
   </p:defaultTextStyle>
+  <p:extLst>
+    <p:ext uri="{EFAFB233-063F-42B5-8137-9DF3F51BA10A}">
+      <p15:sldGuideLst xmlns:p15="http://schemas.microsoft.com/office/powerpoint/2012/main"/>
+    </p:ext>
+  </p:extLst>
 </p:presentation>
 </file>
 
@@ -897,15 +908,15 @@
 </file>
 
 <file path=ppt/diagrams/colors2.xml><?xml version="1.0" encoding="utf-8"?>
-<dgm:colorsDef xmlns:dgm="http://schemas.openxmlformats.org/drawingml/2006/diagram" xmlns:a="http://schemas.openxmlformats.org/drawingml/2006/main" uniqueId="urn:microsoft.com/office/officeart/2005/8/colors/colorful5">
+<dgm:colorsDef xmlns:dgm="http://schemas.openxmlformats.org/drawingml/2006/diagram" xmlns:a="http://schemas.openxmlformats.org/drawingml/2006/main" uniqueId="urn:microsoft.com/office/officeart/2005/8/colors/colorful1">
   <dgm:title val=""/>
   <dgm:desc val=""/>
   <dgm:catLst>
-    <dgm:cat type="colorful" pri="10500"/>
+    <dgm:cat type="colorful" pri="10100"/>
   </dgm:catLst>
   <dgm:styleLbl name="node0">
     <dgm:fillClrLst meth="repeat">
-      <a:schemeClr val="accent4"/>
+      <a:schemeClr val="accent1"/>
     </dgm:fillClrLst>
     <dgm:linClrLst meth="repeat">
       <a:schemeClr val="lt1"/>
@@ -916,7 +927,10 @@
     <dgm:txEffectClrLst/>
   </dgm:styleLbl>
   <dgm:styleLbl name="node1">
-    <dgm:fillClrLst>
+    <dgm:fillClrLst meth="repeat">
+      <a:schemeClr val="accent2"/>
+      <a:schemeClr val="accent3"/>
+      <a:schemeClr val="accent4"/>
       <a:schemeClr val="accent5"/>
       <a:schemeClr val="accent6"/>
     </dgm:fillClrLst>
@@ -929,11 +943,17 @@
     <dgm:txEffectClrLst/>
   </dgm:styleLbl>
   <dgm:styleLbl name="alignNode1">
-    <dgm:fillClrLst>
+    <dgm:fillClrLst meth="repeat">
+      <a:schemeClr val="accent2"/>
+      <a:schemeClr val="accent3"/>
+      <a:schemeClr val="accent4"/>
       <a:schemeClr val="accent5"/>
       <a:schemeClr val="accent6"/>
     </dgm:fillClrLst>
-    <dgm:linClrLst>
+    <dgm:linClrLst meth="repeat">
+      <a:schemeClr val="accent2"/>
+      <a:schemeClr val="accent3"/>
+      <a:schemeClr val="accent4"/>
       <a:schemeClr val="accent5"/>
       <a:schemeClr val="accent6"/>
     </dgm:linClrLst>
@@ -943,7 +963,10 @@
     <dgm:txEffectClrLst/>
   </dgm:styleLbl>
   <dgm:styleLbl name="lnNode1">
-    <dgm:fillClrLst>
+    <dgm:fillClrLst meth="repeat">
+      <a:schemeClr val="accent2"/>
+      <a:schemeClr val="accent3"/>
+      <a:schemeClr val="accent4"/>
       <a:schemeClr val="accent5"/>
       <a:schemeClr val="accent6"/>
     </dgm:fillClrLst>
@@ -956,7 +979,16 @@
     <dgm:txEffectClrLst/>
   </dgm:styleLbl>
   <dgm:styleLbl name="vennNode1">
-    <dgm:fillClrLst>
+    <dgm:fillClrLst meth="repeat">
+      <a:schemeClr val="accent2">
+        <a:alpha val="50000"/>
+      </a:schemeClr>
+      <a:schemeClr val="accent3">
+        <a:alpha val="50000"/>
+      </a:schemeClr>
+      <a:schemeClr val="accent4">
+        <a:alpha val="50000"/>
+      </a:schemeClr>
       <a:schemeClr val="accent5">
         <a:alpha val="50000"/>
       </a:schemeClr>
@@ -974,30 +1006,6 @@
   </dgm:styleLbl>
   <dgm:styleLbl name="node2">
     <dgm:fillClrLst>
-      <a:schemeClr val="accent6"/>
-    </dgm:fillClrLst>
-    <dgm:linClrLst meth="repeat">
-      <a:schemeClr val="lt1"/>
-    </dgm:linClrLst>
-    <dgm:effectClrLst/>
-    <dgm:txLinClrLst/>
-    <dgm:txFillClrLst/>
-    <dgm:txEffectClrLst/>
-  </dgm:styleLbl>
-  <dgm:styleLbl name="node3">
-    <dgm:fillClrLst>
-      <a:schemeClr val="accent1"/>
-    </dgm:fillClrLst>
-    <dgm:linClrLst meth="repeat">
-      <a:schemeClr val="lt1"/>
-    </dgm:linClrLst>
-    <dgm:effectClrLst/>
-    <dgm:txLinClrLst/>
-    <dgm:txFillClrLst/>
-    <dgm:txEffectClrLst/>
-  </dgm:styleLbl>
-  <dgm:styleLbl name="node4">
-    <dgm:fillClrLst>
       <a:schemeClr val="accent2"/>
     </dgm:fillClrLst>
     <dgm:linClrLst meth="repeat">
@@ -1008,8 +1016,41 @@
     <dgm:txFillClrLst/>
     <dgm:txEffectClrLst/>
   </dgm:styleLbl>
+  <dgm:styleLbl name="node3">
+    <dgm:fillClrLst>
+      <a:schemeClr val="accent3"/>
+    </dgm:fillClrLst>
+    <dgm:linClrLst meth="repeat">
+      <a:schemeClr val="lt1"/>
+    </dgm:linClrLst>
+    <dgm:effectClrLst/>
+    <dgm:txLinClrLst/>
+    <dgm:txFillClrLst/>
+    <dgm:txEffectClrLst/>
+  </dgm:styleLbl>
+  <dgm:styleLbl name="node4">
+    <dgm:fillClrLst>
+      <a:schemeClr val="accent4"/>
+    </dgm:fillClrLst>
+    <dgm:linClrLst meth="repeat">
+      <a:schemeClr val="lt1"/>
+    </dgm:linClrLst>
+    <dgm:effectClrLst/>
+    <dgm:txLinClrLst/>
+    <dgm:txFillClrLst/>
+    <dgm:txEffectClrLst/>
+  </dgm:styleLbl>
   <dgm:styleLbl name="fgImgPlace1">
-    <dgm:fillClrLst>
+    <dgm:fillClrLst meth="repeat">
+      <a:schemeClr val="accent2">
+        <a:tint val="50000"/>
+      </a:schemeClr>
+      <a:schemeClr val="accent3">
+        <a:tint val="50000"/>
+      </a:schemeClr>
+      <a:schemeClr val="accent4">
+        <a:tint val="50000"/>
+      </a:schemeClr>
       <a:schemeClr val="accent5">
         <a:tint val="50000"/>
       </a:schemeClr>
@@ -1029,10 +1070,10 @@
   </dgm:styleLbl>
   <dgm:styleLbl name="alignImgPlace1">
     <dgm:fillClrLst>
-      <a:schemeClr val="accent5">
+      <a:schemeClr val="accent1">
         <a:tint val="50000"/>
       </a:schemeClr>
-      <a:schemeClr val="accent6">
+      <a:schemeClr val="accent2">
         <a:tint val="20000"/>
       </a:schemeClr>
     </dgm:fillClrLst>
@@ -1048,10 +1089,10 @@
   </dgm:styleLbl>
   <dgm:styleLbl name="bgImgPlace1">
     <dgm:fillClrLst>
-      <a:schemeClr val="accent5">
+      <a:schemeClr val="accent1">
         <a:tint val="50000"/>
       </a:schemeClr>
-      <a:schemeClr val="accent6">
+      <a:schemeClr val="accent2">
         <a:tint val="20000"/>
       </a:schemeClr>
     </dgm:fillClrLst>
@@ -1066,9 +1107,98 @@
     <dgm:txEffectClrLst/>
   </dgm:styleLbl>
   <dgm:styleLbl name="sibTrans2D1">
-    <dgm:fillClrLst>
+    <dgm:fillClrLst meth="repeat">
+      <a:schemeClr val="accent2"/>
+      <a:schemeClr val="accent3"/>
+      <a:schemeClr val="accent4"/>
       <a:schemeClr val="accent5"/>
       <a:schemeClr val="accent6"/>
+    </dgm:fillClrLst>
+    <dgm:linClrLst meth="cycle">
+      <a:schemeClr val="lt1"/>
+    </dgm:linClrLst>
+    <dgm:effectClrLst/>
+    <dgm:txLinClrLst/>
+    <dgm:txFillClrLst/>
+    <dgm:txEffectClrLst/>
+  </dgm:styleLbl>
+  <dgm:styleLbl name="fgSibTrans2D1">
+    <dgm:fillClrLst meth="repeat">
+      <a:schemeClr val="accent2"/>
+      <a:schemeClr val="accent3"/>
+      <a:schemeClr val="accent4"/>
+      <a:schemeClr val="accent5"/>
+      <a:schemeClr val="accent6"/>
+    </dgm:fillClrLst>
+    <dgm:linClrLst meth="cycle">
+      <a:schemeClr val="lt1"/>
+    </dgm:linClrLst>
+    <dgm:effectClrLst/>
+    <dgm:txLinClrLst/>
+    <dgm:txFillClrLst meth="repeat">
+      <a:schemeClr val="lt1"/>
+    </dgm:txFillClrLst>
+    <dgm:txEffectClrLst/>
+  </dgm:styleLbl>
+  <dgm:styleLbl name="bgSibTrans2D1">
+    <dgm:fillClrLst meth="repeat">
+      <a:schemeClr val="accent2"/>
+      <a:schemeClr val="accent3"/>
+      <a:schemeClr val="accent4"/>
+      <a:schemeClr val="accent5"/>
+      <a:schemeClr val="accent6"/>
+    </dgm:fillClrLst>
+    <dgm:linClrLst meth="cycle">
+      <a:schemeClr val="lt1"/>
+    </dgm:linClrLst>
+    <dgm:effectClrLst/>
+    <dgm:txLinClrLst/>
+    <dgm:txFillClrLst meth="repeat">
+      <a:schemeClr val="lt1"/>
+    </dgm:txFillClrLst>
+    <dgm:txEffectClrLst/>
+  </dgm:styleLbl>
+  <dgm:styleLbl name="sibTrans1D1">
+    <dgm:fillClrLst meth="repeat">
+      <a:schemeClr val="accent2"/>
+      <a:schemeClr val="accent3"/>
+      <a:schemeClr val="accent4"/>
+      <a:schemeClr val="accent5"/>
+      <a:schemeClr val="accent6"/>
+    </dgm:fillClrLst>
+    <dgm:linClrLst meth="repeat">
+      <a:schemeClr val="accent2"/>
+      <a:schemeClr val="accent3"/>
+      <a:schemeClr val="accent4"/>
+      <a:schemeClr val="accent5"/>
+      <a:schemeClr val="accent6"/>
+    </dgm:linClrLst>
+    <dgm:effectClrLst/>
+    <dgm:txLinClrLst/>
+    <dgm:txFillClrLst meth="repeat">
+      <a:schemeClr val="tx1"/>
+    </dgm:txFillClrLst>
+    <dgm:txEffectClrLst/>
+  </dgm:styleLbl>
+  <dgm:styleLbl name="callout">
+    <dgm:fillClrLst meth="repeat">
+      <a:schemeClr val="accent2"/>
+    </dgm:fillClrLst>
+    <dgm:linClrLst meth="repeat">
+      <a:schemeClr val="accent2">
+        <a:tint val="50000"/>
+      </a:schemeClr>
+    </dgm:linClrLst>
+    <dgm:effectClrLst/>
+    <dgm:txLinClrLst/>
+    <dgm:txFillClrLst meth="repeat">
+      <a:schemeClr val="tx1"/>
+    </dgm:txFillClrLst>
+    <dgm:txEffectClrLst/>
+  </dgm:styleLbl>
+  <dgm:styleLbl name="asst0">
+    <dgm:fillClrLst meth="repeat">
+      <a:schemeClr val="accent1"/>
     </dgm:fillClrLst>
     <dgm:linClrLst meth="repeat">
       <a:schemeClr val="lt1"/>
@@ -1078,10 +1208,57 @@
     <dgm:txFillClrLst/>
     <dgm:txEffectClrLst/>
   </dgm:styleLbl>
-  <dgm:styleLbl name="fgSibTrans2D1">
+  <dgm:styleLbl name="asst1">
+    <dgm:fillClrLst meth="repeat">
+      <a:schemeClr val="accent2"/>
+    </dgm:fillClrLst>
+    <dgm:linClrLst meth="repeat">
+      <a:schemeClr val="lt1"/>
+    </dgm:linClrLst>
+    <dgm:effectClrLst/>
+    <dgm:txLinClrLst/>
+    <dgm:txFillClrLst/>
+    <dgm:txEffectClrLst/>
+  </dgm:styleLbl>
+  <dgm:styleLbl name="asst2">
+    <dgm:fillClrLst>
+      <a:schemeClr val="accent3"/>
+    </dgm:fillClrLst>
+    <dgm:linClrLst meth="repeat">
+      <a:schemeClr val="lt1"/>
+    </dgm:linClrLst>
+    <dgm:effectClrLst/>
+    <dgm:txLinClrLst/>
+    <dgm:txFillClrLst/>
+    <dgm:txEffectClrLst/>
+  </dgm:styleLbl>
+  <dgm:styleLbl name="asst3">
+    <dgm:fillClrLst>
+      <a:schemeClr val="accent4"/>
+    </dgm:fillClrLst>
+    <dgm:linClrLst meth="repeat">
+      <a:schemeClr val="lt1"/>
+    </dgm:linClrLst>
+    <dgm:effectClrLst/>
+    <dgm:txLinClrLst/>
+    <dgm:txFillClrLst/>
+    <dgm:txEffectClrLst/>
+  </dgm:styleLbl>
+  <dgm:styleLbl name="asst4">
     <dgm:fillClrLst>
       <a:schemeClr val="accent5"/>
-      <a:schemeClr val="accent6"/>
+    </dgm:fillClrLst>
+    <dgm:linClrLst meth="repeat">
+      <a:schemeClr val="lt1"/>
+    </dgm:linClrLst>
+    <dgm:effectClrLst/>
+    <dgm:txLinClrLst/>
+    <dgm:txFillClrLst/>
+    <dgm:txEffectClrLst/>
+  </dgm:styleLbl>
+  <dgm:styleLbl name="parChTrans2D1">
+    <dgm:fillClrLst meth="repeat">
+      <a:schemeClr val="accent2"/>
     </dgm:fillClrLst>
     <dgm:linClrLst meth="repeat">
       <a:schemeClr val="lt1"/>
@@ -1093,104 +1270,8 @@
     </dgm:txFillClrLst>
     <dgm:txEffectClrLst/>
   </dgm:styleLbl>
-  <dgm:styleLbl name="bgSibTrans2D1">
-    <dgm:fillClrLst>
-      <a:schemeClr val="accent5"/>
-      <a:schemeClr val="accent6"/>
-    </dgm:fillClrLst>
-    <dgm:linClrLst meth="repeat">
-      <a:schemeClr val="lt1"/>
-    </dgm:linClrLst>
-    <dgm:effectClrLst/>
-    <dgm:txLinClrLst/>
-    <dgm:txFillClrLst meth="repeat">
-      <a:schemeClr val="lt1"/>
-    </dgm:txFillClrLst>
-    <dgm:txEffectClrLst/>
-  </dgm:styleLbl>
-  <dgm:styleLbl name="sibTrans1D1">
-    <dgm:fillClrLst/>
-    <dgm:linClrLst>
-      <a:schemeClr val="accent5"/>
-      <a:schemeClr val="accent6"/>
-    </dgm:linClrLst>
-    <dgm:effectClrLst/>
-    <dgm:txLinClrLst/>
-    <dgm:txFillClrLst meth="repeat">
-      <a:schemeClr val="tx1"/>
-    </dgm:txFillClrLst>
-    <dgm:txEffectClrLst/>
-  </dgm:styleLbl>
-  <dgm:styleLbl name="callout">
+  <dgm:styleLbl name="parChTrans2D2">
     <dgm:fillClrLst meth="repeat">
-      <a:schemeClr val="accent5"/>
-    </dgm:fillClrLst>
-    <dgm:linClrLst meth="repeat">
-      <a:schemeClr val="accent5">
-        <a:tint val="50000"/>
-      </a:schemeClr>
-    </dgm:linClrLst>
-    <dgm:effectClrLst/>
-    <dgm:txLinClrLst/>
-    <dgm:txFillClrLst meth="repeat">
-      <a:schemeClr val="tx1"/>
-    </dgm:txFillClrLst>
-    <dgm:txEffectClrLst/>
-  </dgm:styleLbl>
-  <dgm:styleLbl name="asst0">
-    <dgm:fillClrLst meth="repeat">
-      <a:schemeClr val="accent5"/>
-    </dgm:fillClrLst>
-    <dgm:linClrLst meth="repeat">
-      <a:schemeClr val="lt1">
-        <a:shade val="80000"/>
-      </a:schemeClr>
-    </dgm:linClrLst>
-    <dgm:effectClrLst/>
-    <dgm:txLinClrLst/>
-    <dgm:txFillClrLst/>
-    <dgm:txEffectClrLst/>
-  </dgm:styleLbl>
-  <dgm:styleLbl name="asst1">
-    <dgm:fillClrLst meth="repeat">
-      <a:schemeClr val="accent6"/>
-    </dgm:fillClrLst>
-    <dgm:linClrLst meth="repeat">
-      <a:schemeClr val="lt1">
-        <a:shade val="80000"/>
-      </a:schemeClr>
-    </dgm:linClrLst>
-    <dgm:effectClrLst/>
-    <dgm:txLinClrLst/>
-    <dgm:txFillClrLst/>
-    <dgm:txEffectClrLst/>
-  </dgm:styleLbl>
-  <dgm:styleLbl name="asst2">
-    <dgm:fillClrLst>
-      <a:schemeClr val="accent1"/>
-    </dgm:fillClrLst>
-    <dgm:linClrLst meth="repeat">
-      <a:schemeClr val="lt1"/>
-    </dgm:linClrLst>
-    <dgm:effectClrLst/>
-    <dgm:txLinClrLst/>
-    <dgm:txFillClrLst/>
-    <dgm:txEffectClrLst/>
-  </dgm:styleLbl>
-  <dgm:styleLbl name="asst3">
-    <dgm:fillClrLst>
-      <a:schemeClr val="accent2"/>
-    </dgm:fillClrLst>
-    <dgm:linClrLst meth="repeat">
-      <a:schemeClr val="lt1"/>
-    </dgm:linClrLst>
-    <dgm:effectClrLst/>
-    <dgm:txLinClrLst/>
-    <dgm:txFillClrLst/>
-    <dgm:txEffectClrLst/>
-  </dgm:styleLbl>
-  <dgm:styleLbl name="asst4">
-    <dgm:fillClrLst>
       <a:schemeClr val="accent3"/>
     </dgm:fillClrLst>
     <dgm:linClrLst meth="repeat">
@@ -1201,7 +1282,19 @@
     <dgm:txFillClrLst/>
     <dgm:txEffectClrLst/>
   </dgm:styleLbl>
-  <dgm:styleLbl name="parChTrans2D1">
+  <dgm:styleLbl name="parChTrans2D3">
+    <dgm:fillClrLst meth="repeat">
+      <a:schemeClr val="accent4"/>
+    </dgm:fillClrLst>
+    <dgm:linClrLst meth="repeat">
+      <a:schemeClr val="lt1"/>
+    </dgm:linClrLst>
+    <dgm:effectClrLst/>
+    <dgm:txLinClrLst/>
+    <dgm:txFillClrLst/>
+    <dgm:txEffectClrLst/>
+  </dgm:styleLbl>
+  <dgm:styleLbl name="parChTrans2D4">
     <dgm:fillClrLst meth="repeat">
       <a:schemeClr val="accent5"/>
     </dgm:fillClrLst>
@@ -1215,79 +1308,9 @@
     </dgm:txFillClrLst>
     <dgm:txEffectClrLst/>
   </dgm:styleLbl>
-  <dgm:styleLbl name="parChTrans2D2">
-    <dgm:fillClrLst meth="repeat">
-      <a:schemeClr val="accent6"/>
-    </dgm:fillClrLst>
-    <dgm:linClrLst meth="repeat">
-      <a:schemeClr val="lt1"/>
-    </dgm:linClrLst>
-    <dgm:effectClrLst/>
-    <dgm:txLinClrLst/>
-    <dgm:txFillClrLst/>
-    <dgm:txEffectClrLst/>
-  </dgm:styleLbl>
-  <dgm:styleLbl name="parChTrans2D3">
-    <dgm:fillClrLst meth="repeat">
-      <a:schemeClr val="accent6"/>
-    </dgm:fillClrLst>
-    <dgm:linClrLst meth="repeat">
-      <a:schemeClr val="lt1"/>
-    </dgm:linClrLst>
-    <dgm:effectClrLst/>
-    <dgm:txLinClrLst/>
-    <dgm:txFillClrLst/>
-    <dgm:txEffectClrLst/>
-  </dgm:styleLbl>
-  <dgm:styleLbl name="parChTrans2D4">
-    <dgm:fillClrLst meth="repeat">
-      <a:schemeClr val="accent1"/>
-    </dgm:fillClrLst>
-    <dgm:linClrLst meth="repeat">
-      <a:schemeClr val="lt1"/>
-    </dgm:linClrLst>
-    <dgm:effectClrLst/>
-    <dgm:txLinClrLst/>
-    <dgm:txFillClrLst meth="repeat">
-      <a:schemeClr val="lt1"/>
-    </dgm:txFillClrLst>
-    <dgm:txEffectClrLst/>
-  </dgm:styleLbl>
   <dgm:styleLbl name="parChTrans1D1">
     <dgm:fillClrLst meth="repeat">
-      <a:schemeClr val="accent5"/>
-    </dgm:fillClrLst>
-    <dgm:linClrLst meth="repeat">
-      <a:schemeClr val="accent5"/>
-    </dgm:linClrLst>
-    <dgm:effectClrLst/>
-    <dgm:txLinClrLst/>
-    <dgm:txFillClrLst meth="repeat">
-      <a:schemeClr val="tx1"/>
-    </dgm:txFillClrLst>
-    <dgm:txEffectClrLst/>
-  </dgm:styleLbl>
-  <dgm:styleLbl name="parChTrans1D2">
-    <dgm:fillClrLst meth="repeat">
-      <a:schemeClr val="accent6">
-        <a:tint val="90000"/>
-      </a:schemeClr>
-    </dgm:fillClrLst>
-    <dgm:linClrLst meth="repeat">
-      <a:schemeClr val="accent6"/>
-    </dgm:linClrLst>
-    <dgm:effectClrLst/>
-    <dgm:txLinClrLst/>
-    <dgm:txFillClrLst meth="repeat">
-      <a:schemeClr val="tx1"/>
-    </dgm:txFillClrLst>
-    <dgm:txEffectClrLst/>
-  </dgm:styleLbl>
-  <dgm:styleLbl name="parChTrans1D3">
-    <dgm:fillClrLst meth="repeat">
-      <a:schemeClr val="accent6">
-        <a:tint val="70000"/>
-      </a:schemeClr>
+      <a:schemeClr val="accent2"/>
     </dgm:fillClrLst>
     <dgm:linClrLst meth="repeat">
       <a:schemeClr val="accent1"/>
@@ -1299,10 +1322,10 @@
     </dgm:txFillClrLst>
     <dgm:txEffectClrLst/>
   </dgm:styleLbl>
-  <dgm:styleLbl name="parChTrans1D4">
+  <dgm:styleLbl name="parChTrans1D2">
     <dgm:fillClrLst meth="repeat">
-      <a:schemeClr val="accent6">
-        <a:tint val="50000"/>
+      <a:schemeClr val="accent3">
+        <a:tint val="90000"/>
       </a:schemeClr>
     </dgm:fillClrLst>
     <dgm:linClrLst meth="repeat">
@@ -1315,13 +1338,48 @@
     </dgm:txFillClrLst>
     <dgm:txEffectClrLst/>
   </dgm:styleLbl>
+  <dgm:styleLbl name="parChTrans1D3">
+    <dgm:fillClrLst meth="repeat">
+      <a:schemeClr val="accent4">
+        <a:tint val="70000"/>
+      </a:schemeClr>
+    </dgm:fillClrLst>
+    <dgm:linClrLst meth="repeat">
+      <a:schemeClr val="accent3"/>
+    </dgm:linClrLst>
+    <dgm:effectClrLst/>
+    <dgm:txLinClrLst/>
+    <dgm:txFillClrLst meth="repeat">
+      <a:schemeClr val="tx1"/>
+    </dgm:txFillClrLst>
+    <dgm:txEffectClrLst/>
+  </dgm:styleLbl>
+  <dgm:styleLbl name="parChTrans1D4">
+    <dgm:fillClrLst meth="repeat">
+      <a:schemeClr val="accent5">
+        <a:tint val="50000"/>
+      </a:schemeClr>
+    </dgm:fillClrLst>
+    <dgm:linClrLst meth="repeat">
+      <a:schemeClr val="accent4"/>
+    </dgm:linClrLst>
+    <dgm:effectClrLst/>
+    <dgm:txLinClrLst/>
+    <dgm:txFillClrLst meth="repeat">
+      <a:schemeClr val="tx1"/>
+    </dgm:txFillClrLst>
+    <dgm:txEffectClrLst/>
+  </dgm:styleLbl>
   <dgm:styleLbl name="fgAcc1">
     <dgm:fillClrLst meth="repeat">
       <a:schemeClr val="lt1">
         <a:alpha val="90000"/>
       </a:schemeClr>
     </dgm:fillClrLst>
-    <dgm:linClrLst>
+    <dgm:linClrLst meth="repeat">
+      <a:schemeClr val="accent2"/>
+      <a:schemeClr val="accent3"/>
+      <a:schemeClr val="accent4"/>
       <a:schemeClr val="accent5"/>
       <a:schemeClr val="accent6"/>
     </dgm:linClrLst>
@@ -1338,7 +1396,10 @@
         <a:alpha val="90000"/>
       </a:schemeClr>
     </dgm:fillClrLst>
-    <dgm:linClrLst>
+    <dgm:linClrLst meth="repeat">
+      <a:schemeClr val="accent2"/>
+      <a:schemeClr val="accent3"/>
+      <a:schemeClr val="accent4"/>
       <a:schemeClr val="accent5"/>
       <a:schemeClr val="accent6"/>
     </dgm:linClrLst>
@@ -1355,7 +1416,10 @@
         <a:alpha val="90000"/>
       </a:schemeClr>
     </dgm:fillClrLst>
-    <dgm:linClrLst>
+    <dgm:linClrLst meth="repeat">
+      <a:schemeClr val="accent2"/>
+      <a:schemeClr val="accent3"/>
+      <a:schemeClr val="accent4"/>
       <a:schemeClr val="accent5"/>
       <a:schemeClr val="accent6"/>
     </dgm:linClrLst>
@@ -1373,7 +1437,7 @@
       </a:schemeClr>
     </dgm:fillClrLst>
     <dgm:linClrLst meth="repeat">
-      <a:schemeClr val="accent5"/>
+      <a:schemeClr val="accent1"/>
     </dgm:linClrLst>
     <dgm:effectClrLst/>
     <dgm:txLinClrLst/>
@@ -1388,7 +1452,10 @@
         <a:alpha val="90000"/>
       </a:schemeClr>
     </dgm:fillClrLst>
-    <dgm:linClrLst>
+    <dgm:linClrLst meth="repeat">
+      <a:schemeClr val="accent2"/>
+      <a:schemeClr val="accent3"/>
+      <a:schemeClr val="accent4"/>
       <a:schemeClr val="accent5"/>
       <a:schemeClr val="accent6"/>
     </dgm:linClrLst>
@@ -1403,7 +1470,10 @@
     <dgm:fillClrLst meth="repeat">
       <a:schemeClr val="lt1"/>
     </dgm:fillClrLst>
-    <dgm:linClrLst>
+    <dgm:linClrLst meth="repeat">
+      <a:schemeClr val="accent2"/>
+      <a:schemeClr val="accent3"/>
+      <a:schemeClr val="accent4"/>
       <a:schemeClr val="accent5"/>
       <a:schemeClr val="accent6"/>
     </dgm:linClrLst>
@@ -1418,7 +1488,10 @@
     <dgm:fillClrLst meth="repeat">
       <a:schemeClr val="lt1"/>
     </dgm:fillClrLst>
-    <dgm:linClrLst>
+    <dgm:linClrLst meth="repeat">
+      <a:schemeClr val="accent2"/>
+      <a:schemeClr val="accent3"/>
+      <a:schemeClr val="accent4"/>
       <a:schemeClr val="accent5"/>
       <a:schemeClr val="accent6"/>
     </dgm:linClrLst>
@@ -1433,7 +1506,10 @@
     <dgm:fillClrLst meth="repeat">
       <a:schemeClr val="lt1"/>
     </dgm:fillClrLst>
-    <dgm:linClrLst>
+    <dgm:linClrLst meth="repeat">
+      <a:schemeClr val="accent2"/>
+      <a:schemeClr val="accent3"/>
+      <a:schemeClr val="accent4"/>
       <a:schemeClr val="accent5"/>
       <a:schemeClr val="accent6"/>
     </dgm:linClrLst>
@@ -1445,7 +1521,19 @@
     <dgm:txEffectClrLst/>
   </dgm:styleLbl>
   <dgm:styleLbl name="fgAccFollowNode1">
-    <dgm:fillClrLst>
+    <dgm:fillClrLst meth="repeat">
+      <a:schemeClr val="accent2">
+        <a:tint val="40000"/>
+        <a:alpha val="90000"/>
+      </a:schemeClr>
+      <a:schemeClr val="accent3">
+        <a:tint val="40000"/>
+        <a:alpha val="90000"/>
+      </a:schemeClr>
+      <a:schemeClr val="accent4">
+        <a:tint val="40000"/>
+        <a:alpha val="90000"/>
+      </a:schemeClr>
       <a:schemeClr val="accent5">
         <a:tint val="40000"/>
         <a:alpha val="90000"/>
@@ -1455,35 +1543,19 @@
         <a:alpha val="90000"/>
       </a:schemeClr>
     </dgm:fillClrLst>
-    <dgm:linClrLst>
-      <a:schemeClr val="accent5">
+    <dgm:linClrLst meth="repeat">
+      <a:schemeClr val="accent2">
         <a:tint val="40000"/>
         <a:alpha val="90000"/>
       </a:schemeClr>
-      <a:schemeClr val="accent5">
+      <a:schemeClr val="accent3">
         <a:tint val="40000"/>
         <a:alpha val="90000"/>
       </a:schemeClr>
-    </dgm:linClrLst>
-    <dgm:effectClrLst/>
-    <dgm:txLinClrLst/>
-    <dgm:txFillClrLst meth="repeat">
-      <a:schemeClr val="dk1"/>
-    </dgm:txFillClrLst>
-    <dgm:txEffectClrLst/>
-  </dgm:styleLbl>
-  <dgm:styleLbl name="alignAccFollowNode1">
-    <dgm:fillClrLst>
-      <a:schemeClr val="accent5">
+      <a:schemeClr val="accent4">
         <a:tint val="40000"/>
         <a:alpha val="90000"/>
       </a:schemeClr>
-      <a:schemeClr val="accent6">
-        <a:tint val="40000"/>
-        <a:alpha val="90000"/>
-      </a:schemeClr>
-    </dgm:fillClrLst>
-    <dgm:linClrLst>
       <a:schemeClr val="accent5">
         <a:tint val="40000"/>
         <a:alpha val="90000"/>
@@ -1500,8 +1572,20 @@
     </dgm:txFillClrLst>
     <dgm:txEffectClrLst/>
   </dgm:styleLbl>
-  <dgm:styleLbl name="bgAccFollowNode1">
-    <dgm:fillClrLst>
+  <dgm:styleLbl name="alignAccFollowNode1">
+    <dgm:fillClrLst meth="repeat">
+      <a:schemeClr val="accent2">
+        <a:tint val="40000"/>
+        <a:alpha val="90000"/>
+      </a:schemeClr>
+      <a:schemeClr val="accent3">
+        <a:tint val="40000"/>
+        <a:alpha val="90000"/>
+      </a:schemeClr>
+      <a:schemeClr val="accent4">
+        <a:tint val="40000"/>
+        <a:alpha val="90000"/>
+      </a:schemeClr>
       <a:schemeClr val="accent5">
         <a:tint val="40000"/>
         <a:alpha val="90000"/>
@@ -1511,7 +1595,19 @@
         <a:alpha val="90000"/>
       </a:schemeClr>
     </dgm:fillClrLst>
-    <dgm:linClrLst>
+    <dgm:linClrLst meth="repeat">
+      <a:schemeClr val="accent2">
+        <a:tint val="40000"/>
+        <a:alpha val="90000"/>
+      </a:schemeClr>
+      <a:schemeClr val="accent3">
+        <a:tint val="40000"/>
+        <a:alpha val="90000"/>
+      </a:schemeClr>
+      <a:schemeClr val="accent4">
+        <a:tint val="40000"/>
+        <a:alpha val="90000"/>
+      </a:schemeClr>
       <a:schemeClr val="accent5">
         <a:tint val="40000"/>
         <a:alpha val="90000"/>
@@ -1528,7 +1624,107 @@
     </dgm:txFillClrLst>
     <dgm:txEffectClrLst/>
   </dgm:styleLbl>
+  <dgm:styleLbl name="bgAccFollowNode1">
+    <dgm:fillClrLst meth="repeat">
+      <a:schemeClr val="accent2">
+        <a:tint val="40000"/>
+        <a:alpha val="90000"/>
+      </a:schemeClr>
+      <a:schemeClr val="accent3">
+        <a:tint val="40000"/>
+        <a:alpha val="90000"/>
+      </a:schemeClr>
+      <a:schemeClr val="accent4">
+        <a:tint val="40000"/>
+        <a:alpha val="90000"/>
+      </a:schemeClr>
+      <a:schemeClr val="accent5">
+        <a:tint val="40000"/>
+        <a:alpha val="90000"/>
+      </a:schemeClr>
+      <a:schemeClr val="accent6">
+        <a:tint val="40000"/>
+        <a:alpha val="90000"/>
+      </a:schemeClr>
+    </dgm:fillClrLst>
+    <dgm:linClrLst meth="repeat">
+      <a:schemeClr val="accent2">
+        <a:tint val="40000"/>
+        <a:alpha val="90000"/>
+      </a:schemeClr>
+      <a:schemeClr val="accent3">
+        <a:tint val="40000"/>
+        <a:alpha val="90000"/>
+      </a:schemeClr>
+      <a:schemeClr val="accent4">
+        <a:tint val="40000"/>
+        <a:alpha val="90000"/>
+      </a:schemeClr>
+      <a:schemeClr val="accent5">
+        <a:tint val="40000"/>
+        <a:alpha val="90000"/>
+      </a:schemeClr>
+      <a:schemeClr val="accent6">
+        <a:tint val="40000"/>
+        <a:alpha val="90000"/>
+      </a:schemeClr>
+    </dgm:linClrLst>
+    <dgm:effectClrLst/>
+    <dgm:txLinClrLst/>
+    <dgm:txFillClrLst meth="repeat">
+      <a:schemeClr val="dk1"/>
+    </dgm:txFillClrLst>
+    <dgm:txEffectClrLst/>
+  </dgm:styleLbl>
   <dgm:styleLbl name="fgAcc0">
+    <dgm:fillClrLst meth="repeat">
+      <a:schemeClr val="lt1">
+        <a:alpha val="90000"/>
+      </a:schemeClr>
+    </dgm:fillClrLst>
+    <dgm:linClrLst>
+      <a:schemeClr val="accent1"/>
+    </dgm:linClrLst>
+    <dgm:effectClrLst/>
+    <dgm:txLinClrLst/>
+    <dgm:txFillClrLst meth="repeat">
+      <a:schemeClr val="dk1"/>
+    </dgm:txFillClrLst>
+    <dgm:txEffectClrLst/>
+  </dgm:styleLbl>
+  <dgm:styleLbl name="fgAcc2">
+    <dgm:fillClrLst meth="repeat">
+      <a:schemeClr val="lt1">
+        <a:alpha val="90000"/>
+      </a:schemeClr>
+    </dgm:fillClrLst>
+    <dgm:linClrLst>
+      <a:schemeClr val="accent2"/>
+    </dgm:linClrLst>
+    <dgm:effectClrLst/>
+    <dgm:txLinClrLst/>
+    <dgm:txFillClrLst meth="repeat">
+      <a:schemeClr val="dk1"/>
+    </dgm:txFillClrLst>
+    <dgm:txEffectClrLst/>
+  </dgm:styleLbl>
+  <dgm:styleLbl name="fgAcc3">
+    <dgm:fillClrLst meth="repeat">
+      <a:schemeClr val="lt1">
+        <a:alpha val="90000"/>
+      </a:schemeClr>
+    </dgm:fillClrLst>
+    <dgm:linClrLst>
+      <a:schemeClr val="accent3"/>
+    </dgm:linClrLst>
+    <dgm:effectClrLst/>
+    <dgm:txLinClrLst/>
+    <dgm:txFillClrLst meth="repeat">
+      <a:schemeClr val="dk1"/>
+    </dgm:txFillClrLst>
+    <dgm:txEffectClrLst/>
+  </dgm:styleLbl>
+  <dgm:styleLbl name="fgAcc4">
     <dgm:fillClrLst meth="repeat">
       <a:schemeClr val="lt1">
         <a:alpha val="90000"/>
@@ -1544,57 +1740,9 @@
     </dgm:txFillClrLst>
     <dgm:txEffectClrLst/>
   </dgm:styleLbl>
-  <dgm:styleLbl name="fgAcc2">
-    <dgm:fillClrLst meth="repeat">
-      <a:schemeClr val="lt1">
-        <a:alpha val="90000"/>
-      </a:schemeClr>
-    </dgm:fillClrLst>
-    <dgm:linClrLst>
-      <a:schemeClr val="accent6"/>
-    </dgm:linClrLst>
-    <dgm:effectClrLst/>
-    <dgm:txLinClrLst/>
-    <dgm:txFillClrLst meth="repeat">
-      <a:schemeClr val="dk1"/>
-    </dgm:txFillClrLst>
-    <dgm:txEffectClrLst/>
-  </dgm:styleLbl>
-  <dgm:styleLbl name="fgAcc3">
-    <dgm:fillClrLst meth="repeat">
-      <a:schemeClr val="lt1">
-        <a:alpha val="90000"/>
-      </a:schemeClr>
-    </dgm:fillClrLst>
-    <dgm:linClrLst>
-      <a:schemeClr val="accent1"/>
-    </dgm:linClrLst>
-    <dgm:effectClrLst/>
-    <dgm:txLinClrLst/>
-    <dgm:txFillClrLst meth="repeat">
-      <a:schemeClr val="dk1"/>
-    </dgm:txFillClrLst>
-    <dgm:txEffectClrLst/>
-  </dgm:styleLbl>
-  <dgm:styleLbl name="fgAcc4">
-    <dgm:fillClrLst meth="repeat">
-      <a:schemeClr val="lt1">
-        <a:alpha val="90000"/>
-      </a:schemeClr>
-    </dgm:fillClrLst>
-    <dgm:linClrLst>
-      <a:schemeClr val="accent2"/>
-    </dgm:linClrLst>
-    <dgm:effectClrLst/>
-    <dgm:txLinClrLst/>
-    <dgm:txFillClrLst meth="repeat">
-      <a:schemeClr val="dk1"/>
-    </dgm:txFillClrLst>
-    <dgm:txEffectClrLst/>
-  </dgm:styleLbl>
   <dgm:styleLbl name="bgShp">
     <dgm:fillClrLst meth="repeat">
-      <a:schemeClr val="accent5">
+      <a:schemeClr val="accent2">
         <a:tint val="40000"/>
       </a:schemeClr>
     </dgm:fillClrLst>
@@ -1610,7 +1758,7 @@
   </dgm:styleLbl>
   <dgm:styleLbl name="dkBgShp">
     <dgm:fillClrLst meth="repeat">
-      <a:schemeClr val="accent5">
+      <a:schemeClr val="accent2">
         <a:shade val="90000"/>
       </a:schemeClr>
     </dgm:fillClrLst>
@@ -1626,13 +1774,13 @@
   </dgm:styleLbl>
   <dgm:styleLbl name="trBgShp">
     <dgm:fillClrLst meth="repeat">
-      <a:schemeClr val="accent5">
+      <a:schemeClr val="accent1">
         <a:tint val="50000"/>
         <a:alpha val="40000"/>
       </a:schemeClr>
     </dgm:fillClrLst>
     <dgm:linClrLst meth="repeat">
-      <a:schemeClr val="accent5"/>
+      <a:schemeClr val="accent2"/>
     </dgm:linClrLst>
     <dgm:effectClrLst/>
     <dgm:txLinClrLst/>
@@ -1643,7 +1791,7 @@
   </dgm:styleLbl>
   <dgm:styleLbl name="fgShp">
     <dgm:fillClrLst meth="repeat">
-      <a:schemeClr val="accent5">
+      <a:schemeClr val="accent2">
         <a:tint val="40000"/>
       </a:schemeClr>
     </dgm:fillClrLst>
@@ -1957,7 +2105,7 @@
 <dgm:dataModel xmlns:dgm="http://schemas.openxmlformats.org/drawingml/2006/diagram" xmlns:a="http://schemas.openxmlformats.org/drawingml/2006/main">
   <dgm:ptLst>
     <dgm:pt modelId="{96E68090-8FF7-49CD-8044-AAC12F928419}" type="doc">
-      <dgm:prSet loTypeId="urn:microsoft.com/office/officeart/2016/7/layout/BasicLinearProcessNumbered" loCatId="process" qsTypeId="urn:microsoft.com/office/officeart/2005/8/quickstyle/simple1" qsCatId="simple" csTypeId="urn:microsoft.com/office/officeart/2005/8/colors/colorful5" csCatId="colorful"/>
+      <dgm:prSet loTypeId="urn:microsoft.com/office/officeart/2016/7/layout/LinearBlockProcessNumbered" loCatId="process" qsTypeId="urn:microsoft.com/office/officeart/2005/8/quickstyle/simple1" qsCatId="simple" csTypeId="urn:microsoft.com/office/officeart/2005/8/colors/colorful1" csCatId="colorful"/>
       <dgm:spPr/>
       <dgm:t>
         <a:bodyPr/>
@@ -1993,7 +2141,7 @@
       </dgm:t>
     </dgm:pt>
     <dgm:pt modelId="{946FBA58-AA17-4BBE-9CD4-976EC83353F1}" type="sibTrans" cxnId="{B8F84644-4905-4035-9B16-87B2F927AFE9}">
-      <dgm:prSet phldrT="1" phldr="0"/>
+      <dgm:prSet phldrT="01" phldr="0"/>
       <dgm:spPr/>
       <dgm:t>
         <a:bodyPr/>
@@ -2001,7 +2149,7 @@
         <a:p>
           <a:r>
             <a:rPr lang="en-US"/>
-            <a:t>1</a:t>
+            <a:t>01</a:t>
           </a:r>
         </a:p>
       </dgm:t>
@@ -2032,7 +2180,7 @@
       </dgm:t>
     </dgm:pt>
     <dgm:pt modelId="{377FF0E8-939A-4037-932C-2C3586DD4BF9}" type="sibTrans" cxnId="{C73322AA-A960-4C83-BB6C-7CA614B2A2CA}">
-      <dgm:prSet phldrT="2" phldr="0"/>
+      <dgm:prSet phldrT="02" phldr="0"/>
       <dgm:spPr/>
       <dgm:t>
         <a:bodyPr/>
@@ -2040,7 +2188,7 @@
         <a:p>
           <a:r>
             <a:rPr lang="en-US"/>
-            <a:t>2</a:t>
+            <a:t>02</a:t>
           </a:r>
         </a:p>
       </dgm:t>
@@ -2071,7 +2219,7 @@
       </dgm:t>
     </dgm:pt>
     <dgm:pt modelId="{5626E692-CA6A-486F-B3AE-DBBD2B2985E2}" type="sibTrans" cxnId="{24898F60-79D9-4396-8B22-12930B48631E}">
-      <dgm:prSet phldrT="3" phldr="0"/>
+      <dgm:prSet phldrT="03" phldr="0"/>
       <dgm:spPr/>
       <dgm:t>
         <a:bodyPr/>
@@ -2079,12 +2227,12 @@
         <a:p>
           <a:r>
             <a:rPr lang="en-US"/>
-            <a:t>3</a:t>
+            <a:t>03</a:t>
           </a:r>
         </a:p>
       </dgm:t>
     </dgm:pt>
-    <dgm:pt modelId="{AC46AE18-84B3-424E-8D81-534268F2E982}" type="pres">
+    <dgm:pt modelId="{96736E46-CC1F-483A-9E49-9EACE531CBF1}" type="pres">
       <dgm:prSet presAssocID="{96E68090-8FF7-49CD-8044-AAC12F928419}" presName="Name0" presStyleCnt="0">
         <dgm:presLayoutVars>
           <dgm:animLvl val="lvl"/>
@@ -2093,7 +2241,7 @@
       </dgm:prSet>
       <dgm:spPr/>
     </dgm:pt>
-    <dgm:pt modelId="{78C5B01A-BF26-4A5B-AB65-EEFACC88420B}" type="pres">
+    <dgm:pt modelId="{217E86DE-AC74-49BE-80E7-8A2789DD1777}" type="pres">
       <dgm:prSet presAssocID="{03A37E11-DEA8-416D-8943-4584F85BC215}" presName="compositeNode" presStyleCnt="0">
         <dgm:presLayoutVars>
           <dgm:bulletEnabled val="1"/>
@@ -2101,38 +2249,32 @@
       </dgm:prSet>
       <dgm:spPr/>
     </dgm:pt>
-    <dgm:pt modelId="{5869AB80-F646-4DDC-AE2C-89B145E20E7B}" type="pres">
-      <dgm:prSet presAssocID="{03A37E11-DEA8-416D-8943-4584F85BC215}" presName="bgRect" presStyleLbl="bgAccFollowNode1" presStyleIdx="0" presStyleCnt="3"/>
+    <dgm:pt modelId="{F820910B-4BB9-46D5-AFFA-E42BF31BBD0F}" type="pres">
+      <dgm:prSet presAssocID="{03A37E11-DEA8-416D-8943-4584F85BC215}" presName="bgRect" presStyleLbl="alignNode1" presStyleIdx="0" presStyleCnt="3"/>
       <dgm:spPr/>
     </dgm:pt>
-    <dgm:pt modelId="{E3A0B01F-A323-4EC7-8EF7-9C000134D768}" type="pres">
-      <dgm:prSet presAssocID="{946FBA58-AA17-4BBE-9CD4-976EC83353F1}" presName="sibTransNodeCircle" presStyleLbl="alignNode1" presStyleIdx="0" presStyleCnt="6">
+    <dgm:pt modelId="{485F2859-FB70-4BB3-A615-4A872D1C1D10}" type="pres">
+      <dgm:prSet presAssocID="{946FBA58-AA17-4BBE-9CD4-976EC83353F1}" presName="sibTransNodeRect" presStyleLbl="alignNode1" presStyleIdx="0" presStyleCnt="3">
         <dgm:presLayoutVars>
           <dgm:chMax val="0"/>
-          <dgm:bulletEnabled/>
+          <dgm:bulletEnabled val="1"/>
         </dgm:presLayoutVars>
       </dgm:prSet>
       <dgm:spPr/>
     </dgm:pt>
-    <dgm:pt modelId="{EF9122FC-FB67-449F-80E3-DB9C82C83B05}" type="pres">
-      <dgm:prSet presAssocID="{03A37E11-DEA8-416D-8943-4584F85BC215}" presName="bottomLine" presStyleLbl="alignNode1" presStyleIdx="1" presStyleCnt="6">
-        <dgm:presLayoutVars/>
-      </dgm:prSet>
-      <dgm:spPr/>
-    </dgm:pt>
-    <dgm:pt modelId="{4ACAE1C3-0A9D-4BB3-9F9F-5EB019083610}" type="pres">
-      <dgm:prSet presAssocID="{03A37E11-DEA8-416D-8943-4584F85BC215}" presName="nodeText" presStyleLbl="bgAccFollowNode1" presStyleIdx="0" presStyleCnt="3">
+    <dgm:pt modelId="{81A8FD60-28CC-404F-97A6-CA6740484EB4}" type="pres">
+      <dgm:prSet presAssocID="{03A37E11-DEA8-416D-8943-4584F85BC215}" presName="nodeRect" presStyleLbl="alignNode1" presStyleIdx="0" presStyleCnt="3">
         <dgm:presLayoutVars>
           <dgm:bulletEnabled val="1"/>
         </dgm:presLayoutVars>
       </dgm:prSet>
       <dgm:spPr/>
     </dgm:pt>
-    <dgm:pt modelId="{306D1617-BF00-499B-824D-D12697224854}" type="pres">
+    <dgm:pt modelId="{9CAF9B8C-3E3F-45F0-9EB6-7C8612EA5550}" type="pres">
       <dgm:prSet presAssocID="{946FBA58-AA17-4BBE-9CD4-976EC83353F1}" presName="sibTrans" presStyleCnt="0"/>
       <dgm:spPr/>
     </dgm:pt>
-    <dgm:pt modelId="{050EA9E9-C7CE-4D93-817E-782F8CC1DB86}" type="pres">
+    <dgm:pt modelId="{06713857-0451-40BD-A223-A42D0F7D477D}" type="pres">
       <dgm:prSet presAssocID="{74D77B1F-7A1E-4243-817C-991906164C24}" presName="compositeNode" presStyleCnt="0">
         <dgm:presLayoutVars>
           <dgm:bulletEnabled val="1"/>
@@ -2140,38 +2282,32 @@
       </dgm:prSet>
       <dgm:spPr/>
     </dgm:pt>
-    <dgm:pt modelId="{F9C2C9A2-D22F-44F2-BDDF-A01E97945BB9}" type="pres">
-      <dgm:prSet presAssocID="{74D77B1F-7A1E-4243-817C-991906164C24}" presName="bgRect" presStyleLbl="bgAccFollowNode1" presStyleIdx="1" presStyleCnt="3"/>
+    <dgm:pt modelId="{B0EF1B52-8A28-46C6-B667-C10D16F0F7E4}" type="pres">
+      <dgm:prSet presAssocID="{74D77B1F-7A1E-4243-817C-991906164C24}" presName="bgRect" presStyleLbl="alignNode1" presStyleIdx="1" presStyleCnt="3"/>
       <dgm:spPr/>
     </dgm:pt>
-    <dgm:pt modelId="{901B9356-28A6-419D-8B1B-D51511934E19}" type="pres">
-      <dgm:prSet presAssocID="{377FF0E8-939A-4037-932C-2C3586DD4BF9}" presName="sibTransNodeCircle" presStyleLbl="alignNode1" presStyleIdx="2" presStyleCnt="6">
+    <dgm:pt modelId="{CE1E5079-2B8A-4E11-A0FA-AD0B914E484C}" type="pres">
+      <dgm:prSet presAssocID="{377FF0E8-939A-4037-932C-2C3586DD4BF9}" presName="sibTransNodeRect" presStyleLbl="alignNode1" presStyleIdx="1" presStyleCnt="3">
         <dgm:presLayoutVars>
           <dgm:chMax val="0"/>
-          <dgm:bulletEnabled/>
+          <dgm:bulletEnabled val="1"/>
         </dgm:presLayoutVars>
       </dgm:prSet>
       <dgm:spPr/>
     </dgm:pt>
-    <dgm:pt modelId="{84DB1426-8343-4198-8011-A04F9317EDA6}" type="pres">
-      <dgm:prSet presAssocID="{74D77B1F-7A1E-4243-817C-991906164C24}" presName="bottomLine" presStyleLbl="alignNode1" presStyleIdx="3" presStyleCnt="6">
-        <dgm:presLayoutVars/>
-      </dgm:prSet>
-      <dgm:spPr/>
-    </dgm:pt>
-    <dgm:pt modelId="{EB1401C9-1621-43BB-983D-1F672974CD39}" type="pres">
-      <dgm:prSet presAssocID="{74D77B1F-7A1E-4243-817C-991906164C24}" presName="nodeText" presStyleLbl="bgAccFollowNode1" presStyleIdx="1" presStyleCnt="3">
+    <dgm:pt modelId="{51201679-BFC9-4E41-989C-B10D637C4D71}" type="pres">
+      <dgm:prSet presAssocID="{74D77B1F-7A1E-4243-817C-991906164C24}" presName="nodeRect" presStyleLbl="alignNode1" presStyleIdx="1" presStyleCnt="3">
         <dgm:presLayoutVars>
           <dgm:bulletEnabled val="1"/>
         </dgm:presLayoutVars>
       </dgm:prSet>
       <dgm:spPr/>
     </dgm:pt>
-    <dgm:pt modelId="{751D1978-A851-4BA6-A9C0-72E61D3F6243}" type="pres">
+    <dgm:pt modelId="{3BB453A6-249D-4DE5-A848-269521DF43C7}" type="pres">
       <dgm:prSet presAssocID="{377FF0E8-939A-4037-932C-2C3586DD4BF9}" presName="sibTrans" presStyleCnt="0"/>
       <dgm:spPr/>
     </dgm:pt>
-    <dgm:pt modelId="{F63FB770-8DC6-4C8E-B633-16743E6E3CE6}" type="pres">
+    <dgm:pt modelId="{CDEC481A-3A13-4187-8C3E-11C16599EFCD}" type="pres">
       <dgm:prSet presAssocID="{47D6B640-9F45-45DB-8636-50188BE8ED3A}" presName="compositeNode" presStyleCnt="0">
         <dgm:presLayoutVars>
           <dgm:bulletEnabled val="1"/>
@@ -2179,27 +2315,21 @@
       </dgm:prSet>
       <dgm:spPr/>
     </dgm:pt>
-    <dgm:pt modelId="{09DE2942-139A-4E9E-85E8-9D22065A4364}" type="pres">
-      <dgm:prSet presAssocID="{47D6B640-9F45-45DB-8636-50188BE8ED3A}" presName="bgRect" presStyleLbl="bgAccFollowNode1" presStyleIdx="2" presStyleCnt="3"/>
+    <dgm:pt modelId="{CAC6E83C-26A5-4CFA-A7AC-E72E436E948F}" type="pres">
+      <dgm:prSet presAssocID="{47D6B640-9F45-45DB-8636-50188BE8ED3A}" presName="bgRect" presStyleLbl="alignNode1" presStyleIdx="2" presStyleCnt="3"/>
       <dgm:spPr/>
     </dgm:pt>
-    <dgm:pt modelId="{194B6BC5-FA52-4F3E-903F-6859924850F7}" type="pres">
-      <dgm:prSet presAssocID="{5626E692-CA6A-486F-B3AE-DBBD2B2985E2}" presName="sibTransNodeCircle" presStyleLbl="alignNode1" presStyleIdx="4" presStyleCnt="6">
+    <dgm:pt modelId="{21F80C18-AA62-4F00-9B2F-2820FBB2CCE3}" type="pres">
+      <dgm:prSet presAssocID="{5626E692-CA6A-486F-B3AE-DBBD2B2985E2}" presName="sibTransNodeRect" presStyleLbl="alignNode1" presStyleIdx="2" presStyleCnt="3">
         <dgm:presLayoutVars>
           <dgm:chMax val="0"/>
-          <dgm:bulletEnabled/>
+          <dgm:bulletEnabled val="1"/>
         </dgm:presLayoutVars>
       </dgm:prSet>
       <dgm:spPr/>
     </dgm:pt>
-    <dgm:pt modelId="{50D57B97-90A5-4675-BE88-C36BE8819E07}" type="pres">
-      <dgm:prSet presAssocID="{47D6B640-9F45-45DB-8636-50188BE8ED3A}" presName="bottomLine" presStyleLbl="alignNode1" presStyleIdx="5" presStyleCnt="6">
-        <dgm:presLayoutVars/>
-      </dgm:prSet>
-      <dgm:spPr/>
-    </dgm:pt>
-    <dgm:pt modelId="{39E9B6B5-D0AB-4022-B5B1-158EBDDEF163}" type="pres">
-      <dgm:prSet presAssocID="{47D6B640-9F45-45DB-8636-50188BE8ED3A}" presName="nodeText" presStyleLbl="bgAccFollowNode1" presStyleIdx="2" presStyleCnt="3">
+    <dgm:pt modelId="{A93AC4F0-2F9B-4D4B-8086-5DA18002B0BF}" type="pres">
+      <dgm:prSet presAssocID="{47D6B640-9F45-45DB-8636-50188BE8ED3A}" presName="nodeRect" presStyleLbl="alignNode1" presStyleIdx="2" presStyleCnt="3">
         <dgm:presLayoutVars>
           <dgm:bulletEnabled val="1"/>
         </dgm:presLayoutVars>
@@ -2208,36 +2338,33 @@
     </dgm:pt>
   </dgm:ptLst>
   <dgm:cxnLst>
-    <dgm:cxn modelId="{F124FA00-551E-4692-B734-2A281A9ACD81}" type="presOf" srcId="{74D77B1F-7A1E-4243-817C-991906164C24}" destId="{EB1401C9-1621-43BB-983D-1F672974CD39}" srcOrd="1" destOrd="0" presId="urn:microsoft.com/office/officeart/2016/7/layout/BasicLinearProcessNumbered"/>
-    <dgm:cxn modelId="{85E82A07-95D5-40EA-9B62-54EC9CE48BA9}" type="presOf" srcId="{47D6B640-9F45-45DB-8636-50188BE8ED3A}" destId="{39E9B6B5-D0AB-4022-B5B1-158EBDDEF163}" srcOrd="1" destOrd="0" presId="urn:microsoft.com/office/officeart/2016/7/layout/BasicLinearProcessNumbered"/>
-    <dgm:cxn modelId="{F88D1713-F48A-4450-A5C3-26F3776471B9}" type="presOf" srcId="{377FF0E8-939A-4037-932C-2C3586DD4BF9}" destId="{901B9356-28A6-419D-8B1B-D51511934E19}" srcOrd="0" destOrd="0" presId="urn:microsoft.com/office/officeart/2016/7/layout/BasicLinearProcessNumbered"/>
-    <dgm:cxn modelId="{5B7CAD24-9AAB-4F1C-8A40-2EE9B7D2712C}" type="presOf" srcId="{946FBA58-AA17-4BBE-9CD4-976EC83353F1}" destId="{E3A0B01F-A323-4EC7-8EF7-9C000134D768}" srcOrd="0" destOrd="0" presId="urn:microsoft.com/office/officeart/2016/7/layout/BasicLinearProcessNumbered"/>
+    <dgm:cxn modelId="{BF98930E-F524-4D6C-A861-60CAEE38C522}" type="presOf" srcId="{74D77B1F-7A1E-4243-817C-991906164C24}" destId="{B0EF1B52-8A28-46C6-B667-C10D16F0F7E4}" srcOrd="0" destOrd="0" presId="urn:microsoft.com/office/officeart/2016/7/layout/LinearBlockProcessNumbered"/>
+    <dgm:cxn modelId="{FB45BB20-60EC-46D3-864D-ACE6B6C67F1D}" type="presOf" srcId="{377FF0E8-939A-4037-932C-2C3586DD4BF9}" destId="{CE1E5079-2B8A-4E11-A0FA-AD0B914E484C}" srcOrd="0" destOrd="0" presId="urn:microsoft.com/office/officeart/2016/7/layout/LinearBlockProcessNumbered"/>
     <dgm:cxn modelId="{24898F60-79D9-4396-8B22-12930B48631E}" srcId="{96E68090-8FF7-49CD-8044-AAC12F928419}" destId="{47D6B640-9F45-45DB-8636-50188BE8ED3A}" srcOrd="2" destOrd="0" parTransId="{7929FCC4-8963-4F68-A242-834822743D0F}" sibTransId="{5626E692-CA6A-486F-B3AE-DBBD2B2985E2}"/>
     <dgm:cxn modelId="{B8F84644-4905-4035-9B16-87B2F927AFE9}" srcId="{96E68090-8FF7-49CD-8044-AAC12F928419}" destId="{03A37E11-DEA8-416D-8943-4584F85BC215}" srcOrd="0" destOrd="0" parTransId="{9A66E3D6-3D03-4804-9906-8EAD3683768B}" sibTransId="{946FBA58-AA17-4BBE-9CD4-976EC83353F1}"/>
-    <dgm:cxn modelId="{A21F364A-A943-4931-A8B7-993A8A0C542E}" type="presOf" srcId="{74D77B1F-7A1E-4243-817C-991906164C24}" destId="{F9C2C9A2-D22F-44F2-BDDF-A01E97945BB9}" srcOrd="0" destOrd="0" presId="urn:microsoft.com/office/officeart/2016/7/layout/BasicLinearProcessNumbered"/>
-    <dgm:cxn modelId="{F2A49651-4691-4A7E-BF3B-D8B8929CBFB0}" type="presOf" srcId="{03A37E11-DEA8-416D-8943-4584F85BC215}" destId="{4ACAE1C3-0A9D-4BB3-9F9F-5EB019083610}" srcOrd="1" destOrd="0" presId="urn:microsoft.com/office/officeart/2016/7/layout/BasicLinearProcessNumbered"/>
-    <dgm:cxn modelId="{938AEF74-0E95-4D11-9441-0DB2C85EE1BF}" type="presOf" srcId="{03A37E11-DEA8-416D-8943-4584F85BC215}" destId="{5869AB80-F646-4DDC-AE2C-89B145E20E7B}" srcOrd="0" destOrd="0" presId="urn:microsoft.com/office/officeart/2016/7/layout/BasicLinearProcessNumbered"/>
-    <dgm:cxn modelId="{65D94F8C-F580-4937-8D49-E7D16DCA15B5}" type="presOf" srcId="{96E68090-8FF7-49CD-8044-AAC12F928419}" destId="{AC46AE18-84B3-424E-8D81-534268F2E982}" srcOrd="0" destOrd="0" presId="urn:microsoft.com/office/officeart/2016/7/layout/BasicLinearProcessNumbered"/>
-    <dgm:cxn modelId="{4395AB96-BC7A-41C0-BB7B-81C1D0AFD981}" type="presOf" srcId="{5626E692-CA6A-486F-B3AE-DBBD2B2985E2}" destId="{194B6BC5-FA52-4F3E-903F-6859924850F7}" srcOrd="0" destOrd="0" presId="urn:microsoft.com/office/officeart/2016/7/layout/BasicLinearProcessNumbered"/>
-    <dgm:cxn modelId="{F872DFA1-67C0-4CD8-A4B8-AD286C867B49}" type="presOf" srcId="{47D6B640-9F45-45DB-8636-50188BE8ED3A}" destId="{09DE2942-139A-4E9E-85E8-9D22065A4364}" srcOrd="0" destOrd="0" presId="urn:microsoft.com/office/officeart/2016/7/layout/BasicLinearProcessNumbered"/>
+    <dgm:cxn modelId="{5B1FAA65-1F4B-45FD-9A5E-0464B65F7320}" type="presOf" srcId="{47D6B640-9F45-45DB-8636-50188BE8ED3A}" destId="{A93AC4F0-2F9B-4D4B-8086-5DA18002B0BF}" srcOrd="1" destOrd="0" presId="urn:microsoft.com/office/officeart/2016/7/layout/LinearBlockProcessNumbered"/>
+    <dgm:cxn modelId="{BD415D4C-9E09-4409-869F-88B5627E63AF}" type="presOf" srcId="{47D6B640-9F45-45DB-8636-50188BE8ED3A}" destId="{CAC6E83C-26A5-4CFA-A7AC-E72E436E948F}" srcOrd="0" destOrd="0" presId="urn:microsoft.com/office/officeart/2016/7/layout/LinearBlockProcessNumbered"/>
+    <dgm:cxn modelId="{63B62088-25AE-49BA-B0F6-2C85D46B3228}" type="presOf" srcId="{96E68090-8FF7-49CD-8044-AAC12F928419}" destId="{96736E46-CC1F-483A-9E49-9EACE531CBF1}" srcOrd="0" destOrd="0" presId="urn:microsoft.com/office/officeart/2016/7/layout/LinearBlockProcessNumbered"/>
+    <dgm:cxn modelId="{91B58F8A-AF00-4EA1-AEDC-56717777960F}" type="presOf" srcId="{74D77B1F-7A1E-4243-817C-991906164C24}" destId="{51201679-BFC9-4E41-989C-B10D637C4D71}" srcOrd="1" destOrd="0" presId="urn:microsoft.com/office/officeart/2016/7/layout/LinearBlockProcessNumbered"/>
     <dgm:cxn modelId="{C73322AA-A960-4C83-BB6C-7CA614B2A2CA}" srcId="{96E68090-8FF7-49CD-8044-AAC12F928419}" destId="{74D77B1F-7A1E-4243-817C-991906164C24}" srcOrd="1" destOrd="0" parTransId="{F3DB1FC8-40D5-4D41-8F48-66A349F2A4AD}" sibTransId="{377FF0E8-939A-4037-932C-2C3586DD4BF9}"/>
-    <dgm:cxn modelId="{AEF4796E-B1BE-4F57-9B5F-BD1D64B6A06F}" type="presParOf" srcId="{AC46AE18-84B3-424E-8D81-534268F2E982}" destId="{78C5B01A-BF26-4A5B-AB65-EEFACC88420B}" srcOrd="0" destOrd="0" presId="urn:microsoft.com/office/officeart/2016/7/layout/BasicLinearProcessNumbered"/>
-    <dgm:cxn modelId="{C94FC663-95F6-47B0-8EBD-B5211CAF3A96}" type="presParOf" srcId="{78C5B01A-BF26-4A5B-AB65-EEFACC88420B}" destId="{5869AB80-F646-4DDC-AE2C-89B145E20E7B}" srcOrd="0" destOrd="0" presId="urn:microsoft.com/office/officeart/2016/7/layout/BasicLinearProcessNumbered"/>
-    <dgm:cxn modelId="{80473FA7-28B1-4AE1-A1F5-57E11A979BD2}" type="presParOf" srcId="{78C5B01A-BF26-4A5B-AB65-EEFACC88420B}" destId="{E3A0B01F-A323-4EC7-8EF7-9C000134D768}" srcOrd="1" destOrd="0" presId="urn:microsoft.com/office/officeart/2016/7/layout/BasicLinearProcessNumbered"/>
-    <dgm:cxn modelId="{EA4691CC-382B-47C3-8F76-28ACF33A30C6}" type="presParOf" srcId="{78C5B01A-BF26-4A5B-AB65-EEFACC88420B}" destId="{EF9122FC-FB67-449F-80E3-DB9C82C83B05}" srcOrd="2" destOrd="0" presId="urn:microsoft.com/office/officeart/2016/7/layout/BasicLinearProcessNumbered"/>
-    <dgm:cxn modelId="{623A1267-C9DA-4AF5-8F1D-27280129DA4E}" type="presParOf" srcId="{78C5B01A-BF26-4A5B-AB65-EEFACC88420B}" destId="{4ACAE1C3-0A9D-4BB3-9F9F-5EB019083610}" srcOrd="3" destOrd="0" presId="urn:microsoft.com/office/officeart/2016/7/layout/BasicLinearProcessNumbered"/>
-    <dgm:cxn modelId="{67DCB31C-4E27-47FC-84FD-06C58C1E8990}" type="presParOf" srcId="{AC46AE18-84B3-424E-8D81-534268F2E982}" destId="{306D1617-BF00-499B-824D-D12697224854}" srcOrd="1" destOrd="0" presId="urn:microsoft.com/office/officeart/2016/7/layout/BasicLinearProcessNumbered"/>
-    <dgm:cxn modelId="{FA3E5CC6-1E37-44E1-94C2-0D151B903EC7}" type="presParOf" srcId="{AC46AE18-84B3-424E-8D81-534268F2E982}" destId="{050EA9E9-C7CE-4D93-817E-782F8CC1DB86}" srcOrd="2" destOrd="0" presId="urn:microsoft.com/office/officeart/2016/7/layout/BasicLinearProcessNumbered"/>
-    <dgm:cxn modelId="{D331E069-5638-416E-8307-AAE89705B96F}" type="presParOf" srcId="{050EA9E9-C7CE-4D93-817E-782F8CC1DB86}" destId="{F9C2C9A2-D22F-44F2-BDDF-A01E97945BB9}" srcOrd="0" destOrd="0" presId="urn:microsoft.com/office/officeart/2016/7/layout/BasicLinearProcessNumbered"/>
-    <dgm:cxn modelId="{6FF3FE5E-864B-4BC4-8891-0C42DB1F762D}" type="presParOf" srcId="{050EA9E9-C7CE-4D93-817E-782F8CC1DB86}" destId="{901B9356-28A6-419D-8B1B-D51511934E19}" srcOrd="1" destOrd="0" presId="urn:microsoft.com/office/officeart/2016/7/layout/BasicLinearProcessNumbered"/>
-    <dgm:cxn modelId="{8ECC614C-C417-4A04-8687-E5EFC818632E}" type="presParOf" srcId="{050EA9E9-C7CE-4D93-817E-782F8CC1DB86}" destId="{84DB1426-8343-4198-8011-A04F9317EDA6}" srcOrd="2" destOrd="0" presId="urn:microsoft.com/office/officeart/2016/7/layout/BasicLinearProcessNumbered"/>
-    <dgm:cxn modelId="{5F279B6D-6AC7-4CC9-BE21-89383AA33615}" type="presParOf" srcId="{050EA9E9-C7CE-4D93-817E-782F8CC1DB86}" destId="{EB1401C9-1621-43BB-983D-1F672974CD39}" srcOrd="3" destOrd="0" presId="urn:microsoft.com/office/officeart/2016/7/layout/BasicLinearProcessNumbered"/>
-    <dgm:cxn modelId="{8A3DD352-C55A-4B66-A981-817829A6D247}" type="presParOf" srcId="{AC46AE18-84B3-424E-8D81-534268F2E982}" destId="{751D1978-A851-4BA6-A9C0-72E61D3F6243}" srcOrd="3" destOrd="0" presId="urn:microsoft.com/office/officeart/2016/7/layout/BasicLinearProcessNumbered"/>
-    <dgm:cxn modelId="{4F23667F-596E-4B24-8E7B-7A640AC8CE10}" type="presParOf" srcId="{AC46AE18-84B3-424E-8D81-534268F2E982}" destId="{F63FB770-8DC6-4C8E-B633-16743E6E3CE6}" srcOrd="4" destOrd="0" presId="urn:microsoft.com/office/officeart/2016/7/layout/BasicLinearProcessNumbered"/>
-    <dgm:cxn modelId="{6C3049EF-A843-495C-87C2-2A22B5AE81A6}" type="presParOf" srcId="{F63FB770-8DC6-4C8E-B633-16743E6E3CE6}" destId="{09DE2942-139A-4E9E-85E8-9D22065A4364}" srcOrd="0" destOrd="0" presId="urn:microsoft.com/office/officeart/2016/7/layout/BasicLinearProcessNumbered"/>
-    <dgm:cxn modelId="{4A31698A-8A82-4E9F-99C9-FF0437212F8C}" type="presParOf" srcId="{F63FB770-8DC6-4C8E-B633-16743E6E3CE6}" destId="{194B6BC5-FA52-4F3E-903F-6859924850F7}" srcOrd="1" destOrd="0" presId="urn:microsoft.com/office/officeart/2016/7/layout/BasicLinearProcessNumbered"/>
-    <dgm:cxn modelId="{0308CB4B-09C2-480D-8548-F670A4CD0B91}" type="presParOf" srcId="{F63FB770-8DC6-4C8E-B633-16743E6E3CE6}" destId="{50D57B97-90A5-4675-BE88-C36BE8819E07}" srcOrd="2" destOrd="0" presId="urn:microsoft.com/office/officeart/2016/7/layout/BasicLinearProcessNumbered"/>
-    <dgm:cxn modelId="{E8D95C19-2AE3-43BD-8CCF-9E15231A48C6}" type="presParOf" srcId="{F63FB770-8DC6-4C8E-B633-16743E6E3CE6}" destId="{39E9B6B5-D0AB-4022-B5B1-158EBDDEF163}" srcOrd="3" destOrd="0" presId="urn:microsoft.com/office/officeart/2016/7/layout/BasicLinearProcessNumbered"/>
+    <dgm:cxn modelId="{0E8CF6B4-48A9-4984-94F3-EDF8F12E7E6A}" type="presOf" srcId="{946FBA58-AA17-4BBE-9CD4-976EC83353F1}" destId="{485F2859-FB70-4BB3-A615-4A872D1C1D10}" srcOrd="0" destOrd="0" presId="urn:microsoft.com/office/officeart/2016/7/layout/LinearBlockProcessNumbered"/>
+    <dgm:cxn modelId="{116BC1D0-96C5-40AC-8188-3D4596EC523C}" type="presOf" srcId="{5626E692-CA6A-486F-B3AE-DBBD2B2985E2}" destId="{21F80C18-AA62-4F00-9B2F-2820FBB2CCE3}" srcOrd="0" destOrd="0" presId="urn:microsoft.com/office/officeart/2016/7/layout/LinearBlockProcessNumbered"/>
+    <dgm:cxn modelId="{5CDC0EE7-9866-4041-A48F-34CA61219BE3}" type="presOf" srcId="{03A37E11-DEA8-416D-8943-4584F85BC215}" destId="{F820910B-4BB9-46D5-AFFA-E42BF31BBD0F}" srcOrd="0" destOrd="0" presId="urn:microsoft.com/office/officeart/2016/7/layout/LinearBlockProcessNumbered"/>
+    <dgm:cxn modelId="{A2D82EE7-7C24-4F7B-A93D-37645F7D9549}" type="presOf" srcId="{03A37E11-DEA8-416D-8943-4584F85BC215}" destId="{81A8FD60-28CC-404F-97A6-CA6740484EB4}" srcOrd="1" destOrd="0" presId="urn:microsoft.com/office/officeart/2016/7/layout/LinearBlockProcessNumbered"/>
+    <dgm:cxn modelId="{9119CF28-106F-4E6F-83F6-7B44A536784C}" type="presParOf" srcId="{96736E46-CC1F-483A-9E49-9EACE531CBF1}" destId="{217E86DE-AC74-49BE-80E7-8A2789DD1777}" srcOrd="0" destOrd="0" presId="urn:microsoft.com/office/officeart/2016/7/layout/LinearBlockProcessNumbered"/>
+    <dgm:cxn modelId="{630B9E8C-5611-46BE-AD31-1D12147D8E7C}" type="presParOf" srcId="{217E86DE-AC74-49BE-80E7-8A2789DD1777}" destId="{F820910B-4BB9-46D5-AFFA-E42BF31BBD0F}" srcOrd="0" destOrd="0" presId="urn:microsoft.com/office/officeart/2016/7/layout/LinearBlockProcessNumbered"/>
+    <dgm:cxn modelId="{7AD682B8-979A-43DE-B4C2-A73463A028CE}" type="presParOf" srcId="{217E86DE-AC74-49BE-80E7-8A2789DD1777}" destId="{485F2859-FB70-4BB3-A615-4A872D1C1D10}" srcOrd="1" destOrd="0" presId="urn:microsoft.com/office/officeart/2016/7/layout/LinearBlockProcessNumbered"/>
+    <dgm:cxn modelId="{467C36F9-50A0-444E-9E1D-37312E5582B3}" type="presParOf" srcId="{217E86DE-AC74-49BE-80E7-8A2789DD1777}" destId="{81A8FD60-28CC-404F-97A6-CA6740484EB4}" srcOrd="2" destOrd="0" presId="urn:microsoft.com/office/officeart/2016/7/layout/LinearBlockProcessNumbered"/>
+    <dgm:cxn modelId="{0D910605-8B3D-4323-A7D6-AE52C739011A}" type="presParOf" srcId="{96736E46-CC1F-483A-9E49-9EACE531CBF1}" destId="{9CAF9B8C-3E3F-45F0-9EB6-7C8612EA5550}" srcOrd="1" destOrd="0" presId="urn:microsoft.com/office/officeart/2016/7/layout/LinearBlockProcessNumbered"/>
+    <dgm:cxn modelId="{FF4166A6-25C8-4F7D-B4EA-220D2E381E2F}" type="presParOf" srcId="{96736E46-CC1F-483A-9E49-9EACE531CBF1}" destId="{06713857-0451-40BD-A223-A42D0F7D477D}" srcOrd="2" destOrd="0" presId="urn:microsoft.com/office/officeart/2016/7/layout/LinearBlockProcessNumbered"/>
+    <dgm:cxn modelId="{C98770C8-06E3-4D56-9303-9FAD2E370CA2}" type="presParOf" srcId="{06713857-0451-40BD-A223-A42D0F7D477D}" destId="{B0EF1B52-8A28-46C6-B667-C10D16F0F7E4}" srcOrd="0" destOrd="0" presId="urn:microsoft.com/office/officeart/2016/7/layout/LinearBlockProcessNumbered"/>
+    <dgm:cxn modelId="{D4D3E7C0-A52A-40FB-8A08-4C8A77B43D4B}" type="presParOf" srcId="{06713857-0451-40BD-A223-A42D0F7D477D}" destId="{CE1E5079-2B8A-4E11-A0FA-AD0B914E484C}" srcOrd="1" destOrd="0" presId="urn:microsoft.com/office/officeart/2016/7/layout/LinearBlockProcessNumbered"/>
+    <dgm:cxn modelId="{DB9719B2-9C9E-465F-8AAC-A34632B1BB0C}" type="presParOf" srcId="{06713857-0451-40BD-A223-A42D0F7D477D}" destId="{51201679-BFC9-4E41-989C-B10D637C4D71}" srcOrd="2" destOrd="0" presId="urn:microsoft.com/office/officeart/2016/7/layout/LinearBlockProcessNumbered"/>
+    <dgm:cxn modelId="{F25743C9-2085-472C-BA8F-772FB023ABF6}" type="presParOf" srcId="{96736E46-CC1F-483A-9E49-9EACE531CBF1}" destId="{3BB453A6-249D-4DE5-A848-269521DF43C7}" srcOrd="3" destOrd="0" presId="urn:microsoft.com/office/officeart/2016/7/layout/LinearBlockProcessNumbered"/>
+    <dgm:cxn modelId="{34AB742A-94C0-45E7-AAF1-8E243B88A6B8}" type="presParOf" srcId="{96736E46-CC1F-483A-9E49-9EACE531CBF1}" destId="{CDEC481A-3A13-4187-8C3E-11C16599EFCD}" srcOrd="4" destOrd="0" presId="urn:microsoft.com/office/officeart/2016/7/layout/LinearBlockProcessNumbered"/>
+    <dgm:cxn modelId="{881D0CA5-5C8E-491A-A706-95834ADCFAC7}" type="presParOf" srcId="{CDEC481A-3A13-4187-8C3E-11C16599EFCD}" destId="{CAC6E83C-26A5-4CFA-A7AC-E72E436E948F}" srcOrd="0" destOrd="0" presId="urn:microsoft.com/office/officeart/2016/7/layout/LinearBlockProcessNumbered"/>
+    <dgm:cxn modelId="{511994B7-F452-4BB8-AC34-B866A2DF7454}" type="presParOf" srcId="{CDEC481A-3A13-4187-8C3E-11C16599EFCD}" destId="{21F80C18-AA62-4F00-9B2F-2820FBB2CCE3}" srcOrd="1" destOrd="0" presId="urn:microsoft.com/office/officeart/2016/7/layout/LinearBlockProcessNumbered"/>
+    <dgm:cxn modelId="{3BC62F71-529E-464C-B036-0B60AA113837}" type="presParOf" srcId="{CDEC481A-3A13-4187-8C3E-11C16599EFCD}" destId="{A93AC4F0-2F9B-4D4B-8086-5DA18002B0BF}" srcOrd="2" destOrd="0" presId="urn:microsoft.com/office/officeart/2016/7/layout/LinearBlockProcessNumbered"/>
   </dgm:cxnLst>
   <dgm:bg/>
   <dgm:whole/>
@@ -2698,23 +2825,21 @@
       <dsp:cNvGrpSpPr/>
     </dsp:nvGrpSpPr>
     <dsp:grpSpPr/>
-    <dsp:sp modelId="{5869AB80-F646-4DDC-AE2C-89B145E20E7B}">
+    <dsp:sp modelId="{F820910B-4BB9-46D5-AFFA-E42BF31BBD0F}">
       <dsp:nvSpPr>
         <dsp:cNvPr id="0" name=""/>
         <dsp:cNvSpPr/>
       </dsp:nvSpPr>
       <dsp:spPr>
         <a:xfrm>
-          <a:off x="0" y="0"/>
-          <a:ext cx="3283267" cy="4535424"/>
+          <a:off x="820" y="0"/>
+          <a:ext cx="3324308" cy="3876948"/>
         </a:xfrm>
         <a:prstGeom prst="rect">
           <a:avLst/>
         </a:prstGeom>
         <a:solidFill>
-          <a:schemeClr val="accent5">
-            <a:tint val="40000"/>
-            <a:alpha val="90000"/>
+          <a:schemeClr val="accent2">
             <a:hueOff val="0"/>
             <a:satOff val="0"/>
             <a:lumOff val="0"/>
@@ -2723,85 +2848,7 @@
         </a:solidFill>
         <a:ln w="12700" cap="flat" cmpd="sng" algn="ctr">
           <a:solidFill>
-            <a:schemeClr val="accent5">
-              <a:tint val="40000"/>
-              <a:alpha val="90000"/>
-              <a:hueOff val="0"/>
-              <a:satOff val="0"/>
-              <a:lumOff val="0"/>
-              <a:alphaOff val="0"/>
-            </a:schemeClr>
-          </a:solidFill>
-          <a:prstDash val="solid"/>
-          <a:miter lim="800000"/>
-        </a:ln>
-        <a:effectLst/>
-      </dsp:spPr>
-      <dsp:style>
-        <a:lnRef idx="2">
-          <a:scrgbClr r="0" g="0" b="0"/>
-        </a:lnRef>
-        <a:fillRef idx="1">
-          <a:scrgbClr r="0" g="0" b="0"/>
-        </a:fillRef>
-        <a:effectRef idx="0">
-          <a:scrgbClr r="0" g="0" b="0"/>
-        </a:effectRef>
-        <a:fontRef idx="minor"/>
-      </dsp:style>
-      <dsp:txBody>
-        <a:bodyPr spcFirstLastPara="0" vert="horz" wrap="square" lIns="255976" tIns="330200" rIns="255976" bIns="330200" numCol="1" spcCol="1270" anchor="t" anchorCtr="0">
-          <a:noAutofit/>
-        </a:bodyPr>
-        <a:lstStyle/>
-        <a:p>
-          <a:pPr marL="0" lvl="0" indent="0" algn="l" defTabSz="1155700">
-            <a:lnSpc>
-              <a:spcPct val="90000"/>
-            </a:lnSpc>
-            <a:spcBef>
-              <a:spcPct val="0"/>
-            </a:spcBef>
-            <a:spcAft>
-              <a:spcPct val="35000"/>
-            </a:spcAft>
-            <a:buNone/>
-          </a:pPr>
-          <a:r>
-            <a:rPr lang="en-US" sz="2600" kern="1200"/>
-            <a:t>Portable Eye-tracking system easily mounted on any moving chair.</a:t>
-          </a:r>
-        </a:p>
-      </dsp:txBody>
-      <dsp:txXfrm>
-        <a:off x="0" y="1723461"/>
-        <a:ext cx="3283267" cy="2721254"/>
-      </dsp:txXfrm>
-    </dsp:sp>
-    <dsp:sp modelId="{E3A0B01F-A323-4EC7-8EF7-9C000134D768}">
-      <dsp:nvSpPr>
-        <dsp:cNvPr id="0" name=""/>
-        <dsp:cNvSpPr/>
-      </dsp:nvSpPr>
-      <dsp:spPr>
-        <a:xfrm>
-          <a:off x="961320" y="453542"/>
-          <a:ext cx="1360627" cy="1360627"/>
-        </a:xfrm>
-        <a:prstGeom prst="ellipse">
-          <a:avLst/>
-        </a:prstGeom>
-        <a:solidFill>
-          <a:schemeClr val="accent5">
-            <a:hueOff val="0"/>
-            <a:satOff val="0"/>
-            <a:lumOff val="0"/>
-            <a:alphaOff val="0"/>
-          </a:schemeClr>
-        </a:solidFill>
-        <a:ln w="12700" cap="flat" cmpd="sng" algn="ctr">
-          <a:solidFill>
-            <a:schemeClr val="accent5">
+            <a:schemeClr val="accent2">
               <a:hueOff val="0"/>
               <a:satOff val="0"/>
               <a:lumOff val="0"/>
@@ -2828,12 +2875,12 @@
         </a:fontRef>
       </dsp:style>
       <dsp:txBody>
-        <a:bodyPr spcFirstLastPara="0" vert="horz" wrap="square" lIns="106080" tIns="12700" rIns="106080" bIns="12700" numCol="1" spcCol="1270" anchor="ctr" anchorCtr="0">
+        <a:bodyPr spcFirstLastPara="0" vert="horz" wrap="square" lIns="328368" tIns="0" rIns="328368" bIns="330200" numCol="1" spcCol="1270" anchor="t" anchorCtr="0">
           <a:noAutofit/>
         </a:bodyPr>
         <a:lstStyle/>
         <a:p>
-          <a:pPr marL="0" lvl="0" indent="0" algn="ctr" defTabSz="2133600">
+          <a:pPr marL="0" lvl="0" indent="0" algn="l" defTabSz="1155700">
             <a:lnSpc>
               <a:spcPct val="90000"/>
             </a:lnSpc>
@@ -2846,43 +2893,108 @@
             <a:buNone/>
           </a:pPr>
           <a:r>
-            <a:rPr lang="en-US" sz="4800" kern="1200"/>
-            <a:t>1</a:t>
+            <a:rPr lang="en-US" sz="2600" kern="1200"/>
+            <a:t>Portable Eye-tracking system easily mounted on any moving chair.</a:t>
           </a:r>
         </a:p>
       </dsp:txBody>
       <dsp:txXfrm>
-        <a:off x="1160579" y="652801"/>
-        <a:ext cx="962109" cy="962109"/>
+        <a:off x="820" y="1550779"/>
+        <a:ext cx="3324308" cy="2326168"/>
       </dsp:txXfrm>
     </dsp:sp>
-    <dsp:sp modelId="{EF9122FC-FB67-449F-80E3-DB9C82C83B05}">
+    <dsp:sp modelId="{485F2859-FB70-4BB3-A615-4A872D1C1D10}">
       <dsp:nvSpPr>
         <dsp:cNvPr id="0" name=""/>
         <dsp:cNvSpPr/>
       </dsp:nvSpPr>
       <dsp:spPr>
         <a:xfrm>
-          <a:off x="0" y="4535352"/>
-          <a:ext cx="3283267" cy="72"/>
+          <a:off x="820" y="0"/>
+          <a:ext cx="3324308" cy="1550779"/>
+        </a:xfrm>
+        <a:prstGeom prst="rect">
+          <a:avLst/>
+        </a:prstGeom>
+        <a:noFill/>
+        <a:ln w="12700" cap="flat" cmpd="sng" algn="ctr">
+          <a:noFill/>
+          <a:prstDash val="solid"/>
+          <a:miter lim="800000"/>
+        </a:ln>
+        <a:effectLst/>
+        <a:sp3d/>
+      </dsp:spPr>
+      <dsp:style>
+        <a:lnRef idx="2">
+          <a:scrgbClr r="0" g="0" b="0"/>
+        </a:lnRef>
+        <a:fillRef idx="1">
+          <a:scrgbClr r="0" g="0" b="0"/>
+        </a:fillRef>
+        <a:effectRef idx="0">
+          <a:scrgbClr r="0" g="0" b="0"/>
+        </a:effectRef>
+        <a:fontRef idx="minor">
+          <a:schemeClr val="lt1"/>
+        </a:fontRef>
+      </dsp:style>
+      <dsp:txBody>
+        <a:bodyPr spcFirstLastPara="0" vert="horz" wrap="square" lIns="328368" tIns="165100" rIns="328368" bIns="165100" numCol="1" spcCol="1270" anchor="ctr" anchorCtr="0">
+          <a:noAutofit/>
+        </a:bodyPr>
+        <a:lstStyle/>
+        <a:p>
+          <a:pPr marL="0" lvl="0" indent="0" algn="l" defTabSz="2933700">
+            <a:lnSpc>
+              <a:spcPct val="90000"/>
+            </a:lnSpc>
+            <a:spcBef>
+              <a:spcPct val="0"/>
+            </a:spcBef>
+            <a:spcAft>
+              <a:spcPct val="35000"/>
+            </a:spcAft>
+            <a:buNone/>
+          </a:pPr>
+          <a:r>
+            <a:rPr lang="en-US" sz="6600" kern="1200"/>
+            <a:t>01</a:t>
+          </a:r>
+        </a:p>
+      </dsp:txBody>
+      <dsp:txXfrm>
+        <a:off x="820" y="0"/>
+        <a:ext cx="3324308" cy="1550779"/>
+      </dsp:txXfrm>
+    </dsp:sp>
+    <dsp:sp modelId="{B0EF1B52-8A28-46C6-B667-C10D16F0F7E4}">
+      <dsp:nvSpPr>
+        <dsp:cNvPr id="0" name=""/>
+        <dsp:cNvSpPr/>
+      </dsp:nvSpPr>
+      <dsp:spPr>
+        <a:xfrm>
+          <a:off x="3591073" y="0"/>
+          <a:ext cx="3324308" cy="3876948"/>
         </a:xfrm>
         <a:prstGeom prst="rect">
           <a:avLst/>
         </a:prstGeom>
         <a:solidFill>
-          <a:schemeClr val="accent5">
-            <a:hueOff val="3481973"/>
-            <a:satOff val="1538"/>
-            <a:lumOff val="-1686"/>
+          <a:schemeClr val="accent3">
+            <a:hueOff val="0"/>
+            <a:satOff val="0"/>
+            <a:lumOff val="0"/>
             <a:alphaOff val="0"/>
           </a:schemeClr>
         </a:solidFill>
         <a:ln w="12700" cap="flat" cmpd="sng" algn="ctr">
           <a:solidFill>
-            <a:schemeClr val="accent5">
-              <a:hueOff val="3481973"/>
-              <a:satOff val="1538"/>
-              <a:lumOff val="-1686"/>
+            <a:schemeClr val="accent3">
+              <a:hueOff val="0"/>
+              <a:satOff val="0"/>
+              <a:lumOff val="0"/>
               <a:alphaOff val="0"/>
             </a:schemeClr>
           </a:solidFill>
@@ -2905,60 +3017,8 @@
           <a:schemeClr val="lt1"/>
         </a:fontRef>
       </dsp:style>
-    </dsp:sp>
-    <dsp:sp modelId="{F9C2C9A2-D22F-44F2-BDDF-A01E97945BB9}">
-      <dsp:nvSpPr>
-        <dsp:cNvPr id="0" name=""/>
-        <dsp:cNvSpPr/>
-      </dsp:nvSpPr>
-      <dsp:spPr>
-        <a:xfrm>
-          <a:off x="3611594" y="0"/>
-          <a:ext cx="3283267" cy="4535424"/>
-        </a:xfrm>
-        <a:prstGeom prst="rect">
-          <a:avLst/>
-        </a:prstGeom>
-        <a:solidFill>
-          <a:schemeClr val="accent5">
-            <a:tint val="40000"/>
-            <a:alpha val="90000"/>
-            <a:hueOff val="8627848"/>
-            <a:satOff val="-629"/>
-            <a:lumOff val="-749"/>
-            <a:alphaOff val="0"/>
-          </a:schemeClr>
-        </a:solidFill>
-        <a:ln w="12700" cap="flat" cmpd="sng" algn="ctr">
-          <a:solidFill>
-            <a:schemeClr val="accent5">
-              <a:tint val="40000"/>
-              <a:alpha val="90000"/>
-              <a:hueOff val="8627848"/>
-              <a:satOff val="-629"/>
-              <a:lumOff val="-749"/>
-              <a:alphaOff val="0"/>
-            </a:schemeClr>
-          </a:solidFill>
-          <a:prstDash val="solid"/>
-          <a:miter lim="800000"/>
-        </a:ln>
-        <a:effectLst/>
-      </dsp:spPr>
-      <dsp:style>
-        <a:lnRef idx="2">
-          <a:scrgbClr r="0" g="0" b="0"/>
-        </a:lnRef>
-        <a:fillRef idx="1">
-          <a:scrgbClr r="0" g="0" b="0"/>
-        </a:fillRef>
-        <a:effectRef idx="0">
-          <a:scrgbClr r="0" g="0" b="0"/>
-        </a:effectRef>
-        <a:fontRef idx="minor"/>
-      </dsp:style>
       <dsp:txBody>
-        <a:bodyPr spcFirstLastPara="0" vert="horz" wrap="square" lIns="255976" tIns="330200" rIns="255976" bIns="330200" numCol="1" spcCol="1270" anchor="t" anchorCtr="0">
+        <a:bodyPr spcFirstLastPara="0" vert="horz" wrap="square" lIns="328368" tIns="0" rIns="328368" bIns="330200" numCol="1" spcCol="1270" anchor="t" anchorCtr="0">
           <a:noAutofit/>
         </a:bodyPr>
         <a:lstStyle/>
@@ -2982,37 +3042,102 @@
         </a:p>
       </dsp:txBody>
       <dsp:txXfrm>
-        <a:off x="3611594" y="1723461"/>
-        <a:ext cx="3283267" cy="2721254"/>
+        <a:off x="3591073" y="1550779"/>
+        <a:ext cx="3324308" cy="2326168"/>
       </dsp:txXfrm>
     </dsp:sp>
-    <dsp:sp modelId="{901B9356-28A6-419D-8B1B-D51511934E19}">
+    <dsp:sp modelId="{CE1E5079-2B8A-4E11-A0FA-AD0B914E484C}">
       <dsp:nvSpPr>
         <dsp:cNvPr id="0" name=""/>
         <dsp:cNvSpPr/>
       </dsp:nvSpPr>
       <dsp:spPr>
         <a:xfrm>
-          <a:off x="4572914" y="453542"/>
-          <a:ext cx="1360627" cy="1360627"/>
+          <a:off x="3591073" y="0"/>
+          <a:ext cx="3324308" cy="1550779"/>
         </a:xfrm>
-        <a:prstGeom prst="ellipse">
+        <a:prstGeom prst="rect">
+          <a:avLst/>
+        </a:prstGeom>
+        <a:noFill/>
+        <a:ln w="12700" cap="flat" cmpd="sng" algn="ctr">
+          <a:noFill/>
+          <a:prstDash val="solid"/>
+          <a:miter lim="800000"/>
+        </a:ln>
+        <a:effectLst/>
+        <a:sp3d/>
+      </dsp:spPr>
+      <dsp:style>
+        <a:lnRef idx="2">
+          <a:scrgbClr r="0" g="0" b="0"/>
+        </a:lnRef>
+        <a:fillRef idx="1">
+          <a:scrgbClr r="0" g="0" b="0"/>
+        </a:fillRef>
+        <a:effectRef idx="0">
+          <a:scrgbClr r="0" g="0" b="0"/>
+        </a:effectRef>
+        <a:fontRef idx="minor">
+          <a:schemeClr val="lt1"/>
+        </a:fontRef>
+      </dsp:style>
+      <dsp:txBody>
+        <a:bodyPr spcFirstLastPara="0" vert="horz" wrap="square" lIns="328368" tIns="165100" rIns="328368" bIns="165100" numCol="1" spcCol="1270" anchor="ctr" anchorCtr="0">
+          <a:noAutofit/>
+        </a:bodyPr>
+        <a:lstStyle/>
+        <a:p>
+          <a:pPr marL="0" lvl="0" indent="0" algn="l" defTabSz="2933700">
+            <a:lnSpc>
+              <a:spcPct val="90000"/>
+            </a:lnSpc>
+            <a:spcBef>
+              <a:spcPct val="0"/>
+            </a:spcBef>
+            <a:spcAft>
+              <a:spcPct val="35000"/>
+            </a:spcAft>
+            <a:buNone/>
+          </a:pPr>
+          <a:r>
+            <a:rPr lang="en-US" sz="6600" kern="1200"/>
+            <a:t>02</a:t>
+          </a:r>
+        </a:p>
+      </dsp:txBody>
+      <dsp:txXfrm>
+        <a:off x="3591073" y="0"/>
+        <a:ext cx="3324308" cy="1550779"/>
+      </dsp:txXfrm>
+    </dsp:sp>
+    <dsp:sp modelId="{CAC6E83C-26A5-4CFA-A7AC-E72E436E948F}">
+      <dsp:nvSpPr>
+        <dsp:cNvPr id="0" name=""/>
+        <dsp:cNvSpPr/>
+      </dsp:nvSpPr>
+      <dsp:spPr>
+        <a:xfrm>
+          <a:off x="7181326" y="0"/>
+          <a:ext cx="3324308" cy="3876948"/>
+        </a:xfrm>
+        <a:prstGeom prst="rect">
           <a:avLst/>
         </a:prstGeom>
         <a:solidFill>
-          <a:schemeClr val="accent5">
-            <a:hueOff val="6963945"/>
-            <a:satOff val="3077"/>
-            <a:lumOff val="-3373"/>
+          <a:schemeClr val="accent4">
+            <a:hueOff val="0"/>
+            <a:satOff val="0"/>
+            <a:lumOff val="0"/>
             <a:alphaOff val="0"/>
           </a:schemeClr>
         </a:solidFill>
         <a:ln w="12700" cap="flat" cmpd="sng" algn="ctr">
           <a:solidFill>
-            <a:schemeClr val="accent5">
-              <a:hueOff val="6963945"/>
-              <a:satOff val="3077"/>
-              <a:lumOff val="-3373"/>
+            <a:schemeClr val="accent4">
+              <a:hueOff val="0"/>
+              <a:satOff val="0"/>
+              <a:lumOff val="0"/>
               <a:alphaOff val="0"/>
             </a:schemeClr>
           </a:solidFill>
@@ -3036,137 +3161,7 @@
         </a:fontRef>
       </dsp:style>
       <dsp:txBody>
-        <a:bodyPr spcFirstLastPara="0" vert="horz" wrap="square" lIns="106080" tIns="12700" rIns="106080" bIns="12700" numCol="1" spcCol="1270" anchor="ctr" anchorCtr="0">
-          <a:noAutofit/>
-        </a:bodyPr>
-        <a:lstStyle/>
-        <a:p>
-          <a:pPr marL="0" lvl="0" indent="0" algn="ctr" defTabSz="2133600">
-            <a:lnSpc>
-              <a:spcPct val="90000"/>
-            </a:lnSpc>
-            <a:spcBef>
-              <a:spcPct val="0"/>
-            </a:spcBef>
-            <a:spcAft>
-              <a:spcPct val="35000"/>
-            </a:spcAft>
-            <a:buNone/>
-          </a:pPr>
-          <a:r>
-            <a:rPr lang="en-US" sz="4800" kern="1200"/>
-            <a:t>2</a:t>
-          </a:r>
-        </a:p>
-      </dsp:txBody>
-      <dsp:txXfrm>
-        <a:off x="4772173" y="652801"/>
-        <a:ext cx="962109" cy="962109"/>
-      </dsp:txXfrm>
-    </dsp:sp>
-    <dsp:sp modelId="{84DB1426-8343-4198-8011-A04F9317EDA6}">
-      <dsp:nvSpPr>
-        <dsp:cNvPr id="0" name=""/>
-        <dsp:cNvSpPr/>
-      </dsp:nvSpPr>
-      <dsp:spPr>
-        <a:xfrm>
-          <a:off x="3611594" y="4535352"/>
-          <a:ext cx="3283267" cy="72"/>
-        </a:xfrm>
-        <a:prstGeom prst="rect">
-          <a:avLst/>
-        </a:prstGeom>
-        <a:solidFill>
-          <a:schemeClr val="accent5">
-            <a:hueOff val="10445919"/>
-            <a:satOff val="4615"/>
-            <a:lumOff val="-5059"/>
-            <a:alphaOff val="0"/>
-          </a:schemeClr>
-        </a:solidFill>
-        <a:ln w="12700" cap="flat" cmpd="sng" algn="ctr">
-          <a:solidFill>
-            <a:schemeClr val="accent5">
-              <a:hueOff val="10445919"/>
-              <a:satOff val="4615"/>
-              <a:lumOff val="-5059"/>
-              <a:alphaOff val="0"/>
-            </a:schemeClr>
-          </a:solidFill>
-          <a:prstDash val="solid"/>
-          <a:miter lim="800000"/>
-        </a:ln>
-        <a:effectLst/>
-      </dsp:spPr>
-      <dsp:style>
-        <a:lnRef idx="2">
-          <a:scrgbClr r="0" g="0" b="0"/>
-        </a:lnRef>
-        <a:fillRef idx="1">
-          <a:scrgbClr r="0" g="0" b="0"/>
-        </a:fillRef>
-        <a:effectRef idx="0">
-          <a:scrgbClr r="0" g="0" b="0"/>
-        </a:effectRef>
-        <a:fontRef idx="minor">
-          <a:schemeClr val="lt1"/>
-        </a:fontRef>
-      </dsp:style>
-    </dsp:sp>
-    <dsp:sp modelId="{09DE2942-139A-4E9E-85E8-9D22065A4364}">
-      <dsp:nvSpPr>
-        <dsp:cNvPr id="0" name=""/>
-        <dsp:cNvSpPr/>
-      </dsp:nvSpPr>
-      <dsp:spPr>
-        <a:xfrm>
-          <a:off x="7223188" y="0"/>
-          <a:ext cx="3283267" cy="4535424"/>
-        </a:xfrm>
-        <a:prstGeom prst="rect">
-          <a:avLst/>
-        </a:prstGeom>
-        <a:solidFill>
-          <a:schemeClr val="accent5">
-            <a:tint val="40000"/>
-            <a:alpha val="90000"/>
-            <a:hueOff val="17255696"/>
-            <a:satOff val="-1258"/>
-            <a:lumOff val="-1497"/>
-            <a:alphaOff val="0"/>
-          </a:schemeClr>
-        </a:solidFill>
-        <a:ln w="12700" cap="flat" cmpd="sng" algn="ctr">
-          <a:solidFill>
-            <a:schemeClr val="accent5">
-              <a:tint val="40000"/>
-              <a:alpha val="90000"/>
-              <a:hueOff val="17255696"/>
-              <a:satOff val="-1258"/>
-              <a:lumOff val="-1497"/>
-              <a:alphaOff val="0"/>
-            </a:schemeClr>
-          </a:solidFill>
-          <a:prstDash val="solid"/>
-          <a:miter lim="800000"/>
-        </a:ln>
-        <a:effectLst/>
-      </dsp:spPr>
-      <dsp:style>
-        <a:lnRef idx="2">
-          <a:scrgbClr r="0" g="0" b="0"/>
-        </a:lnRef>
-        <a:fillRef idx="1">
-          <a:scrgbClr r="0" g="0" b="0"/>
-        </a:fillRef>
-        <a:effectRef idx="0">
-          <a:scrgbClr r="0" g="0" b="0"/>
-        </a:effectRef>
-        <a:fontRef idx="minor"/>
-      </dsp:style>
-      <dsp:txBody>
-        <a:bodyPr spcFirstLastPara="0" vert="horz" wrap="square" lIns="255976" tIns="330200" rIns="255976" bIns="330200" numCol="1" spcCol="1270" anchor="t" anchorCtr="0">
+        <a:bodyPr spcFirstLastPara="0" vert="horz" wrap="square" lIns="328368" tIns="0" rIns="328368" bIns="330200" numCol="1" spcCol="1270" anchor="t" anchorCtr="0">
           <a:noAutofit/>
         </a:bodyPr>
         <a:lstStyle/>
@@ -3190,44 +3185,31 @@
         </a:p>
       </dsp:txBody>
       <dsp:txXfrm>
-        <a:off x="7223188" y="1723461"/>
-        <a:ext cx="3283267" cy="2721254"/>
+        <a:off x="7181326" y="1550779"/>
+        <a:ext cx="3324308" cy="2326168"/>
       </dsp:txXfrm>
     </dsp:sp>
-    <dsp:sp modelId="{194B6BC5-FA52-4F3E-903F-6859924850F7}">
+    <dsp:sp modelId="{21F80C18-AA62-4F00-9B2F-2820FBB2CCE3}">
       <dsp:nvSpPr>
         <dsp:cNvPr id="0" name=""/>
         <dsp:cNvSpPr/>
       </dsp:nvSpPr>
       <dsp:spPr>
         <a:xfrm>
-          <a:off x="8184508" y="453542"/>
-          <a:ext cx="1360627" cy="1360627"/>
+          <a:off x="7181326" y="0"/>
+          <a:ext cx="3324308" cy="1550779"/>
         </a:xfrm>
-        <a:prstGeom prst="ellipse">
+        <a:prstGeom prst="rect">
           <a:avLst/>
         </a:prstGeom>
-        <a:solidFill>
-          <a:schemeClr val="accent5">
-            <a:hueOff val="13927891"/>
-            <a:satOff val="6154"/>
-            <a:lumOff val="-6746"/>
-            <a:alphaOff val="0"/>
-          </a:schemeClr>
-        </a:solidFill>
+        <a:noFill/>
         <a:ln w="12700" cap="flat" cmpd="sng" algn="ctr">
-          <a:solidFill>
-            <a:schemeClr val="accent5">
-              <a:hueOff val="13927891"/>
-              <a:satOff val="6154"/>
-              <a:lumOff val="-6746"/>
-              <a:alphaOff val="0"/>
-            </a:schemeClr>
-          </a:solidFill>
+          <a:noFill/>
           <a:prstDash val="solid"/>
           <a:miter lim="800000"/>
         </a:ln>
         <a:effectLst/>
+        <a:sp3d/>
       </dsp:spPr>
       <dsp:style>
         <a:lnRef idx="2">
@@ -3244,12 +3226,12 @@
         </a:fontRef>
       </dsp:style>
       <dsp:txBody>
-        <a:bodyPr spcFirstLastPara="0" vert="horz" wrap="square" lIns="106080" tIns="12700" rIns="106080" bIns="12700" numCol="1" spcCol="1270" anchor="ctr" anchorCtr="0">
+        <a:bodyPr spcFirstLastPara="0" vert="horz" wrap="square" lIns="328368" tIns="165100" rIns="328368" bIns="165100" numCol="1" spcCol="1270" anchor="ctr" anchorCtr="0">
           <a:noAutofit/>
         </a:bodyPr>
         <a:lstStyle/>
         <a:p>
-          <a:pPr marL="0" lvl="0" indent="0" algn="ctr" defTabSz="2133600">
+          <a:pPr marL="0" lvl="0" indent="0" algn="l" defTabSz="2933700">
             <a:lnSpc>
               <a:spcPct val="90000"/>
             </a:lnSpc>
@@ -3262,65 +3244,15 @@
             <a:buNone/>
           </a:pPr>
           <a:r>
-            <a:rPr lang="en-US" sz="4800" kern="1200"/>
-            <a:t>3</a:t>
+            <a:rPr lang="en-US" sz="6600" kern="1200"/>
+            <a:t>03</a:t>
           </a:r>
         </a:p>
       </dsp:txBody>
       <dsp:txXfrm>
-        <a:off x="8383767" y="652801"/>
-        <a:ext cx="962109" cy="962109"/>
+        <a:off x="7181326" y="0"/>
+        <a:ext cx="3324308" cy="1550779"/>
       </dsp:txXfrm>
-    </dsp:sp>
-    <dsp:sp modelId="{50D57B97-90A5-4675-BE88-C36BE8819E07}">
-      <dsp:nvSpPr>
-        <dsp:cNvPr id="0" name=""/>
-        <dsp:cNvSpPr/>
-      </dsp:nvSpPr>
-      <dsp:spPr>
-        <a:xfrm>
-          <a:off x="7223188" y="4535352"/>
-          <a:ext cx="3283267" cy="72"/>
-        </a:xfrm>
-        <a:prstGeom prst="rect">
-          <a:avLst/>
-        </a:prstGeom>
-        <a:solidFill>
-          <a:schemeClr val="accent5">
-            <a:hueOff val="17409864"/>
-            <a:satOff val="7692"/>
-            <a:lumOff val="-8432"/>
-            <a:alphaOff val="0"/>
-          </a:schemeClr>
-        </a:solidFill>
-        <a:ln w="12700" cap="flat" cmpd="sng" algn="ctr">
-          <a:solidFill>
-            <a:schemeClr val="accent5">
-              <a:hueOff val="17409864"/>
-              <a:satOff val="7692"/>
-              <a:lumOff val="-8432"/>
-              <a:alphaOff val="0"/>
-            </a:schemeClr>
-          </a:solidFill>
-          <a:prstDash val="solid"/>
-          <a:miter lim="800000"/>
-        </a:ln>
-        <a:effectLst/>
-      </dsp:spPr>
-      <dsp:style>
-        <a:lnRef idx="2">
-          <a:scrgbClr r="0" g="0" b="0"/>
-        </a:lnRef>
-        <a:fillRef idx="1">
-          <a:scrgbClr r="0" g="0" b="0"/>
-        </a:fillRef>
-        <a:effectRef idx="0">
-          <a:scrgbClr r="0" g="0" b="0"/>
-        </a:effectRef>
-        <a:fontRef idx="minor">
-          <a:schemeClr val="lt1"/>
-        </a:fontRef>
-      </dsp:style>
     </dsp:sp>
   </dsp:spTree>
 </dsp:drawing>
@@ -3593,9 +3525,9 @@
 </file>
 
 <file path=ppt/diagrams/layout2.xml><?xml version="1.0" encoding="utf-8"?>
-<dgm:layoutDef xmlns:dgm="http://schemas.openxmlformats.org/drawingml/2006/diagram" xmlns:a="http://schemas.openxmlformats.org/drawingml/2006/main" uniqueId="urn:microsoft.com/office/officeart/2016/7/layout/BasicLinearProcessNumbered">
-  <dgm:title val="Basic Linear Process Numbered"/>
-  <dgm:desc val="Used to show a progression; a timeline; sequential steps in a task, process, or workflow; or to emphasize movement or direction. Automatic numbers have been introduced to show the steps of the process which appears in a circle. Level 1 and Level 2 text appear in a rectangle."/>
+<dgm:layoutDef xmlns:dgm="http://schemas.openxmlformats.org/drawingml/2006/diagram" xmlns:a="http://schemas.openxmlformats.org/drawingml/2006/main" uniqueId="urn:microsoft.com/office/officeart/2016/7/layout/LinearBlockProcessNumbered">
+  <dgm:title val="Linear Block Process Numbered"/>
+  <dgm:desc val="Used to show a progression; a timeline; sequential steps in a task, process, or workflow; or to emphasize movement or direction. Automatic numbers have been introduced to show the steps of the process. Level 1 text and Level 2 text both appears in a rectangle."/>
   <dgm:catLst>
     <dgm:cat type="process" pri="500"/>
   </dgm:catLst>
@@ -3628,7 +3560,7 @@
             <a:lstStyle/>
             <a:p>
               <a:r>
-                <a:t>1</a:t>
+                <a:t>01</a:t>
               </a:r>
             </a:p>
           </dgm:t>
@@ -3640,7 +3572,7 @@
             <a:lstStyle/>
             <a:p>
               <a:r>
-                <a:t>2</a:t>
+                <a:t>02</a:t>
               </a:r>
             </a:p>
           </dgm:t>
@@ -3652,7 +3584,7 @@
             <a:lstStyle/>
             <a:p>
               <a:r>
-                <a:t>3</a:t>
+                <a:t>03</a:t>
               </a:r>
             </a:p>
           </dgm:t>
@@ -3738,15 +3670,11 @@
       <dgm:constr type="h" for="des" forName="vSp2" refType="w" refFor="ch" refForName="compositeNode" fact="0.07"/>
       <dgm:constr type="w" for="ch" forName="vProcSp" refType="w" refFor="des" refForName="simulatedConn" op="equ"/>
       <dgm:constr type="h" for="ch" forName="vProcSp" refType="h" refFor="ch" refForName="compositeNode" op="equ"/>
-      <dgm:constr type="w" for="ch" forName="sibTrans" refType="w" refFor="ch" refForName="compositeNode" fact="0.1"/>
-      <dgm:constr type="primFontSz" for="des" forName="sibTransNodeCircle" op="equ"/>
-      <dgm:constr type="primFontSz" for="des" forName="nodeText" op="equ"/>
-      <dgm:constr type="h" for="des" forName="sibTransNodeCircle" op="equ"/>
-      <dgm:constr type="w" for="des" forName="sibTransNodeCircle" op="equ"/>
+      <dgm:constr type="w" for="ch" forName="sibTrans" refType="w" refFor="ch" refForName="compositeNode" fact="0.08"/>
+      <dgm:constr type="primFontSz" for="des" forName="sibTransNodeRect" op="equ"/>
+      <dgm:constr type="primFontSz" for="des" forName="nodeRect" op="equ"/>
     </dgm:constrLst>
-    <dgm:ruleLst>
-      <dgm:rule type="h" val="NaN" fact="1.2" max="NaN"/>
-    </dgm:ruleLst>
+    <dgm:ruleLst/>
     <dgm:forEach name="Name4" axis="ch" ptType="node">
       <dgm:layoutNode name="compositeNode">
         <dgm:varLst>
@@ -3754,70 +3682,62 @@
         </dgm:varLst>
         <dgm:alg type="composite"/>
         <dgm:constrLst>
-          <dgm:constr type="h" refType="w" op="lte" fact="1.4"/>
+          <dgm:constr type="h" refType="w" op="lte" fact="1.2"/>
           <dgm:constr type="w" for="ch" forName="bgRect" refType="w"/>
           <dgm:constr type="h" for="ch" forName="bgRect" refType="h"/>
           <dgm:constr type="t" for="ch" forName="bgRect"/>
           <dgm:constr type="l" for="ch" forName="bgRect"/>
-          <dgm:constr type="h" for="ch" forName="sibTransNodeCircle" refType="h" refFor="ch" refForName="bgRect" fact="0.3"/>
-          <dgm:constr type="w" for="ch" forName="sibTransNodeCircle" refType="h" refFor="ch" refForName="sibTransNodeCircle"/>
-          <dgm:constr type="ctrX" for="ch" forName="sibTransNodeCircle" refType="w" fact="0.5"/>
-          <dgm:constr type="ctrY" for="ch" forName="sibTransNodeCircle" refType="h" fact="0.25"/>
-          <dgm:constr type="r" for="ch" forName="nodeText" refType="r" refFor="ch" refForName="bgRect"/>
-          <dgm:constr type="h" for="ch" forName="nodeText" refType="h" refFor="ch" refForName="bgRect" fact="0.6"/>
-          <dgm:constr type="t" for="ch" forName="nodeText" refType="h" refFor="ch" refForName="bgRect" fact="0.38"/>
-          <dgm:constr type="b" for="ch" forName="bottomLine" refType="b" refFor="ch" refForName="bgRect"/>
-          <dgm:constr type="w" for="ch" forName="bottomLine" refType="w" refFor="ch" refForName="bgRect"/>
-          <dgm:constr type="h" for="ch" forName="bottomLine" val="0.002"/>
+          <dgm:constr type="w" for="ch" forName="sibTransNodeRect" refType="w" refFor="ch" refForName="bgRect"/>
+          <dgm:constr type="h" for="ch" forName="sibTransNodeRect" refType="h" refFor="ch" refForName="bgRect" fact="0.4"/>
+          <dgm:constr type="t" for="ch" forName="sibTransNodeRect"/>
+          <dgm:constr type="l" for="ch" forName="sibTransNodeRect"/>
+          <dgm:constr type="r" for="ch" forName="nodeRect" refType="r" refFor="ch" refForName="bgRect"/>
+          <dgm:constr type="h" for="ch" forName="nodeRect" refType="h" refFor="ch" refForName="bgRect" fact="0.6"/>
+          <dgm:constr type="t" for="ch" forName="nodeRect" refType="b" refFor="ch" refForName="sibTransNodeRect"/>
+          <dgm:constr type="l" for="ch" forName="nodeRect" refType="l" refFor="ch" refForName="bgRect"/>
         </dgm:constrLst>
-        <dgm:ruleLst/>
-        <dgm:layoutNode name="bgRect" styleLbl="bgAccFollowNode1">
+        <dgm:ruleLst>
+          <dgm:rule type="w" for="ch" forName="nodeRect" val="NaN" fact="NaN" max="30"/>
+        </dgm:ruleLst>
+        <dgm:layoutNode name="bgRect" styleLbl="alignNode1">
           <dgm:alg type="sp"/>
           <dgm:shape xmlns:r="http://schemas.openxmlformats.org/officeDocument/2006/relationships" type="rect" r:blip="">
-            <dgm:adjLst/>
+            <dgm:adjLst>
+              <dgm:adj idx="1" val="0.05"/>
+            </dgm:adjLst>
           </dgm:shape>
           <dgm:presOf axis="self"/>
           <dgm:constrLst/>
           <dgm:ruleLst/>
         </dgm:layoutNode>
         <dgm:forEach name="Name19" axis="followSib" ptType="sibTrans" hideLastTrans="0" cnt="1">
-          <dgm:layoutNode name="sibTransNodeCircle" styleLbl="alignNode1">
+          <dgm:layoutNode name="sibTransNodeRect" styleLbl="alignNode1">
             <dgm:varLst>
               <dgm:chMax val="0"/>
-              <dgm:bulletEnabled/>
+              <dgm:bulletEnabled val="1"/>
             </dgm:varLst>
-            <dgm:presOf axis="self" ptType="sibTrans"/>
+            <dgm:presOf axis="self"/>
             <dgm:alg type="tx">
-              <dgm:param type="txAnchorVert" val="mid"/>
-              <dgm:param type="txAnchorHorzCh" val="ctr"/>
+              <dgm:param type="parTxLTRAlign" val="l"/>
+              <dgm:param type="parTxRTLAlign" val="l"/>
             </dgm:alg>
-            <dgm:shape xmlns:r="http://schemas.openxmlformats.org/officeDocument/2006/relationships" type="ellipse" r:blip="">
+            <dgm:shape xmlns:r="http://schemas.openxmlformats.org/officeDocument/2006/relationships" type="rect" r:blip="" hideGeom="1">
               <dgm:adjLst/>
             </dgm:shape>
             <dgm:constrLst>
-              <dgm:constr type="w" refType="h" op="lte"/>
-              <dgm:constr type="primFontSz" val="48"/>
-              <dgm:constr type="tMarg" val="1"/>
-              <dgm:constr type="lMarg" refType="w" fact="0.221"/>
-              <dgm:constr type="rMarg" refType="w" fact="0.221"/>
-              <dgm:constr type="bMarg" val="1"/>
+              <dgm:constr type="primFontSz" val="66"/>
+              <dgm:constr type="tMarg" val="13"/>
+              <dgm:constr type="lMarg" refType="w" fact="0.28"/>
+              <dgm:constr type="rMarg" refType="w" fact="0.28"/>
+              <dgm:constr type="bMarg" val="13"/>
             </dgm:constrLst>
             <dgm:ruleLst>
               <dgm:rule type="primFontSz" val="14" fact="NaN" max="NaN"/>
+              <dgm:rule type="tMarg" val="13" fact="NaN" max="NaN"/>
             </dgm:ruleLst>
           </dgm:layoutNode>
         </dgm:forEach>
-        <dgm:layoutNode name="bottomLine" styleLbl="alignNode1">
-          <dgm:varLst/>
-          <dgm:presOf/>
-          <dgm:alg type="sp"/>
-          <dgm:shape xmlns:r="http://schemas.openxmlformats.org/officeDocument/2006/relationships" type="rect" r:blip="">
-            <dgm:adjLst/>
-          </dgm:shape>
-          <dgm:constrLst/>
-          <dgm:ruleLst/>
-        </dgm:layoutNode>
-        <dgm:layoutNode name="nodeText" styleLbl="bgAccFollowNode1" moveWith="bgRect">
+        <dgm:layoutNode name="nodeRect" styleLbl="alignNode1" moveWith="bgRect">
           <dgm:varLst>
             <dgm:bulletEnabled val="1"/>
           </dgm:varLst>
@@ -3825,16 +3745,17 @@
             <dgm:param type="parTxLTRAlign" val="l"/>
             <dgm:param type="parTxRTLAlign" val="r"/>
             <dgm:param type="txAnchorVert" val="t"/>
+            <dgm:param type="stBulletLvl" val="2"/>
           </dgm:alg>
-          <dgm:shape xmlns:r="http://schemas.openxmlformats.org/officeDocument/2006/relationships" type="rect" r:blip="" zOrderOff="-1" hideGeom="1">
+          <dgm:shape xmlns:r="http://schemas.openxmlformats.org/officeDocument/2006/relationships" type="rect" r:blip="" hideGeom="1">
             <dgm:adjLst/>
           </dgm:shape>
           <dgm:presOf axis="desOrSelf" ptType="node"/>
           <dgm:constrLst>
             <dgm:constr type="primFontSz" val="26"/>
-            <dgm:constr type="tMarg" val="26"/>
-            <dgm:constr type="lMarg" refType="w" fact="0.221"/>
-            <dgm:constr type="rMarg" refType="w" fact="0.221"/>
+            <dgm:constr type="tMarg"/>
+            <dgm:constr type="lMarg" refType="w" fact="0.28"/>
+            <dgm:constr type="rMarg" refType="w" fact="0.28"/>
             <dgm:constr type="bMarg" val="26"/>
           </dgm:constrLst>
           <dgm:ruleLst>
@@ -3859,7 +3780,7 @@
     <a:ext uri="{4F341089-5ED1-44EC-B178-C955D00A3D55}">
       <dgm1611:autoBuNodeInfoLst xmlns:dgm1611="http://schemas.microsoft.com/office/drawing/2016/11/diagram">
         <dgm1611:autoBuNodeInfo lvl="1" ptType="sibTrans">
-          <dgm1611:buPr prefix="" leadZeros="0">
+          <dgm1611:buPr prefix="" leadZeros="1">
             <a:buAutoNum type="arabicParenBoth"/>
           </dgm1611:buPr>
         </dgm1611:autoBuNodeInfo>
@@ -5935,6 +5856,439 @@
     </dgm:style>
   </dgm:styleLbl>
 </dgm:styleDef>
+</file>
+
+<file path=ppt/notesMasters/notesMaster1.xml><?xml version="1.0" encoding="utf-8"?>
+<p:notesMaster xmlns:a="http://schemas.openxmlformats.org/drawingml/2006/main" xmlns:r="http://schemas.openxmlformats.org/officeDocument/2006/relationships" xmlns:p="http://schemas.openxmlformats.org/presentationml/2006/main">
+  <p:cSld>
+    <p:bg>
+      <p:bgRef idx="1001">
+        <a:schemeClr val="bg1"/>
+      </p:bgRef>
+    </p:bg>
+    <p:spTree>
+      <p:nvGrpSpPr>
+        <p:cNvPr id="1" name=""/>
+        <p:cNvGrpSpPr/>
+        <p:nvPr/>
+      </p:nvGrpSpPr>
+      <p:grpSpPr>
+        <a:xfrm>
+          <a:off x="0" y="0"/>
+          <a:ext cx="0" cy="0"/>
+          <a:chOff x="0" y="0"/>
+          <a:chExt cx="0" cy="0"/>
+        </a:xfrm>
+      </p:grpSpPr>
+      <p:sp>
+        <p:nvSpPr>
+          <p:cNvPr id="2" name="Header Placeholder 1"/>
+          <p:cNvSpPr>
+            <a:spLocks noGrp="1"/>
+          </p:cNvSpPr>
+          <p:nvPr>
+            <p:ph type="hdr" sz="quarter"/>
+          </p:nvPr>
+        </p:nvSpPr>
+        <p:spPr>
+          <a:xfrm>
+            <a:off x="0" y="0"/>
+            <a:ext cx="2971800" cy="458788"/>
+          </a:xfrm>
+          <a:prstGeom prst="rect">
+            <a:avLst/>
+          </a:prstGeom>
+        </p:spPr>
+        <p:txBody>
+          <a:bodyPr vert="horz" lIns="91440" tIns="45720" rIns="91440" bIns="45720" rtlCol="0"/>
+          <a:lstStyle>
+            <a:lvl1pPr algn="l">
+              <a:defRPr sz="1200"/>
+            </a:lvl1pPr>
+          </a:lstStyle>
+          <a:p>
+            <a:endParaRPr lang="en-US"/>
+          </a:p>
+        </p:txBody>
+      </p:sp>
+      <p:sp>
+        <p:nvSpPr>
+          <p:cNvPr id="3" name="Date Placeholder 2"/>
+          <p:cNvSpPr>
+            <a:spLocks noGrp="1"/>
+          </p:cNvSpPr>
+          <p:nvPr>
+            <p:ph type="dt" idx="1"/>
+          </p:nvPr>
+        </p:nvSpPr>
+        <p:spPr>
+          <a:xfrm>
+            <a:off x="3884613" y="0"/>
+            <a:ext cx="2971800" cy="458788"/>
+          </a:xfrm>
+          <a:prstGeom prst="rect">
+            <a:avLst/>
+          </a:prstGeom>
+        </p:spPr>
+        <p:txBody>
+          <a:bodyPr vert="horz" lIns="91440" tIns="45720" rIns="91440" bIns="45720" rtlCol="0"/>
+          <a:lstStyle>
+            <a:lvl1pPr algn="r">
+              <a:defRPr sz="1200"/>
+            </a:lvl1pPr>
+          </a:lstStyle>
+          <a:p>
+            <a:fld id="{34350B40-E974-47BB-8D7E-BE29953C11B9}" type="datetimeFigureOut">
+              <a:rPr lang="en-US" smtClean="0"/>
+              <a:t>10/30/2025</a:t>
+            </a:fld>
+            <a:endParaRPr lang="en-US"/>
+          </a:p>
+        </p:txBody>
+      </p:sp>
+      <p:sp>
+        <p:nvSpPr>
+          <p:cNvPr id="4" name="Slide Image Placeholder 3"/>
+          <p:cNvSpPr>
+            <a:spLocks noGrp="1" noRot="1" noChangeAspect="1"/>
+          </p:cNvSpPr>
+          <p:nvPr>
+            <p:ph type="sldImg" idx="2"/>
+          </p:nvPr>
+        </p:nvSpPr>
+        <p:spPr>
+          <a:xfrm>
+            <a:off x="685800" y="1143000"/>
+            <a:ext cx="5486400" cy="3086100"/>
+          </a:xfrm>
+          <a:prstGeom prst="rect">
+            <a:avLst/>
+          </a:prstGeom>
+          <a:noFill/>
+          <a:ln w="12700">
+            <a:solidFill>
+              <a:prstClr val="black"/>
+            </a:solidFill>
+          </a:ln>
+        </p:spPr>
+        <p:txBody>
+          <a:bodyPr vert="horz" lIns="91440" tIns="45720" rIns="91440" bIns="45720" rtlCol="0" anchor="ctr"/>
+          <a:lstStyle/>
+          <a:p>
+            <a:endParaRPr lang="en-US"/>
+          </a:p>
+        </p:txBody>
+      </p:sp>
+      <p:sp>
+        <p:nvSpPr>
+          <p:cNvPr id="5" name="Notes Placeholder 4"/>
+          <p:cNvSpPr>
+            <a:spLocks noGrp="1"/>
+          </p:cNvSpPr>
+          <p:nvPr>
+            <p:ph type="body" sz="quarter" idx="3"/>
+          </p:nvPr>
+        </p:nvSpPr>
+        <p:spPr>
+          <a:xfrm>
+            <a:off x="685800" y="4400550"/>
+            <a:ext cx="5486400" cy="3600450"/>
+          </a:xfrm>
+          <a:prstGeom prst="rect">
+            <a:avLst/>
+          </a:prstGeom>
+        </p:spPr>
+        <p:txBody>
+          <a:bodyPr vert="horz" lIns="91440" tIns="45720" rIns="91440" bIns="45720" rtlCol="0"/>
+          <a:lstStyle/>
+          <a:p>
+            <a:pPr lvl="0"/>
+            <a:r>
+              <a:rPr lang="en-US"/>
+              <a:t>Click to edit Master text styles</a:t>
+            </a:r>
+          </a:p>
+          <a:p>
+            <a:pPr lvl="1"/>
+            <a:r>
+              <a:rPr lang="en-US"/>
+              <a:t>Second level</a:t>
+            </a:r>
+          </a:p>
+          <a:p>
+            <a:pPr lvl="2"/>
+            <a:r>
+              <a:rPr lang="en-US"/>
+              <a:t>Third level</a:t>
+            </a:r>
+          </a:p>
+          <a:p>
+            <a:pPr lvl="3"/>
+            <a:r>
+              <a:rPr lang="en-US"/>
+              <a:t>Fourth level</a:t>
+            </a:r>
+          </a:p>
+          <a:p>
+            <a:pPr lvl="4"/>
+            <a:r>
+              <a:rPr lang="en-US"/>
+              <a:t>Fifth level</a:t>
+            </a:r>
+          </a:p>
+        </p:txBody>
+      </p:sp>
+      <p:sp>
+        <p:nvSpPr>
+          <p:cNvPr id="6" name="Footer Placeholder 5"/>
+          <p:cNvSpPr>
+            <a:spLocks noGrp="1"/>
+          </p:cNvSpPr>
+          <p:nvPr>
+            <p:ph type="ftr" sz="quarter" idx="4"/>
+          </p:nvPr>
+        </p:nvSpPr>
+        <p:spPr>
+          <a:xfrm>
+            <a:off x="0" y="8685213"/>
+            <a:ext cx="2971800" cy="458787"/>
+          </a:xfrm>
+          <a:prstGeom prst="rect">
+            <a:avLst/>
+          </a:prstGeom>
+        </p:spPr>
+        <p:txBody>
+          <a:bodyPr vert="horz" lIns="91440" tIns="45720" rIns="91440" bIns="45720" rtlCol="0" anchor="b"/>
+          <a:lstStyle>
+            <a:lvl1pPr algn="l">
+              <a:defRPr sz="1200"/>
+            </a:lvl1pPr>
+          </a:lstStyle>
+          <a:p>
+            <a:endParaRPr lang="en-US"/>
+          </a:p>
+        </p:txBody>
+      </p:sp>
+      <p:sp>
+        <p:nvSpPr>
+          <p:cNvPr id="7" name="Slide Number Placeholder 6"/>
+          <p:cNvSpPr>
+            <a:spLocks noGrp="1"/>
+          </p:cNvSpPr>
+          <p:nvPr>
+            <p:ph type="sldNum" sz="quarter" idx="5"/>
+          </p:nvPr>
+        </p:nvSpPr>
+        <p:spPr>
+          <a:xfrm>
+            <a:off x="3884613" y="8685213"/>
+            <a:ext cx="2971800" cy="458787"/>
+          </a:xfrm>
+          <a:prstGeom prst="rect">
+            <a:avLst/>
+          </a:prstGeom>
+        </p:spPr>
+        <p:txBody>
+          <a:bodyPr vert="horz" lIns="91440" tIns="45720" rIns="91440" bIns="45720" rtlCol="0" anchor="b"/>
+          <a:lstStyle>
+            <a:lvl1pPr algn="r">
+              <a:defRPr sz="1200"/>
+            </a:lvl1pPr>
+          </a:lstStyle>
+          <a:p>
+            <a:fld id="{9E831E0C-278F-4526-B01D-38E14DE411E3}" type="slidenum">
+              <a:rPr lang="en-US" smtClean="0"/>
+              <a:t>‹#›</a:t>
+            </a:fld>
+            <a:endParaRPr lang="en-US"/>
+          </a:p>
+        </p:txBody>
+      </p:sp>
+    </p:spTree>
+    <p:extLst>
+      <p:ext uri="{BB962C8B-B14F-4D97-AF65-F5344CB8AC3E}">
+        <p14:creationId xmlns:p14="http://schemas.microsoft.com/office/powerpoint/2010/main" val="729788221"/>
+      </p:ext>
+    </p:extLst>
+  </p:cSld>
+  <p:clrMap bg1="lt1" tx1="dk1" bg2="lt2" tx2="dk2" accent1="accent1" accent2="accent2" accent3="accent3" accent4="accent4" accent5="accent5" accent6="accent6" hlink="hlink" folHlink="folHlink"/>
+  <p:notesStyle>
+    <a:lvl1pPr marL="0" algn="l" defTabSz="914400" rtl="0" eaLnBrk="1" latinLnBrk="0" hangingPunct="1">
+      <a:defRPr sz="1200" kern="1200">
+        <a:solidFill>
+          <a:schemeClr val="tx1"/>
+        </a:solidFill>
+        <a:latin typeface="+mn-lt"/>
+        <a:ea typeface="+mn-ea"/>
+        <a:cs typeface="+mn-cs"/>
+      </a:defRPr>
+    </a:lvl1pPr>
+    <a:lvl2pPr marL="457200" algn="l" defTabSz="914400" rtl="0" eaLnBrk="1" latinLnBrk="0" hangingPunct="1">
+      <a:defRPr sz="1200" kern="1200">
+        <a:solidFill>
+          <a:schemeClr val="tx1"/>
+        </a:solidFill>
+        <a:latin typeface="+mn-lt"/>
+        <a:ea typeface="+mn-ea"/>
+        <a:cs typeface="+mn-cs"/>
+      </a:defRPr>
+    </a:lvl2pPr>
+    <a:lvl3pPr marL="914400" algn="l" defTabSz="914400" rtl="0" eaLnBrk="1" latinLnBrk="0" hangingPunct="1">
+      <a:defRPr sz="1200" kern="1200">
+        <a:solidFill>
+          <a:schemeClr val="tx1"/>
+        </a:solidFill>
+        <a:latin typeface="+mn-lt"/>
+        <a:ea typeface="+mn-ea"/>
+        <a:cs typeface="+mn-cs"/>
+      </a:defRPr>
+    </a:lvl3pPr>
+    <a:lvl4pPr marL="1371600" algn="l" defTabSz="914400" rtl="0" eaLnBrk="1" latinLnBrk="0" hangingPunct="1">
+      <a:defRPr sz="1200" kern="1200">
+        <a:solidFill>
+          <a:schemeClr val="tx1"/>
+        </a:solidFill>
+        <a:latin typeface="+mn-lt"/>
+        <a:ea typeface="+mn-ea"/>
+        <a:cs typeface="+mn-cs"/>
+      </a:defRPr>
+    </a:lvl4pPr>
+    <a:lvl5pPr marL="1828800" algn="l" defTabSz="914400" rtl="0" eaLnBrk="1" latinLnBrk="0" hangingPunct="1">
+      <a:defRPr sz="1200" kern="1200">
+        <a:solidFill>
+          <a:schemeClr val="tx1"/>
+        </a:solidFill>
+        <a:latin typeface="+mn-lt"/>
+        <a:ea typeface="+mn-ea"/>
+        <a:cs typeface="+mn-cs"/>
+      </a:defRPr>
+    </a:lvl5pPr>
+    <a:lvl6pPr marL="2286000" algn="l" defTabSz="914400" rtl="0" eaLnBrk="1" latinLnBrk="0" hangingPunct="1">
+      <a:defRPr sz="1200" kern="1200">
+        <a:solidFill>
+          <a:schemeClr val="tx1"/>
+        </a:solidFill>
+        <a:latin typeface="+mn-lt"/>
+        <a:ea typeface="+mn-ea"/>
+        <a:cs typeface="+mn-cs"/>
+      </a:defRPr>
+    </a:lvl6pPr>
+    <a:lvl7pPr marL="2743200" algn="l" defTabSz="914400" rtl="0" eaLnBrk="1" latinLnBrk="0" hangingPunct="1">
+      <a:defRPr sz="1200" kern="1200">
+        <a:solidFill>
+          <a:schemeClr val="tx1"/>
+        </a:solidFill>
+        <a:latin typeface="+mn-lt"/>
+        <a:ea typeface="+mn-ea"/>
+        <a:cs typeface="+mn-cs"/>
+      </a:defRPr>
+    </a:lvl7pPr>
+    <a:lvl8pPr marL="3200400" algn="l" defTabSz="914400" rtl="0" eaLnBrk="1" latinLnBrk="0" hangingPunct="1">
+      <a:defRPr sz="1200" kern="1200">
+        <a:solidFill>
+          <a:schemeClr val="tx1"/>
+        </a:solidFill>
+        <a:latin typeface="+mn-lt"/>
+        <a:ea typeface="+mn-ea"/>
+        <a:cs typeface="+mn-cs"/>
+      </a:defRPr>
+    </a:lvl8pPr>
+    <a:lvl9pPr marL="3657600" algn="l" defTabSz="914400" rtl="0" eaLnBrk="1" latinLnBrk="0" hangingPunct="1">
+      <a:defRPr sz="1200" kern="1200">
+        <a:solidFill>
+          <a:schemeClr val="tx1"/>
+        </a:solidFill>
+        <a:latin typeface="+mn-lt"/>
+        <a:ea typeface="+mn-ea"/>
+        <a:cs typeface="+mn-cs"/>
+      </a:defRPr>
+    </a:lvl9pPr>
+  </p:notesStyle>
+</p:notesMaster>
+</file>
+
+<file path=ppt/notesSlides/notesSlide1.xml><?xml version="1.0" encoding="utf-8"?>
+<p:notes xmlns:a="http://schemas.openxmlformats.org/drawingml/2006/main" xmlns:r="http://schemas.openxmlformats.org/officeDocument/2006/relationships" xmlns:p="http://schemas.openxmlformats.org/presentationml/2006/main">
+  <p:cSld>
+    <p:spTree>
+      <p:nvGrpSpPr>
+        <p:cNvPr id="1" name=""/>
+        <p:cNvGrpSpPr/>
+        <p:nvPr/>
+      </p:nvGrpSpPr>
+      <p:grpSpPr>
+        <a:xfrm>
+          <a:off x="0" y="0"/>
+          <a:ext cx="0" cy="0"/>
+          <a:chOff x="0" y="0"/>
+          <a:chExt cx="0" cy="0"/>
+        </a:xfrm>
+      </p:grpSpPr>
+      <p:sp>
+        <p:nvSpPr>
+          <p:cNvPr id="2" name="Slide Image Placeholder 1"/>
+          <p:cNvSpPr>
+            <a:spLocks noGrp="1" noRot="1" noChangeAspect="1"/>
+          </p:cNvSpPr>
+          <p:nvPr>
+            <p:ph type="sldImg"/>
+          </p:nvPr>
+        </p:nvSpPr>
+        <p:spPr/>
+      </p:sp>
+      <p:sp>
+        <p:nvSpPr>
+          <p:cNvPr id="3" name="Notes Placeholder 2"/>
+          <p:cNvSpPr>
+            <a:spLocks noGrp="1"/>
+          </p:cNvSpPr>
+          <p:nvPr>
+            <p:ph type="body" idx="1"/>
+          </p:nvPr>
+        </p:nvSpPr>
+        <p:spPr/>
+        <p:txBody>
+          <a:bodyPr/>
+          <a:lstStyle/>
+          <a:p>
+            <a:endParaRPr lang="en-US" dirty="0"/>
+          </a:p>
+        </p:txBody>
+      </p:sp>
+      <p:sp>
+        <p:nvSpPr>
+          <p:cNvPr id="4" name="Slide Number Placeholder 3"/>
+          <p:cNvSpPr>
+            <a:spLocks noGrp="1"/>
+          </p:cNvSpPr>
+          <p:nvPr>
+            <p:ph type="sldNum" sz="quarter" idx="5"/>
+          </p:nvPr>
+        </p:nvSpPr>
+        <p:spPr/>
+        <p:txBody>
+          <a:bodyPr/>
+          <a:lstStyle/>
+          <a:p>
+            <a:fld id="{9E831E0C-278F-4526-B01D-38E14DE411E3}" type="slidenum">
+              <a:rPr lang="en-US" smtClean="0"/>
+              <a:t>7</a:t>
+            </a:fld>
+            <a:endParaRPr lang="en-US"/>
+          </a:p>
+        </p:txBody>
+      </p:sp>
+    </p:spTree>
+    <p:extLst>
+      <p:ext uri="{BB962C8B-B14F-4D97-AF65-F5344CB8AC3E}">
+        <p14:creationId xmlns:p14="http://schemas.microsoft.com/office/powerpoint/2010/main" val="1550204222"/>
+      </p:ext>
+    </p:extLst>
+  </p:cSld>
+  <p:clrMapOvr>
+    <a:masterClrMapping/>
+  </p:clrMapOvr>
+</p:notes>
 </file>
 
 <file path=ppt/slideLayouts/slideLayout1.xml><?xml version="1.0" encoding="utf-8"?>
@@ -6093,7 +6447,7 @@
           <a:p>
             <a:fld id="{02AC24A9-CCB6-4F8D-B8DB-C2F3692CFA5A}" type="datetimeFigureOut">
               <a:rPr lang="en-US" smtClean="0"/>
-              <a:t>10/29/2025</a:t>
+              <a:t>10/30/2025</a:t>
             </a:fld>
             <a:endParaRPr lang="en-US" dirty="0"/>
           </a:p>
@@ -6463,7 +6817,7 @@
           <a:p>
             <a:fld id="{02AC24A9-CCB6-4F8D-B8DB-C2F3692CFA5A}" type="datetimeFigureOut">
               <a:rPr lang="en-US" smtClean="0"/>
-              <a:t>10/29/2025</a:t>
+              <a:t>10/30/2025</a:t>
             </a:fld>
             <a:endParaRPr lang="en-US"/>
           </a:p>
@@ -6672,7 +7026,7 @@
           <a:p>
             <a:fld id="{02AC24A9-CCB6-4F8D-B8DB-C2F3692CFA5A}" type="datetimeFigureOut">
               <a:rPr lang="en-US" smtClean="0"/>
-              <a:t>10/29/2025</a:t>
+              <a:t>10/30/2025</a:t>
             </a:fld>
             <a:endParaRPr lang="en-US"/>
           </a:p>
@@ -7142,7 +7496,7 @@
           <a:p>
             <a:fld id="{02AC24A9-CCB6-4F8D-B8DB-C2F3692CFA5A}" type="datetimeFigureOut">
               <a:rPr lang="en-US" smtClean="0"/>
-              <a:t>10/29/2025</a:t>
+              <a:t>10/30/2025</a:t>
             </a:fld>
             <a:endParaRPr lang="en-US"/>
           </a:p>
@@ -7596,7 +7950,7 @@
           <a:p>
             <a:fld id="{02AC24A9-CCB6-4F8D-B8DB-C2F3692CFA5A}" type="datetimeFigureOut">
               <a:rPr lang="en-US" smtClean="0"/>
-              <a:t>10/29/2025</a:t>
+              <a:t>10/30/2025</a:t>
             </a:fld>
             <a:endParaRPr lang="en-US"/>
           </a:p>
@@ -8128,7 +8482,7 @@
           <a:p>
             <a:fld id="{02AC24A9-CCB6-4F8D-B8DB-C2F3692CFA5A}" type="datetimeFigureOut">
               <a:rPr lang="en-US" smtClean="0"/>
-              <a:t>10/29/2025</a:t>
+              <a:t>10/30/2025</a:t>
             </a:fld>
             <a:endParaRPr lang="en-US"/>
           </a:p>
@@ -8827,7 +9181,7 @@
           <a:p>
             <a:fld id="{02AC24A9-CCB6-4F8D-B8DB-C2F3692CFA5A}" type="datetimeFigureOut">
               <a:rPr lang="en-US" smtClean="0"/>
-              <a:t>10/29/2025</a:t>
+              <a:t>10/30/2025</a:t>
             </a:fld>
             <a:endParaRPr lang="en-US"/>
           </a:p>
@@ -9156,7 +9510,7 @@
           <a:p>
             <a:fld id="{02AC24A9-CCB6-4F8D-B8DB-C2F3692CFA5A}" type="datetimeFigureOut">
               <a:rPr lang="en-US" smtClean="0"/>
-              <a:t>10/29/2025</a:t>
+              <a:t>10/30/2025</a:t>
             </a:fld>
             <a:endParaRPr lang="en-US"/>
           </a:p>
@@ -9269,7 +9623,7 @@
           <a:p>
             <a:fld id="{02AC24A9-CCB6-4F8D-B8DB-C2F3692CFA5A}" type="datetimeFigureOut">
               <a:rPr lang="en-US" smtClean="0"/>
-              <a:t>10/29/2025</a:t>
+              <a:t>10/30/2025</a:t>
             </a:fld>
             <a:endParaRPr lang="en-US"/>
           </a:p>
@@ -9764,7 +10118,7 @@
           <a:p>
             <a:fld id="{02AC24A9-CCB6-4F8D-B8DB-C2F3692CFA5A}" type="datetimeFigureOut">
               <a:rPr lang="en-US" smtClean="0"/>
-              <a:t>10/29/2025</a:t>
+              <a:t>10/30/2025</a:t>
             </a:fld>
             <a:endParaRPr lang="en-US" dirty="0"/>
           </a:p>
@@ -10241,7 +10595,7 @@
           <a:p>
             <a:fld id="{02AC24A9-CCB6-4F8D-B8DB-C2F3692CFA5A}" type="datetimeFigureOut">
               <a:rPr lang="en-US" smtClean="0"/>
-              <a:t>10/29/2025</a:t>
+              <a:t>10/30/2025</a:t>
             </a:fld>
             <a:endParaRPr lang="en-US"/>
           </a:p>
@@ -10484,7 +10838,7 @@
           <a:p>
             <a:fld id="{02AC24A9-CCB6-4F8D-B8DB-C2F3692CFA5A}" type="datetimeFigureOut">
               <a:rPr lang="en-US" smtClean="0"/>
-              <a:t>10/29/2025</a:t>
+              <a:t>10/30/2025</a:t>
             </a:fld>
             <a:endParaRPr lang="en-US"/>
           </a:p>
@@ -11378,6 +11732,636 @@
 </p:sld>
 </file>
 
+<file path=ppt/slides/slide10.xml><?xml version="1.0" encoding="utf-8"?>
+<p:sld xmlns:a="http://schemas.openxmlformats.org/drawingml/2006/main" xmlns:r="http://schemas.openxmlformats.org/officeDocument/2006/relationships" xmlns:p="http://schemas.openxmlformats.org/presentationml/2006/main">
+  <p:cSld>
+    <p:bg>
+      <p:bgPr>
+        <a:solidFill>
+          <a:schemeClr val="bg1"/>
+        </a:solidFill>
+        <a:effectLst/>
+      </p:bgPr>
+    </p:bg>
+    <p:spTree>
+      <p:nvGrpSpPr>
+        <p:cNvPr id="1" name=""/>
+        <p:cNvGrpSpPr/>
+        <p:nvPr/>
+      </p:nvGrpSpPr>
+      <p:grpSpPr>
+        <a:xfrm>
+          <a:off x="0" y="0"/>
+          <a:ext cx="0" cy="0"/>
+          <a:chOff x="0" y="0"/>
+          <a:chExt cx="0" cy="0"/>
+        </a:xfrm>
+      </p:grpSpPr>
+      <p:sp useBgFill="1">
+        <p:nvSpPr>
+          <p:cNvPr id="8" name="Rectangle 7">
+            <a:extLst>
+              <a:ext uri="{FF2B5EF4-FFF2-40B4-BE49-F238E27FC236}">
+                <a16:creationId xmlns:a16="http://schemas.microsoft.com/office/drawing/2014/main" id="{B4CE5841-C184-4A70-A609-5FE4A50783C7}"/>
+              </a:ext>
+              <a:ext uri="{C183D7F6-B498-43B3-948B-1728B52AA6E4}">
+                <adec:decorative xmlns:adec="http://schemas.microsoft.com/office/drawing/2017/decorative" val="1"/>
+              </a:ext>
+            </a:extLst>
+          </p:cNvPr>
+          <p:cNvSpPr>
+            <a:spLocks noGrp="1" noRot="1" noChangeAspect="1" noMove="1" noResize="1" noEditPoints="1" noAdjustHandles="1" noChangeArrowheads="1" noChangeShapeType="1" noTextEdit="1"/>
+          </p:cNvSpPr>
+          <p:nvPr>
+            <p:extLst>
+              <p:ext uri="{386F3935-93C4-4BCD-93E2-E3B085C9AB24}">
+                <p16:designElem xmlns:p16="http://schemas.microsoft.com/office/powerpoint/2015/main" val="1"/>
+              </p:ext>
+            </p:extLst>
+          </p:nvPr>
+        </p:nvSpPr>
+        <p:spPr>
+          <a:xfrm>
+            <a:off x="0" y="0"/>
+            <a:ext cx="12192000" cy="6858000"/>
+          </a:xfrm>
+          <a:prstGeom prst="rect">
+            <a:avLst/>
+          </a:prstGeom>
+          <a:ln>
+            <a:noFill/>
+          </a:ln>
+        </p:spPr>
+        <p:style>
+          <a:lnRef idx="2">
+            <a:schemeClr val="accent1">
+              <a:shade val="50000"/>
+            </a:schemeClr>
+          </a:lnRef>
+          <a:fillRef idx="1">
+            <a:schemeClr val="accent1"/>
+          </a:fillRef>
+          <a:effectRef idx="0">
+            <a:schemeClr val="accent1"/>
+          </a:effectRef>
+          <a:fontRef idx="minor">
+            <a:schemeClr val="lt1"/>
+          </a:fontRef>
+        </p:style>
+        <p:txBody>
+          <a:bodyPr rtlCol="0" anchor="ctr"/>
+          <a:lstStyle/>
+          <a:p>
+            <a:pPr marL="0" marR="0" lvl="0" indent="0" algn="ctr" defTabSz="914400" rtl="0" eaLnBrk="1" fontAlgn="auto" latinLnBrk="0" hangingPunct="1">
+              <a:lnSpc>
+                <a:spcPct val="100000"/>
+              </a:lnSpc>
+              <a:spcBef>
+                <a:spcPts val="0"/>
+              </a:spcBef>
+              <a:spcAft>
+                <a:spcPts val="0"/>
+              </a:spcAft>
+              <a:buClrTx/>
+              <a:buSzTx/>
+              <a:buFontTx/>
+              <a:buNone/>
+              <a:tabLst/>
+              <a:defRPr/>
+            </a:pPr>
+            <a:endParaRPr kumimoji="0" lang="en-US" sz="1800" b="0" i="0" u="none" strike="noStrike" kern="1200" cap="none" spc="0" normalizeH="0" baseline="0" noProof="0">
+              <a:ln>
+                <a:noFill/>
+              </a:ln>
+              <a:solidFill>
+                <a:prstClr val="white"/>
+              </a:solidFill>
+              <a:effectLst/>
+              <a:uLnTx/>
+              <a:uFillTx/>
+              <a:latin typeface="Avenir Next LT Pro"/>
+              <a:ea typeface="+mn-ea"/>
+              <a:cs typeface="+mn-cs"/>
+            </a:endParaRPr>
+          </a:p>
+        </p:txBody>
+      </p:sp>
+      <p:sp>
+        <p:nvSpPr>
+          <p:cNvPr id="2" name="Title 1">
+            <a:extLst>
+              <a:ext uri="{FF2B5EF4-FFF2-40B4-BE49-F238E27FC236}">
+                <a16:creationId xmlns:a16="http://schemas.microsoft.com/office/drawing/2014/main" id="{39D67208-1574-1B7C-6E2D-10B72D49CE94}"/>
+              </a:ext>
+            </a:extLst>
+          </p:cNvPr>
+          <p:cNvSpPr>
+            <a:spLocks noGrp="1"/>
+          </p:cNvSpPr>
+          <p:nvPr>
+            <p:ph type="title"/>
+          </p:nvPr>
+        </p:nvSpPr>
+        <p:spPr>
+          <a:xfrm>
+            <a:off x="841248" y="566928"/>
+            <a:ext cx="4068849" cy="5275943"/>
+          </a:xfrm>
+        </p:spPr>
+        <p:txBody>
+          <a:bodyPr anchor="t">
+            <a:normAutofit/>
+          </a:bodyPr>
+          <a:lstStyle/>
+          <a:p>
+            <a:r>
+              <a:rPr lang="en-US" dirty="0"/>
+              <a:t>Expected outcomes &amp; Impact</a:t>
+            </a:r>
+          </a:p>
+        </p:txBody>
+      </p:sp>
+      <p:sp>
+        <p:nvSpPr>
+          <p:cNvPr id="3" name="Content Placeholder 2">
+            <a:extLst>
+              <a:ext uri="{FF2B5EF4-FFF2-40B4-BE49-F238E27FC236}">
+                <a16:creationId xmlns:a16="http://schemas.microsoft.com/office/drawing/2014/main" id="{371D0D6B-3422-7F54-FDA7-586A027281CA}"/>
+              </a:ext>
+            </a:extLst>
+          </p:cNvPr>
+          <p:cNvSpPr>
+            <a:spLocks noGrp="1"/>
+          </p:cNvSpPr>
+          <p:nvPr>
+            <p:ph idx="1"/>
+          </p:nvPr>
+        </p:nvSpPr>
+        <p:spPr>
+          <a:xfrm>
+            <a:off x="5532504" y="566927"/>
+            <a:ext cx="5818248" cy="5275943"/>
+          </a:xfrm>
+        </p:spPr>
+        <p:txBody>
+          <a:bodyPr>
+            <a:normAutofit/>
+          </a:bodyPr>
+          <a:lstStyle/>
+          <a:p>
+            <a:r>
+              <a:rPr lang="en-US" sz="2000"/>
+              <a:t>Technical Deliverables:</a:t>
+            </a:r>
+          </a:p>
+          <a:p>
+            <a:pPr marL="0" indent="0">
+              <a:buNone/>
+            </a:pPr>
+            <a:r>
+              <a:rPr lang="en-US" sz="2000"/>
+              <a:t>1. Working eye-tracking prototype</a:t>
+            </a:r>
+          </a:p>
+          <a:p>
+            <a:pPr marL="0" indent="0">
+              <a:buNone/>
+            </a:pPr>
+            <a:r>
+              <a:rPr lang="en-US" sz="2000"/>
+              <a:t>2. Optimized virtual keyboard software</a:t>
+            </a:r>
+          </a:p>
+          <a:p>
+            <a:pPr marL="0" indent="0">
+              <a:buNone/>
+            </a:pPr>
+            <a:r>
+              <a:rPr lang="en-US" sz="2000"/>
+              <a:t>3. Portable hardware unit</a:t>
+            </a:r>
+          </a:p>
+          <a:p>
+            <a:pPr marL="0" indent="0">
+              <a:buNone/>
+            </a:pPr>
+            <a:r>
+              <a:rPr lang="en-US" sz="2000"/>
+              <a:t>4. Comprehensive documentation</a:t>
+            </a:r>
+          </a:p>
+          <a:p>
+            <a:endParaRPr lang="en-US" sz="2000"/>
+          </a:p>
+          <a:p>
+            <a:r>
+              <a:rPr lang="en-US" sz="2000"/>
+              <a:t>Social Impact:</a:t>
+            </a:r>
+          </a:p>
+          <a:p>
+            <a:pPr marL="0" indent="0">
+              <a:buNone/>
+            </a:pPr>
+            <a:r>
+              <a:rPr lang="en-US" sz="2000"/>
+              <a:t>- Affordable communication solution</a:t>
+            </a:r>
+          </a:p>
+          <a:p>
+            <a:pPr marL="0" indent="0">
+              <a:buNone/>
+            </a:pPr>
+            <a:r>
+              <a:rPr lang="en-US" sz="2000"/>
+              <a:t>- Open-source potential</a:t>
+            </a:r>
+          </a:p>
+          <a:p>
+            <a:pPr marL="0" indent="0">
+              <a:buNone/>
+            </a:pPr>
+            <a:r>
+              <a:rPr lang="en-US" sz="2000"/>
+              <a:t>- Improved quality of life for users</a:t>
+            </a:r>
+          </a:p>
+          <a:p>
+            <a:pPr marL="0" indent="0">
+              <a:buNone/>
+            </a:pPr>
+            <a:r>
+              <a:rPr lang="en-US" sz="2000"/>
+              <a:t>- Foundation for future enhancements</a:t>
+            </a:r>
+          </a:p>
+        </p:txBody>
+      </p:sp>
+      <p:sp>
+        <p:nvSpPr>
+          <p:cNvPr id="10" name="Rectangle 9">
+            <a:extLst>
+              <a:ext uri="{FF2B5EF4-FFF2-40B4-BE49-F238E27FC236}">
+                <a16:creationId xmlns:a16="http://schemas.microsoft.com/office/drawing/2014/main" id="{CD1AAA2C-FBBE-42AA-B869-31D524B7653F}"/>
+              </a:ext>
+              <a:ext uri="{C183D7F6-B498-43B3-948B-1728B52AA6E4}">
+                <adec:decorative xmlns:adec="http://schemas.microsoft.com/office/drawing/2017/decorative" val="1"/>
+              </a:ext>
+            </a:extLst>
+          </p:cNvPr>
+          <p:cNvSpPr>
+            <a:spLocks noGrp="1" noRot="1" noChangeAspect="1" noMove="1" noResize="1" noEditPoints="1" noAdjustHandles="1" noChangeArrowheads="1" noChangeShapeType="1" noTextEdit="1"/>
+          </p:cNvSpPr>
+          <p:nvPr>
+            <p:extLst>
+              <p:ext uri="{386F3935-93C4-4BCD-93E2-E3B085C9AB24}">
+                <p16:designElem xmlns:p16="http://schemas.microsoft.com/office/powerpoint/2015/main" val="1"/>
+              </p:ext>
+            </p:extLst>
+          </p:nvPr>
+        </p:nvSpPr>
+        <p:spPr>
+          <a:xfrm>
+            <a:off x="841248" y="6112341"/>
+            <a:ext cx="10506456" cy="18288"/>
+          </a:xfrm>
+          <a:prstGeom prst="rect">
+            <a:avLst/>
+          </a:prstGeom>
+          <a:solidFill>
+            <a:schemeClr val="tx2">
+              <a:lumMod val="25000"/>
+              <a:lumOff val="75000"/>
+            </a:schemeClr>
+          </a:solidFill>
+          <a:ln w="3175">
+            <a:noFill/>
+          </a:ln>
+          <a:effectLst/>
+        </p:spPr>
+        <p:style>
+          <a:lnRef idx="2">
+            <a:schemeClr val="accent1">
+              <a:shade val="50000"/>
+            </a:schemeClr>
+          </a:lnRef>
+          <a:fillRef idx="1">
+            <a:schemeClr val="accent1"/>
+          </a:fillRef>
+          <a:effectRef idx="0">
+            <a:schemeClr val="accent1"/>
+          </a:effectRef>
+          <a:fontRef idx="minor">
+            <a:schemeClr val="lt1"/>
+          </a:fontRef>
+        </p:style>
+        <p:txBody>
+          <a:bodyPr rtlCol="0" anchor="ctr"/>
+          <a:lstStyle/>
+          <a:p>
+            <a:pPr marL="0" marR="0" lvl="0" indent="0" algn="ctr" defTabSz="914400" rtl="0" eaLnBrk="1" fontAlgn="auto" latinLnBrk="0" hangingPunct="1">
+              <a:lnSpc>
+                <a:spcPct val="100000"/>
+              </a:lnSpc>
+              <a:spcBef>
+                <a:spcPts val="0"/>
+              </a:spcBef>
+              <a:spcAft>
+                <a:spcPts val="0"/>
+              </a:spcAft>
+              <a:buClrTx/>
+              <a:buSzTx/>
+              <a:buFontTx/>
+              <a:buNone/>
+              <a:tabLst/>
+              <a:defRPr/>
+            </a:pPr>
+            <a:endParaRPr kumimoji="0" lang="en-US" sz="1800" b="0" i="0" u="none" strike="noStrike" kern="1200" cap="none" spc="0" normalizeH="0" baseline="0" noProof="0">
+              <a:ln>
+                <a:noFill/>
+              </a:ln>
+              <a:solidFill>
+                <a:prstClr val="white"/>
+              </a:solidFill>
+              <a:effectLst/>
+              <a:uLnTx/>
+              <a:uFillTx/>
+              <a:latin typeface="Calibri" panose="020F0502020204030204"/>
+              <a:ea typeface="+mn-ea"/>
+              <a:cs typeface="+mn-cs"/>
+            </a:endParaRPr>
+          </a:p>
+        </p:txBody>
+      </p:sp>
+      <p:sp>
+        <p:nvSpPr>
+          <p:cNvPr id="12" name="Rectangle 11">
+            <a:extLst>
+              <a:ext uri="{FF2B5EF4-FFF2-40B4-BE49-F238E27FC236}">
+                <a16:creationId xmlns:a16="http://schemas.microsoft.com/office/drawing/2014/main" id="{5F937BBF-9326-4230-AB1B-F1795E350559}"/>
+              </a:ext>
+              <a:ext uri="{C183D7F6-B498-43B3-948B-1728B52AA6E4}">
+                <adec:decorative xmlns:adec="http://schemas.microsoft.com/office/drawing/2017/decorative" val="1"/>
+              </a:ext>
+            </a:extLst>
+          </p:cNvPr>
+          <p:cNvSpPr>
+            <a:spLocks noGrp="1" noRot="1" noChangeAspect="1" noMove="1" noResize="1" noEditPoints="1" noAdjustHandles="1" noChangeArrowheads="1" noChangeShapeType="1" noTextEdit="1"/>
+          </p:cNvSpPr>
+          <p:nvPr>
+            <p:extLst>
+              <p:ext uri="{386F3935-93C4-4BCD-93E2-E3B085C9AB24}">
+                <p16:designElem xmlns:p16="http://schemas.microsoft.com/office/powerpoint/2015/main" val="1"/>
+              </p:ext>
+            </p:extLst>
+          </p:nvPr>
+        </p:nvSpPr>
+        <p:spPr>
+          <a:xfrm rot="5400000">
+            <a:off x="2916936" y="4000284"/>
+            <a:ext cx="54864" cy="4206240"/>
+          </a:xfrm>
+          <a:prstGeom prst="rect">
+            <a:avLst/>
+          </a:prstGeom>
+          <a:solidFill>
+            <a:schemeClr val="accent1"/>
+          </a:solidFill>
+          <a:ln>
+            <a:noFill/>
+          </a:ln>
+        </p:spPr>
+        <p:style>
+          <a:lnRef idx="2">
+            <a:schemeClr val="accent1">
+              <a:shade val="50000"/>
+            </a:schemeClr>
+          </a:lnRef>
+          <a:fillRef idx="1">
+            <a:schemeClr val="accent1"/>
+          </a:fillRef>
+          <a:effectRef idx="0">
+            <a:schemeClr val="accent1"/>
+          </a:effectRef>
+          <a:fontRef idx="minor">
+            <a:schemeClr val="lt1"/>
+          </a:fontRef>
+        </p:style>
+        <p:txBody>
+          <a:bodyPr rtlCol="0" anchor="ctr"/>
+          <a:lstStyle/>
+          <a:p>
+            <a:pPr marL="0" marR="0" lvl="0" indent="0" algn="ctr" defTabSz="914400" rtl="0" eaLnBrk="1" fontAlgn="auto" latinLnBrk="0" hangingPunct="1">
+              <a:lnSpc>
+                <a:spcPct val="100000"/>
+              </a:lnSpc>
+              <a:spcBef>
+                <a:spcPts val="0"/>
+              </a:spcBef>
+              <a:spcAft>
+                <a:spcPts val="0"/>
+              </a:spcAft>
+              <a:buClrTx/>
+              <a:buSzTx/>
+              <a:buFontTx/>
+              <a:buNone/>
+              <a:tabLst/>
+              <a:defRPr/>
+            </a:pPr>
+            <a:endParaRPr kumimoji="0" lang="en-US" sz="1800" b="0" i="0" u="none" strike="noStrike" kern="1200" cap="none" spc="0" normalizeH="0" baseline="0" noProof="0">
+              <a:ln>
+                <a:noFill/>
+              </a:ln>
+              <a:solidFill>
+                <a:prstClr val="white"/>
+              </a:solidFill>
+              <a:effectLst/>
+              <a:uLnTx/>
+              <a:uFillTx/>
+              <a:latin typeface="Calibri" panose="020F0502020204030204"/>
+              <a:ea typeface="+mn-ea"/>
+              <a:cs typeface="+mn-cs"/>
+            </a:endParaRPr>
+          </a:p>
+        </p:txBody>
+      </p:sp>
+    </p:spTree>
+    <p:extLst>
+      <p:ext uri="{BB962C8B-B14F-4D97-AF65-F5344CB8AC3E}">
+        <p14:creationId xmlns:p14="http://schemas.microsoft.com/office/powerpoint/2010/main" val="1057539923"/>
+      </p:ext>
+    </p:extLst>
+  </p:cSld>
+  <p:clrMapOvr>
+    <a:masterClrMapping/>
+  </p:clrMapOvr>
+</p:sld>
+</file>
+
+<file path=ppt/slides/slide11.xml><?xml version="1.0" encoding="utf-8"?>
+<p:sld xmlns:a="http://schemas.openxmlformats.org/drawingml/2006/main" xmlns:r="http://schemas.openxmlformats.org/officeDocument/2006/relationships" xmlns:p="http://schemas.openxmlformats.org/presentationml/2006/main">
+  <p:cSld>
+    <p:spTree>
+      <p:nvGrpSpPr>
+        <p:cNvPr id="1" name=""/>
+        <p:cNvGrpSpPr/>
+        <p:nvPr/>
+      </p:nvGrpSpPr>
+      <p:grpSpPr>
+        <a:xfrm>
+          <a:off x="0" y="0"/>
+          <a:ext cx="0" cy="0"/>
+          <a:chOff x="0" y="0"/>
+          <a:chExt cx="0" cy="0"/>
+        </a:xfrm>
+      </p:grpSpPr>
+      <p:sp>
+        <p:nvSpPr>
+          <p:cNvPr id="7" name="Rectangle 6">
+            <a:extLst>
+              <a:ext uri="{FF2B5EF4-FFF2-40B4-BE49-F238E27FC236}">
+                <a16:creationId xmlns:a16="http://schemas.microsoft.com/office/drawing/2014/main" id="{9A0844D6-F81A-E387-19DA-0AEA7D5321A6}"/>
+              </a:ext>
+            </a:extLst>
+          </p:cNvPr>
+          <p:cNvSpPr/>
+          <p:nvPr/>
+        </p:nvSpPr>
+        <p:spPr>
+          <a:xfrm>
+            <a:off x="3215230" y="2646369"/>
+            <a:ext cx="5761539" cy="1268361"/>
+          </a:xfrm>
+          <a:prstGeom prst="rect">
+            <a:avLst/>
+          </a:prstGeom>
+          <a:solidFill>
+            <a:srgbClr val="FFFF00"/>
+          </a:solidFill>
+          <a:ln>
+            <a:solidFill>
+              <a:srgbClr val="FFFF00"/>
+            </a:solidFill>
+          </a:ln>
+        </p:spPr>
+        <p:style>
+          <a:lnRef idx="2">
+            <a:schemeClr val="accent1">
+              <a:shade val="15000"/>
+            </a:schemeClr>
+          </a:lnRef>
+          <a:fillRef idx="1">
+            <a:schemeClr val="accent1"/>
+          </a:fillRef>
+          <a:effectRef idx="0">
+            <a:schemeClr val="accent1"/>
+          </a:effectRef>
+          <a:fontRef idx="minor">
+            <a:schemeClr val="lt1"/>
+          </a:fontRef>
+        </p:style>
+        <p:txBody>
+          <a:bodyPr rtlCol="0" anchor="ctr"/>
+          <a:lstStyle/>
+          <a:p>
+            <a:pPr algn="ctr"/>
+            <a:endParaRPr lang="en-US" dirty="0"/>
+          </a:p>
+        </p:txBody>
+      </p:sp>
+      <p:sp>
+        <p:nvSpPr>
+          <p:cNvPr id="2" name="TextBox 1">
+            <a:extLst>
+              <a:ext uri="{FF2B5EF4-FFF2-40B4-BE49-F238E27FC236}">
+                <a16:creationId xmlns:a16="http://schemas.microsoft.com/office/drawing/2014/main" id="{D4469458-955A-7BA9-888B-C84F779A2A17}"/>
+              </a:ext>
+            </a:extLst>
+          </p:cNvPr>
+          <p:cNvSpPr txBox="1"/>
+          <p:nvPr/>
+        </p:nvSpPr>
+        <p:spPr>
+          <a:xfrm>
+            <a:off x="2941319" y="2818884"/>
+            <a:ext cx="6309360" cy="923330"/>
+          </a:xfrm>
+          <a:prstGeom prst="rect">
+            <a:avLst/>
+          </a:prstGeom>
+          <a:noFill/>
+        </p:spPr>
+        <p:txBody>
+          <a:bodyPr wrap="square" rtlCol="0">
+            <a:spAutoFit/>
+          </a:bodyPr>
+          <a:lstStyle/>
+          <a:p>
+            <a:pPr algn="ctr"/>
+            <a:r>
+              <a:rPr lang="en-US" sz="5400" b="1" dirty="0">
+                <a:solidFill>
+                  <a:srgbClr val="002060"/>
+                </a:solidFill>
+              </a:rPr>
+              <a:t>End of Lecture</a:t>
+            </a:r>
+          </a:p>
+        </p:txBody>
+      </p:sp>
+      <p:sp>
+        <p:nvSpPr>
+          <p:cNvPr id="6" name="TextBox 5">
+            <a:extLst>
+              <a:ext uri="{FF2B5EF4-FFF2-40B4-BE49-F238E27FC236}">
+                <a16:creationId xmlns:a16="http://schemas.microsoft.com/office/drawing/2014/main" id="{0F9231F0-0846-0CAB-7DD5-8EEE72AF9C16}"/>
+              </a:ext>
+            </a:extLst>
+          </p:cNvPr>
+          <p:cNvSpPr txBox="1"/>
+          <p:nvPr/>
+        </p:nvSpPr>
+        <p:spPr>
+          <a:xfrm>
+            <a:off x="2880769" y="4087245"/>
+            <a:ext cx="6096000" cy="707886"/>
+          </a:xfrm>
+          <a:prstGeom prst="rect">
+            <a:avLst/>
+          </a:prstGeom>
+          <a:noFill/>
+        </p:spPr>
+        <p:txBody>
+          <a:bodyPr wrap="square">
+            <a:spAutoFit/>
+          </a:bodyPr>
+          <a:lstStyle/>
+          <a:p>
+            <a:pPr algn="ctr"/>
+            <a:r>
+              <a:rPr lang="en-US" sz="4000" b="1" dirty="0">
+                <a:solidFill>
+                  <a:srgbClr val="92D050"/>
+                </a:solidFill>
+              </a:rPr>
+              <a:t>Thank You</a:t>
+            </a:r>
+          </a:p>
+        </p:txBody>
+      </p:sp>
+    </p:spTree>
+    <p:extLst>
+      <p:ext uri="{BB962C8B-B14F-4D97-AF65-F5344CB8AC3E}">
+        <p14:creationId xmlns:p14="http://schemas.microsoft.com/office/powerpoint/2010/main" val="332334840"/>
+      </p:ext>
+    </p:extLst>
+  </p:cSld>
+  <p:clrMapOvr>
+    <a:masterClrMapping/>
+  </p:clrMapOvr>
+</p:sld>
+</file>
+
 <file path=ppt/slides/slide2.xml><?xml version="1.0" encoding="utf-8"?>
 <p:sld xmlns:a="http://schemas.openxmlformats.org/drawingml/2006/main" xmlns:r="http://schemas.openxmlformats.org/officeDocument/2006/relationships" xmlns:p="http://schemas.openxmlformats.org/presentationml/2006/main">
   <p:cSld>
@@ -11763,10 +12747,10 @@
       </p:grpSpPr>
       <p:sp useBgFill="1">
         <p:nvSpPr>
-          <p:cNvPr id="15" name="Rectangle 14">
+          <p:cNvPr id="23" name="Rectangle 22">
             <a:extLst>
               <a:ext uri="{FF2B5EF4-FFF2-40B4-BE49-F238E27FC236}">
-                <a16:creationId xmlns:a16="http://schemas.microsoft.com/office/drawing/2014/main" id="{7301F447-EEF7-48F5-AF73-7566EE7F64AD}"/>
+                <a16:creationId xmlns:a16="http://schemas.microsoft.com/office/drawing/2014/main" id="{81D377EB-C9D2-4ED0-86A6-740A297E3EAC}"/>
               </a:ext>
               <a:ext uri="{C183D7F6-B498-43B3-948B-1728B52AA6E4}">
                 <adec:decorative xmlns:adec="http://schemas.microsoft.com/office/drawing/2017/decorative" val="1"/>
@@ -11839,18 +12823,18 @@
         </p:nvSpPr>
         <p:spPr>
           <a:xfrm>
-            <a:off x="841248" y="334644"/>
-            <a:ext cx="10509504" cy="1076914"/>
+            <a:off x="841248" y="685800"/>
+            <a:ext cx="10506456" cy="1157005"/>
           </a:xfrm>
         </p:spPr>
         <p:txBody>
-          <a:bodyPr anchor="ctr">
+          <a:bodyPr anchor="b">
             <a:normAutofit/>
           </a:bodyPr>
           <a:lstStyle/>
           <a:p>
             <a:r>
-              <a:rPr lang="en-US" dirty="0"/>
+              <a:rPr lang="en-US" sz="4800"/>
               <a:t>Solution</a:t>
             </a:r>
           </a:p>
@@ -11858,10 +12842,10 @@
       </p:sp>
       <p:sp>
         <p:nvSpPr>
-          <p:cNvPr id="16" name="Rectangle 15">
+          <p:cNvPr id="25" name="Rectangle 24">
             <a:extLst>
               <a:ext uri="{FF2B5EF4-FFF2-40B4-BE49-F238E27FC236}">
-                <a16:creationId xmlns:a16="http://schemas.microsoft.com/office/drawing/2014/main" id="{F7117410-A2A4-4085-9ADC-46744551DBDE}"/>
+                <a16:creationId xmlns:a16="http://schemas.microsoft.com/office/drawing/2014/main" id="{066346BE-FDB4-4772-A696-0719490ABD64}"/>
               </a:ext>
               <a:ext uri="{C183D7F6-B498-43B3-948B-1728B52AA6E4}">
                 <adec:decorative xmlns:adec="http://schemas.microsoft.com/office/drawing/2017/decorative" val="1"/>
@@ -11880,9 +12864,9 @@
           </p:nvPr>
         </p:nvSpPr>
         <p:spPr>
-          <a:xfrm>
-            <a:off x="842772" y="0"/>
-            <a:ext cx="10506456" cy="191386"/>
+          <a:xfrm rot="5400000">
+            <a:off x="1120140" y="34093"/>
+            <a:ext cx="146304" cy="704088"/>
           </a:xfrm>
           <a:prstGeom prst="rect">
             <a:avLst/>
@@ -11950,10 +12934,10 @@
       </p:sp>
       <p:sp>
         <p:nvSpPr>
-          <p:cNvPr id="17" name="Rectangle 16">
+          <p:cNvPr id="27" name="Rectangle 26">
             <a:extLst>
               <a:ext uri="{FF2B5EF4-FFF2-40B4-BE49-F238E27FC236}">
-                <a16:creationId xmlns:a16="http://schemas.microsoft.com/office/drawing/2014/main" id="{99F74EB5-E547-4FB4-95F5-BCC788F3C4A0}"/>
+                <a16:creationId xmlns:a16="http://schemas.microsoft.com/office/drawing/2014/main" id="{FB92FFCE-0C90-454E-AA25-D4EE9A6C39C5}"/>
               </a:ext>
               <a:ext uri="{C183D7F6-B498-43B3-948B-1728B52AA6E4}">
                 <adec:decorative xmlns:adec="http://schemas.microsoft.com/office/drawing/2017/decorative" val="1"/>
@@ -11973,7 +12957,7 @@
         </p:nvSpPr>
         <p:spPr>
           <a:xfrm>
-            <a:off x="841248" y="1512994"/>
+            <a:off x="841248" y="1958056"/>
             <a:ext cx="10506456" cy="18288"/>
           </a:xfrm>
           <a:prstGeom prst="rect">
@@ -12060,14 +13044,14 @@
             <p:ph idx="1"/>
             <p:extLst>
               <p:ext uri="{D42A27DB-BD31-4B8C-83A1-F6EECF244321}">
-                <p14:modId xmlns:p14="http://schemas.microsoft.com/office/powerpoint/2010/main" val="736491406"/>
+                <p14:modId xmlns:p14="http://schemas.microsoft.com/office/powerpoint/2010/main" val="594157866"/>
               </p:ext>
             </p:extLst>
           </p:nvPr>
         </p:nvGraphicFramePr>
         <p:xfrm>
-          <a:off x="838200" y="1737360"/>
-          <a:ext cx="10506456" cy="4535424"/>
+          <a:off x="838200" y="2295252"/>
+          <a:ext cx="10506456" cy="3876948"/>
         </p:xfrm>
         <a:graphic>
           <a:graphicData uri="http://schemas.openxmlformats.org/drawingml/2006/diagram">
@@ -12115,7 +13099,7 @@
       </p:grpSpPr>
       <p:sp>
         <p:nvSpPr>
-          <p:cNvPr id="23" name="Rectangle 22">
+          <p:cNvPr id="36" name="Rectangle 35">
             <a:extLst>
               <a:ext uri="{FF2B5EF4-FFF2-40B4-BE49-F238E27FC236}">
                 <a16:creationId xmlns:a16="http://schemas.microsoft.com/office/drawing/2014/main" id="{8D06CE56-3881-4ADA-8CEF-D18B02C242A3}"/>
@@ -12207,7 +13191,7 @@
       </p:sp>
       <p:sp>
         <p:nvSpPr>
-          <p:cNvPr id="25" name="Rectangle 24">
+          <p:cNvPr id="38" name="Rectangle 37">
             <a:extLst>
               <a:ext uri="{FF2B5EF4-FFF2-40B4-BE49-F238E27FC236}">
                 <a16:creationId xmlns:a16="http://schemas.microsoft.com/office/drawing/2014/main" id="{79F3C543-62EC-4433-9C93-A2CD8764E9B4}"/>
@@ -12303,10 +13287,10 @@
       </p:sp>
       <p:sp useBgFill="1">
         <p:nvSpPr>
-          <p:cNvPr id="27" name="Rectangle 26">
+          <p:cNvPr id="40" name="Rectangle 39">
             <a:extLst>
               <a:ext uri="{FF2B5EF4-FFF2-40B4-BE49-F238E27FC236}">
-                <a16:creationId xmlns:a16="http://schemas.microsoft.com/office/drawing/2014/main" id="{C1A1C5D3-C053-4EE9-BE1A-419B6E27CCAE}"/>
+                <a16:creationId xmlns:a16="http://schemas.microsoft.com/office/drawing/2014/main" id="{017517EF-BD4D-4055-BDB4-A322C53568AD}"/>
               </a:ext>
               <a:ext uri="{C183D7F6-B498-43B3-948B-1728B52AA6E4}">
                 <adec:decorative xmlns:adec="http://schemas.microsoft.com/office/drawing/2017/decorative" val="1"/>
@@ -12363,10 +13347,10 @@
       </p:sp>
       <p:sp useBgFill="1">
         <p:nvSpPr>
-          <p:cNvPr id="29" name="Rectangle 28">
+          <p:cNvPr id="42" name="Rectangle 41">
             <a:extLst>
               <a:ext uri="{FF2B5EF4-FFF2-40B4-BE49-F238E27FC236}">
-                <a16:creationId xmlns:a16="http://schemas.microsoft.com/office/drawing/2014/main" id="{A3473CF9-37EB-43E7-89EF-D2D1C53D1DAC}"/>
+                <a16:creationId xmlns:a16="http://schemas.microsoft.com/office/drawing/2014/main" id="{0ADDB668-2CA4-4D2B-9C34-3487CA330BA8}"/>
               </a:ext>
               <a:ext uri="{C183D7F6-B498-43B3-948B-1728B52AA6E4}">
                 <adec:decorative xmlns:adec="http://schemas.microsoft.com/office/drawing/2017/decorative" val="1"/>
@@ -12386,8 +13370,8 @@
         </p:nvSpPr>
         <p:spPr>
           <a:xfrm>
-            <a:off x="1903615" y="221673"/>
-            <a:ext cx="8384770" cy="1332634"/>
+            <a:off x="551553" y="304802"/>
+            <a:ext cx="11097349" cy="1573149"/>
           </a:xfrm>
           <a:prstGeom prst="rect">
             <a:avLst/>
@@ -12481,8 +13465,8 @@
         </p:nvSpPr>
         <p:spPr>
           <a:xfrm>
-            <a:off x="2103121" y="310343"/>
-            <a:ext cx="7985759" cy="868823"/>
+            <a:off x="901690" y="405575"/>
+            <a:ext cx="6430414" cy="1371600"/>
           </a:xfrm>
         </p:spPr>
         <p:txBody>
@@ -12491,9 +13475,8 @@
           </a:bodyPr>
           <a:lstStyle/>
           <a:p>
-            <a:pPr algn="ctr"/>
             <a:r>
-              <a:rPr lang="en-US" sz="3700"/>
+              <a:rPr lang="en-US"/>
               <a:t>Project Architecture / Block Diagram</a:t>
             </a:r>
           </a:p>
@@ -12501,10 +13484,48 @@
       </p:sp>
       <p:sp>
         <p:nvSpPr>
-          <p:cNvPr id="31" name="Rectangle: Rounded Corners 30">
+          <p:cNvPr id="9" name="Content Placeholder 8">
             <a:extLst>
               <a:ext uri="{FF2B5EF4-FFF2-40B4-BE49-F238E27FC236}">
-                <a16:creationId xmlns:a16="http://schemas.microsoft.com/office/drawing/2014/main" id="{586B4EF9-43BA-4655-A6FF-1D8E21574C95}"/>
+                <a16:creationId xmlns:a16="http://schemas.microsoft.com/office/drawing/2014/main" id="{2BC7E2FC-102E-2C02-4218-D24AA58EACD9}"/>
+              </a:ext>
+            </a:extLst>
+          </p:cNvPr>
+          <p:cNvSpPr>
+            <a:spLocks noGrp="1"/>
+          </p:cNvSpPr>
+          <p:nvPr>
+            <p:ph idx="1"/>
+          </p:nvPr>
+        </p:nvSpPr>
+        <p:spPr>
+          <a:xfrm>
+            <a:off x="7924796" y="498698"/>
+            <a:ext cx="2893382" cy="1185353"/>
+          </a:xfrm>
+        </p:spPr>
+        <p:txBody>
+          <a:bodyPr vert="horz" lIns="91440" tIns="45720" rIns="91440" bIns="45720" rtlCol="0" anchor="ctr">
+            <a:normAutofit/>
+          </a:bodyPr>
+          <a:lstStyle/>
+          <a:p>
+            <a:pPr marL="0" indent="0">
+              <a:buNone/>
+            </a:pPr>
+            <a:r>
+              <a:rPr lang="en-US" sz="1800"/>
+              <a:t>The Project’s software is separated into three main blocks.</a:t>
+            </a:r>
+          </a:p>
+        </p:txBody>
+      </p:sp>
+      <p:sp>
+        <p:nvSpPr>
+          <p:cNvPr id="44" name="Rectangle 43">
+            <a:extLst>
+              <a:ext uri="{FF2B5EF4-FFF2-40B4-BE49-F238E27FC236}">
+                <a16:creationId xmlns:a16="http://schemas.microsoft.com/office/drawing/2014/main" id="{2568BC19-F052-4108-93E1-6A3D1DEC072F}"/>
               </a:ext>
               <a:ext uri="{C183D7F6-B498-43B3-948B-1728B52AA6E4}">
                 <adec:decorative xmlns:adec="http://schemas.microsoft.com/office/drawing/2017/decorative" val="1"/>
@@ -12524,13 +13545,11 @@
         </p:nvSpPr>
         <p:spPr>
           <a:xfrm>
-            <a:off x="2483110" y="1211407"/>
-            <a:ext cx="7225780" cy="685800"/>
+            <a:off x="494784" y="764424"/>
+            <a:ext cx="128016" cy="653903"/>
           </a:xfrm>
-          <a:prstGeom prst="roundRect">
-            <a:avLst>
-              <a:gd name="adj" fmla="val 0"/>
-            </a:avLst>
+          <a:prstGeom prst="rect">
+            <a:avLst/>
           </a:prstGeom>
           <a:solidFill>
             <a:schemeClr val="accent1"/>
@@ -12586,7 +13605,7 @@
               <a:effectLst/>
               <a:uLnTx/>
               <a:uFillTx/>
-              <a:latin typeface="Avenir Next LT Pro"/>
+              <a:latin typeface="Calibri" panose="020F0502020204030204"/>
               <a:ea typeface="+mn-ea"/>
               <a:cs typeface="+mn-cs"/>
             </a:endParaRPr>
@@ -12595,52 +13614,106 @@
       </p:sp>
       <p:sp>
         <p:nvSpPr>
-          <p:cNvPr id="9" name="Content Placeholder 8">
+          <p:cNvPr id="46" name="Rectangle 45">
             <a:extLst>
               <a:ext uri="{FF2B5EF4-FFF2-40B4-BE49-F238E27FC236}">
-                <a16:creationId xmlns:a16="http://schemas.microsoft.com/office/drawing/2014/main" id="{2BC7E2FC-102E-2C02-4218-D24AA58EACD9}"/>
+                <a16:creationId xmlns:a16="http://schemas.microsoft.com/office/drawing/2014/main" id="{D5FD337D-4D6B-4C8B-B6F5-121097E09881}"/>
+              </a:ext>
+              <a:ext uri="{C183D7F6-B498-43B3-948B-1728B52AA6E4}">
+                <adec:decorative xmlns:adec="http://schemas.microsoft.com/office/drawing/2017/decorative" val="1"/>
               </a:ext>
             </a:extLst>
           </p:cNvPr>
           <p:cNvSpPr>
-            <a:spLocks noGrp="1"/>
+            <a:spLocks noGrp="1" noRot="1" noChangeAspect="1" noMove="1" noResize="1" noEditPoints="1" noAdjustHandles="1" noChangeArrowheads="1" noChangeShapeType="1" noTextEdit="1"/>
           </p:cNvSpPr>
           <p:nvPr>
-            <p:ph idx="1"/>
+            <p:extLst>
+              <p:ext uri="{386F3935-93C4-4BCD-93E2-E3B085C9AB24}">
+                <p16:designElem xmlns:p16="http://schemas.microsoft.com/office/powerpoint/2015/main" val="1"/>
+              </p:ext>
+            </p:extLst>
           </p:nvPr>
         </p:nvSpPr>
         <p:spPr>
-          <a:xfrm>
-            <a:off x="2615738" y="1263807"/>
-            <a:ext cx="6960524" cy="598516"/>
+          <a:xfrm rot="5400000">
+            <a:off x="7130604" y="1071836"/>
+            <a:ext cx="1021458" cy="9144"/>
           </a:xfrm>
+          <a:prstGeom prst="rect">
+            <a:avLst/>
+          </a:prstGeom>
+          <a:solidFill>
+            <a:schemeClr val="tx2">
+              <a:lumMod val="25000"/>
+              <a:lumOff val="75000"/>
+            </a:schemeClr>
+          </a:solidFill>
+          <a:ln w="3175">
+            <a:noFill/>
+          </a:ln>
+          <a:effectLst/>
         </p:spPr>
+        <p:style>
+          <a:lnRef idx="2">
+            <a:schemeClr val="accent1">
+              <a:shade val="50000"/>
+            </a:schemeClr>
+          </a:lnRef>
+          <a:fillRef idx="1">
+            <a:schemeClr val="accent1"/>
+          </a:fillRef>
+          <a:effectRef idx="0">
+            <a:schemeClr val="accent1"/>
+          </a:effectRef>
+          <a:fontRef idx="minor">
+            <a:schemeClr val="lt1"/>
+          </a:fontRef>
+        </p:style>
         <p:txBody>
-          <a:bodyPr vert="horz" lIns="91440" tIns="45720" rIns="91440" bIns="45720" rtlCol="0" anchor="ctr">
-            <a:normAutofit/>
-          </a:bodyPr>
+          <a:bodyPr rtlCol="0" anchor="ctr"/>
           <a:lstStyle/>
           <a:p>
-            <a:pPr marL="0" indent="0" algn="ctr">
+            <a:pPr marL="0" marR="0" lvl="0" indent="0" algn="ctr" defTabSz="914400" rtl="0" eaLnBrk="1" fontAlgn="auto" latinLnBrk="0" hangingPunct="1">
+              <a:lnSpc>
+                <a:spcPct val="100000"/>
+              </a:lnSpc>
+              <a:spcBef>
+                <a:spcPts val="0"/>
+              </a:spcBef>
+              <a:spcAft>
+                <a:spcPts val="0"/>
+              </a:spcAft>
+              <a:buClrTx/>
+              <a:buSzTx/>
+              <a:buFontTx/>
               <a:buNone/>
+              <a:tabLst/>
+              <a:defRPr/>
             </a:pPr>
-            <a:r>
-              <a:rPr lang="en-US" sz="2000" dirty="0">
-                <a:solidFill>
-                  <a:schemeClr val="bg1"/>
-                </a:solidFill>
-              </a:rPr>
-              <a:t>The Project’s software is separated into three main blocks.</a:t>
-            </a:r>
+            <a:endParaRPr kumimoji="0" lang="en-US" sz="1800" b="0" i="0" u="none" strike="noStrike" kern="1200" cap="none" spc="0" normalizeH="0" baseline="0" noProof="0">
+              <a:ln>
+                <a:noFill/>
+              </a:ln>
+              <a:solidFill>
+                <a:prstClr val="white"/>
+              </a:solidFill>
+              <a:effectLst/>
+              <a:uLnTx/>
+              <a:uFillTx/>
+              <a:latin typeface="Calibri" panose="020F0502020204030204"/>
+              <a:ea typeface="+mn-ea"/>
+              <a:cs typeface="+mn-cs"/>
+            </a:endParaRPr>
           </a:p>
         </p:txBody>
       </p:sp>
       <p:pic>
         <p:nvPicPr>
-          <p:cNvPr id="5" name="Content Placeholder 4" descr="A black screen with white text&#10;&#10;AI-generated content may be incorrect.">
+          <p:cNvPr id="4" name="Picture 3">
             <a:extLst>
               <a:ext uri="{FF2B5EF4-FFF2-40B4-BE49-F238E27FC236}">
-                <a16:creationId xmlns:a16="http://schemas.microsoft.com/office/drawing/2014/main" id="{F7360525-99C8-45C9-BC2F-0E9DDCFAE0AF}"/>
+                <a16:creationId xmlns:a16="http://schemas.microsoft.com/office/drawing/2014/main" id="{85042CE7-7F14-F670-6F39-14BD18888F6A}"/>
               </a:ext>
             </a:extLst>
           </p:cNvPr>
@@ -12650,21 +13723,15 @@
           <p:nvPr/>
         </p:nvPicPr>
         <p:blipFill>
-          <a:blip r:embed="rId2">
-            <a:extLst>
-              <a:ext uri="{28A0092B-C50C-407E-A947-70E740481C1C}">
-                <a14:useLocalDpi xmlns:a14="http://schemas.microsoft.com/office/drawing/2010/main" val="0"/>
-              </a:ext>
-            </a:extLst>
-          </a:blip>
+          <a:blip r:embed="rId2"/>
           <a:stretch>
             <a:fillRect/>
           </a:stretch>
         </p:blipFill>
         <p:spPr>
           <a:xfrm>
-            <a:off x="385572" y="2474612"/>
-            <a:ext cx="11420856" cy="3426256"/>
+            <a:off x="1029974" y="2091095"/>
+            <a:ext cx="10135516" cy="4206240"/>
           </a:xfrm>
           <a:prstGeom prst="rect">
             <a:avLst/>
@@ -14347,7 +15414,7 @@
       </p:grpSpPr>
       <p:sp useBgFill="1">
         <p:nvSpPr>
-          <p:cNvPr id="9" name="Rectangle 8">
+          <p:cNvPr id="16" name="Rectangle 15">
             <a:extLst>
               <a:ext uri="{FF2B5EF4-FFF2-40B4-BE49-F238E27FC236}">
                 <a16:creationId xmlns:a16="http://schemas.microsoft.com/office/drawing/2014/main" id="{728E3505-36F5-47A9-A188-7C60ACBB99EA}"/>
@@ -14407,10 +15474,10 @@
       </p:sp>
       <p:pic>
         <p:nvPicPr>
-          <p:cNvPr id="5" name="Picture 4" descr="Blue blocks and networks technology background">
+          <p:cNvPr id="17" name="Picture 16" descr="Blue blocks and networks technology background">
             <a:extLst>
               <a:ext uri="{FF2B5EF4-FFF2-40B4-BE49-F238E27FC236}">
-                <a16:creationId xmlns:a16="http://schemas.microsoft.com/office/drawing/2014/main" id="{401CFB17-9F82-2ED1-7A58-C3244B0B3FA0}"/>
+                <a16:creationId xmlns:a16="http://schemas.microsoft.com/office/drawing/2014/main" id="{C26D628E-11C6-81A8-E27D-63A2389F4D51}"/>
               </a:ext>
             </a:extLst>
           </p:cNvPr>
@@ -14420,7 +15487,7 @@
           <p:nvPr/>
         </p:nvPicPr>
         <p:blipFill>
-          <a:blip r:embed="rId2"/>
+          <a:blip r:embed="rId3"/>
           <a:srcRect l="14217" r="45128" b="-446"/>
           <a:stretch>
             <a:fillRect/>
@@ -14485,7 +15552,7 @@
       </p:pic>
       <p:sp useBgFill="1">
         <p:nvSpPr>
-          <p:cNvPr id="11" name="Freeform: Shape 10">
+          <p:cNvPr id="18" name="Freeform: Shape 17">
             <a:extLst>
               <a:ext uri="{FF2B5EF4-FFF2-40B4-BE49-F238E27FC236}">
                 <a16:creationId xmlns:a16="http://schemas.microsoft.com/office/drawing/2014/main" id="{283B6091-C9A6-4C92-8315-2DE12015E5B9}"/>
@@ -14660,7 +15727,7 @@
       </p:sp>
       <p:sp useBgFill="1">
         <p:nvSpPr>
-          <p:cNvPr id="13" name="Freeform: Shape 12">
+          <p:cNvPr id="19" name="Freeform: Shape 18">
             <a:extLst>
               <a:ext uri="{FF2B5EF4-FFF2-40B4-BE49-F238E27FC236}">
                 <a16:creationId xmlns:a16="http://schemas.microsoft.com/office/drawing/2014/main" id="{CC6ACBBE-7216-419A-81B7-BD305A9FEF7F}"/>
@@ -14826,7 +15893,7 @@
           <p:cNvPr id="2" name="Title 1">
             <a:extLst>
               <a:ext uri="{FF2B5EF4-FFF2-40B4-BE49-F238E27FC236}">
-                <a16:creationId xmlns:a16="http://schemas.microsoft.com/office/drawing/2014/main" id="{C03F1AE7-9A79-C64D-AAB9-DCC3FDA588AF}"/>
+                <a16:creationId xmlns:a16="http://schemas.microsoft.com/office/drawing/2014/main" id="{76536783-4A2E-E96A-7764-3554CF37CEB2}"/>
               </a:ext>
             </a:extLst>
           </p:cNvPr>
@@ -14850,8 +15917,8 @@
           <a:lstStyle/>
           <a:p>
             <a:r>
-              <a:rPr lang="en-US" sz="3200"/>
-              <a:t>Project Roadmap 10/29/2025</a:t>
+              <a:rPr lang="en-US" sz="3200" dirty="0"/>
+              <a:t>Project Roadmap (Gantt chart)</a:t>
             </a:r>
           </a:p>
         </p:txBody>
@@ -14953,7 +16020,7 @@
           <p:cNvPr id="3" name="Content Placeholder 2">
             <a:extLst>
               <a:ext uri="{FF2B5EF4-FFF2-40B4-BE49-F238E27FC236}">
-                <a16:creationId xmlns:a16="http://schemas.microsoft.com/office/drawing/2014/main" id="{4C192C47-41E7-33DC-2C45-793DFB8DE0B4}"/>
+                <a16:creationId xmlns:a16="http://schemas.microsoft.com/office/drawing/2014/main" id="{20691883-998D-0ADA-3762-75B9C9BDFE87}"/>
               </a:ext>
             </a:extLst>
           </p:cNvPr>
@@ -14972,7 +16039,7 @@
         </p:spPr>
         <p:txBody>
           <a:bodyPr anchor="ctr">
-            <a:normAutofit fontScale="92500" lnSpcReduction="10000"/>
+            <a:noAutofit/>
           </a:bodyPr>
           <a:lstStyle/>
           <a:p>
@@ -14982,7 +16049,7 @@
               </a:lnSpc>
             </a:pPr>
             <a:r>
-              <a:rPr lang="en-US" sz="1100" dirty="0"/>
+              <a:rPr lang="en-US" sz="1200" dirty="0"/>
               <a:t>Phase 1: Foundation &amp; Research (4 weeks)</a:t>
             </a:r>
           </a:p>
@@ -14994,7 +16061,7 @@
               <a:buNone/>
             </a:pPr>
             <a:r>
-              <a:rPr lang="en-US" sz="1100" dirty="0"/>
+              <a:rPr lang="en-US" sz="1200" dirty="0"/>
               <a:t>1. Technical research &amp; learning</a:t>
             </a:r>
           </a:p>
@@ -15006,7 +16073,7 @@
               <a:buNone/>
             </a:pPr>
             <a:r>
-              <a:rPr lang="en-US" sz="1100" dirty="0"/>
+              <a:rPr lang="en-US" sz="1200" dirty="0"/>
               <a:t>2. System architecture</a:t>
             </a:r>
           </a:p>
@@ -15018,8 +16085,8 @@
               <a:buNone/>
             </a:pPr>
             <a:r>
-              <a:rPr lang="en-US" sz="1100" dirty="0"/>
-              <a:t>3.  Component procurement</a:t>
+              <a:rPr lang="en-US" sz="1200" dirty="0"/>
+              <a:t>3. Component procurement</a:t>
             </a:r>
           </a:p>
           <a:p>
@@ -15028,7 +16095,7 @@
                 <a:spcPct val="100000"/>
               </a:lnSpc>
             </a:pPr>
-            <a:endParaRPr lang="en-US" sz="1100" dirty="0"/>
+            <a:endParaRPr lang="en-US" sz="1200" dirty="0"/>
           </a:p>
           <a:p>
             <a:pPr>
@@ -15037,8 +16104,8 @@
               </a:lnSpc>
             </a:pPr>
             <a:r>
-              <a:rPr lang="en-US" sz="1100" dirty="0"/>
-              <a:t>Phase 2: Core Development (6 weeks)</a:t>
+              <a:rPr lang="en-US" sz="1200" dirty="0"/>
+              <a:t>Phase 2: Core Development (4 weeks)</a:t>
             </a:r>
           </a:p>
           <a:p>
@@ -15049,7 +16116,7 @@
               <a:buNone/>
             </a:pPr>
             <a:r>
-              <a:rPr lang="en-US" sz="1100" dirty="0"/>
+              <a:rPr lang="en-US" sz="1200" dirty="0"/>
               <a:t>1. Gaze tracking alpha</a:t>
             </a:r>
           </a:p>
@@ -15061,7 +16128,7 @@
               <a:buNone/>
             </a:pPr>
             <a:r>
-              <a:rPr lang="en-US" sz="1100" dirty="0"/>
+              <a:rPr lang="en-US" sz="1200" dirty="0"/>
               <a:t>2. Virtual keyboard MVP</a:t>
             </a:r>
           </a:p>
@@ -15073,7 +16140,7 @@
               <a:buNone/>
             </a:pPr>
             <a:r>
-              <a:rPr lang="en-US" sz="1100" dirty="0"/>
+              <a:rPr lang="en-US" sz="1200" dirty="0"/>
               <a:t>3. Hardware prototype</a:t>
             </a:r>
           </a:p>
@@ -15083,7 +16150,7 @@
                 <a:spcPct val="100000"/>
               </a:lnSpc>
             </a:pPr>
-            <a:endParaRPr lang="en-US" sz="1100" dirty="0"/>
+            <a:endParaRPr lang="en-US" sz="1200" dirty="0"/>
           </a:p>
           <a:p>
             <a:pPr>
@@ -15092,7 +16159,7 @@
               </a:lnSpc>
             </a:pPr>
             <a:r>
-              <a:rPr lang="en-US" sz="1100" dirty="0"/>
+              <a:rPr lang="en-US" sz="1200" dirty="0"/>
               <a:t>Phase 3: Integration &amp; Polish (4 weeks)</a:t>
             </a:r>
           </a:p>
@@ -15104,7 +16171,7 @@
               <a:buNone/>
             </a:pPr>
             <a:r>
-              <a:rPr lang="en-US" sz="1100" dirty="0"/>
+              <a:rPr lang="en-US" sz="1200" dirty="0"/>
               <a:t>1. System integration</a:t>
             </a:r>
           </a:p>
@@ -15116,7 +16183,7 @@
               <a:buNone/>
             </a:pPr>
             <a:r>
-              <a:rPr lang="en-US" sz="1100" dirty="0"/>
+              <a:rPr lang="en-US" sz="1200" dirty="0"/>
               <a:t>2. Feature completion</a:t>
             </a:r>
           </a:p>
@@ -15128,7 +16195,7 @@
               <a:buNone/>
             </a:pPr>
             <a:r>
-              <a:rPr lang="en-US" sz="1100" dirty="0"/>
+              <a:rPr lang="en-US" sz="1200" dirty="0"/>
               <a:t>3. Performance optimization</a:t>
             </a:r>
           </a:p>
@@ -15138,7 +16205,7 @@
                 <a:spcPct val="100000"/>
               </a:lnSpc>
             </a:pPr>
-            <a:endParaRPr lang="en-US" sz="1100" dirty="0"/>
+            <a:endParaRPr lang="en-US" sz="1200" dirty="0"/>
           </a:p>
           <a:p>
             <a:pPr>
@@ -15147,8 +16214,8 @@
               </a:lnSpc>
             </a:pPr>
             <a:r>
-              <a:rPr lang="en-US" sz="1100" dirty="0"/>
-              <a:t>Phase 4: Testing &amp; Finalization (2 weeks)</a:t>
+              <a:rPr lang="en-US" sz="1200" dirty="0"/>
+              <a:t>Phase 4: Testing &amp; Finalization (4 weeks)</a:t>
             </a:r>
           </a:p>
           <a:p>
@@ -15159,7 +16226,7 @@
               <a:buNone/>
             </a:pPr>
             <a:r>
-              <a:rPr lang="en-US" sz="1100" dirty="0"/>
+              <a:rPr lang="en-US" sz="1200" dirty="0"/>
               <a:t>1. User testing</a:t>
             </a:r>
           </a:p>
@@ -15171,7 +16238,7 @@
               <a:buNone/>
             </a:pPr>
             <a:r>
-              <a:rPr lang="en-US" sz="1100" dirty="0"/>
+              <a:rPr lang="en-US" sz="1200" dirty="0"/>
               <a:t>2. Final documentation</a:t>
             </a:r>
           </a:p>
@@ -15183,7 +16250,7 @@
               <a:buNone/>
             </a:pPr>
             <a:r>
-              <a:rPr lang="en-US" sz="1100" dirty="0"/>
+              <a:rPr lang="en-US" sz="1200" dirty="0"/>
               <a:t>3. Project demonstration</a:t>
             </a:r>
           </a:p>
@@ -15192,7 +16259,7 @@
     </p:spTree>
     <p:extLst>
       <p:ext uri="{BB962C8B-B14F-4D97-AF65-F5344CB8AC3E}">
-        <p14:creationId xmlns:p14="http://schemas.microsoft.com/office/powerpoint/2010/main" val="590373073"/>
+        <p14:creationId xmlns:p14="http://schemas.microsoft.com/office/powerpoint/2010/main" val="4028549715"/>
       </p:ext>
     </p:extLst>
   </p:cSld>
@@ -15221,142 +16288,344 @@
       </p:grpSpPr>
       <p:sp>
         <p:nvSpPr>
-          <p:cNvPr id="7" name="Rectangle 6">
+          <p:cNvPr id="2" name="Title 1">
             <a:extLst>
               <a:ext uri="{FF2B5EF4-FFF2-40B4-BE49-F238E27FC236}">
-                <a16:creationId xmlns:a16="http://schemas.microsoft.com/office/drawing/2014/main" id="{9A0844D6-F81A-E387-19DA-0AEA7D5321A6}"/>
+                <a16:creationId xmlns:a16="http://schemas.microsoft.com/office/drawing/2014/main" id="{A53E8A99-4408-B0F3-314C-B3F4C0493272}"/>
               </a:ext>
             </a:extLst>
           </p:cNvPr>
-          <p:cNvSpPr/>
-          <p:nvPr/>
+          <p:cNvSpPr>
+            <a:spLocks noGrp="1"/>
+          </p:cNvSpPr>
+          <p:nvPr>
+            <p:ph type="title"/>
+          </p:nvPr>
         </p:nvSpPr>
-        <p:spPr>
-          <a:xfrm>
-            <a:off x="3215230" y="2646369"/>
-            <a:ext cx="5761539" cy="1268361"/>
-          </a:xfrm>
-          <a:prstGeom prst="rect">
-            <a:avLst/>
-          </a:prstGeom>
-          <a:solidFill>
-            <a:srgbClr val="FFFF00"/>
-          </a:solidFill>
-          <a:ln>
-            <a:solidFill>
-              <a:srgbClr val="FFFF00"/>
-            </a:solidFill>
-          </a:ln>
-        </p:spPr>
-        <p:style>
-          <a:lnRef idx="2">
-            <a:schemeClr val="accent1">
-              <a:shade val="15000"/>
-            </a:schemeClr>
-          </a:lnRef>
-          <a:fillRef idx="1">
-            <a:schemeClr val="accent1"/>
-          </a:fillRef>
-          <a:effectRef idx="0">
-            <a:schemeClr val="accent1"/>
-          </a:effectRef>
-          <a:fontRef idx="minor">
-            <a:schemeClr val="lt1"/>
-          </a:fontRef>
-        </p:style>
+        <p:spPr/>
         <p:txBody>
-          <a:bodyPr rtlCol="0" anchor="ctr"/>
+          <a:bodyPr/>
           <a:lstStyle/>
           <a:p>
-            <a:pPr algn="ctr"/>
-            <a:endParaRPr lang="en-US" dirty="0"/>
+            <a:r>
+              <a:rPr lang="en-US" dirty="0"/>
+              <a:t>Team structure</a:t>
+            </a:r>
           </a:p>
         </p:txBody>
       </p:sp>
       <p:sp>
         <p:nvSpPr>
-          <p:cNvPr id="2" name="TextBox 1">
+          <p:cNvPr id="3" name="Text Placeholder 2">
             <a:extLst>
               <a:ext uri="{FF2B5EF4-FFF2-40B4-BE49-F238E27FC236}">
-                <a16:creationId xmlns:a16="http://schemas.microsoft.com/office/drawing/2014/main" id="{D4469458-955A-7BA9-888B-C84F779A2A17}"/>
+                <a16:creationId xmlns:a16="http://schemas.microsoft.com/office/drawing/2014/main" id="{9B75ED1B-E1B5-E6D1-F6C2-2FCC23E67790}"/>
               </a:ext>
             </a:extLst>
           </p:cNvPr>
-          <p:cNvSpPr txBox="1"/>
-          <p:nvPr/>
+          <p:cNvSpPr>
+            <a:spLocks noGrp="1"/>
+          </p:cNvSpPr>
+          <p:nvPr>
+            <p:ph type="body" idx="1"/>
+          </p:nvPr>
         </p:nvSpPr>
-        <p:spPr>
-          <a:xfrm>
-            <a:off x="2941319" y="2818884"/>
-            <a:ext cx="6309360" cy="923330"/>
-          </a:xfrm>
-          <a:prstGeom prst="rect">
-            <a:avLst/>
-          </a:prstGeom>
-          <a:noFill/>
-        </p:spPr>
+        <p:spPr/>
         <p:txBody>
-          <a:bodyPr wrap="square" rtlCol="0">
-            <a:spAutoFit/>
-          </a:bodyPr>
+          <a:bodyPr/>
           <a:lstStyle/>
           <a:p>
-            <a:pPr algn="ctr"/>
             <a:r>
-              <a:rPr lang="en-US" sz="5400" b="1" dirty="0">
-                <a:solidFill>
-                  <a:srgbClr val="002060"/>
-                </a:solidFill>
-              </a:rPr>
-              <a:t>End of Lecture</a:t>
+              <a:rPr lang="en-US" dirty="0"/>
+              <a:t>Software Developers</a:t>
             </a:r>
           </a:p>
         </p:txBody>
       </p:sp>
       <p:sp>
         <p:nvSpPr>
-          <p:cNvPr id="6" name="TextBox 5">
+          <p:cNvPr id="4" name="Content Placeholder 3">
             <a:extLst>
               <a:ext uri="{FF2B5EF4-FFF2-40B4-BE49-F238E27FC236}">
-                <a16:creationId xmlns:a16="http://schemas.microsoft.com/office/drawing/2014/main" id="{0F9231F0-0846-0CAB-7DD5-8EEE72AF9C16}"/>
+                <a16:creationId xmlns:a16="http://schemas.microsoft.com/office/drawing/2014/main" id="{FD3F40DF-34C1-4F49-2D4D-11A6A75E2DA4}"/>
               </a:ext>
             </a:extLst>
           </p:cNvPr>
-          <p:cNvSpPr txBox="1"/>
-          <p:nvPr/>
+          <p:cNvSpPr>
+            <a:spLocks noGrp="1"/>
+          </p:cNvSpPr>
+          <p:nvPr>
+            <p:ph sz="half" idx="2"/>
+          </p:nvPr>
         </p:nvSpPr>
-        <p:spPr>
-          <a:xfrm>
-            <a:off x="2880769" y="4087245"/>
-            <a:ext cx="6096000" cy="707886"/>
-          </a:xfrm>
-          <a:prstGeom prst="rect">
-            <a:avLst/>
-          </a:prstGeom>
-          <a:noFill/>
-        </p:spPr>
+        <p:spPr/>
         <p:txBody>
-          <a:bodyPr wrap="square">
-            <a:spAutoFit/>
-          </a:bodyPr>
+          <a:bodyPr/>
           <a:lstStyle/>
           <a:p>
-            <a:pPr algn="ctr"/>
+            <a:endParaRPr lang="en-US"/>
+          </a:p>
+        </p:txBody>
+      </p:sp>
+      <p:sp>
+        <p:nvSpPr>
+          <p:cNvPr id="5" name="Text Placeholder 4">
+            <a:extLst>
+              <a:ext uri="{FF2B5EF4-FFF2-40B4-BE49-F238E27FC236}">
+                <a16:creationId xmlns:a16="http://schemas.microsoft.com/office/drawing/2014/main" id="{B6EF5DEB-F33F-598D-EEAD-801DC767BE03}"/>
+              </a:ext>
+            </a:extLst>
+          </p:cNvPr>
+          <p:cNvSpPr>
+            <a:spLocks noGrp="1"/>
+          </p:cNvSpPr>
+          <p:nvPr>
+            <p:ph type="body" sz="quarter" idx="3"/>
+          </p:nvPr>
+        </p:nvSpPr>
+        <p:spPr/>
+        <p:txBody>
+          <a:bodyPr/>
+          <a:lstStyle/>
+          <a:p>
             <a:r>
-              <a:rPr lang="en-US" sz="4000" b="1" dirty="0">
-                <a:solidFill>
-                  <a:srgbClr val="92D050"/>
-                </a:solidFill>
-              </a:rPr>
-              <a:t>Thank You</a:t>
+              <a:rPr lang="en-US" dirty="0"/>
+              <a:t>AI Developers</a:t>
             </a:r>
+          </a:p>
+        </p:txBody>
+      </p:sp>
+      <p:sp>
+        <p:nvSpPr>
+          <p:cNvPr id="6" name="Content Placeholder 5">
+            <a:extLst>
+              <a:ext uri="{FF2B5EF4-FFF2-40B4-BE49-F238E27FC236}">
+                <a16:creationId xmlns:a16="http://schemas.microsoft.com/office/drawing/2014/main" id="{EA101FDD-5E55-AF7B-A96B-6EDC73254494}"/>
+              </a:ext>
+            </a:extLst>
+          </p:cNvPr>
+          <p:cNvSpPr>
+            <a:spLocks noGrp="1"/>
+          </p:cNvSpPr>
+          <p:nvPr>
+            <p:ph sz="quarter" idx="4"/>
+          </p:nvPr>
+        </p:nvSpPr>
+        <p:spPr/>
+        <p:txBody>
+          <a:bodyPr/>
+          <a:lstStyle/>
+          <a:p>
+            <a:endParaRPr lang="en-US"/>
           </a:p>
         </p:txBody>
       </p:sp>
     </p:spTree>
     <p:extLst>
       <p:ext uri="{BB962C8B-B14F-4D97-AF65-F5344CB8AC3E}">
-        <p14:creationId xmlns:p14="http://schemas.microsoft.com/office/powerpoint/2010/main" val="332334840"/>
+        <p14:creationId xmlns:p14="http://schemas.microsoft.com/office/powerpoint/2010/main" val="695705323"/>
+      </p:ext>
+    </p:extLst>
+  </p:cSld>
+  <p:clrMapOvr>
+    <a:masterClrMapping/>
+  </p:clrMapOvr>
+</p:sld>
+</file>
+
+<file path=ppt/slides/slide9.xml><?xml version="1.0" encoding="utf-8"?>
+<p:sld xmlns:a="http://schemas.openxmlformats.org/drawingml/2006/main" xmlns:r="http://schemas.openxmlformats.org/officeDocument/2006/relationships" xmlns:p="http://schemas.openxmlformats.org/presentationml/2006/main">
+  <p:cSld>
+    <p:spTree>
+      <p:nvGrpSpPr>
+        <p:cNvPr id="1" name=""/>
+        <p:cNvGrpSpPr/>
+        <p:nvPr/>
+      </p:nvGrpSpPr>
+      <p:grpSpPr>
+        <a:xfrm>
+          <a:off x="0" y="0"/>
+          <a:ext cx="0" cy="0"/>
+          <a:chOff x="0" y="0"/>
+          <a:chExt cx="0" cy="0"/>
+        </a:xfrm>
+      </p:grpSpPr>
+      <p:sp>
+        <p:nvSpPr>
+          <p:cNvPr id="2" name="Title 1">
+            <a:extLst>
+              <a:ext uri="{FF2B5EF4-FFF2-40B4-BE49-F238E27FC236}">
+                <a16:creationId xmlns:a16="http://schemas.microsoft.com/office/drawing/2014/main" id="{E6B4B244-B1B8-DA84-E4D6-1C79FF76E149}"/>
+              </a:ext>
+            </a:extLst>
+          </p:cNvPr>
+          <p:cNvSpPr>
+            <a:spLocks noGrp="1"/>
+          </p:cNvSpPr>
+          <p:nvPr>
+            <p:ph type="title"/>
+          </p:nvPr>
+        </p:nvSpPr>
+        <p:spPr/>
+        <p:txBody>
+          <a:bodyPr/>
+          <a:lstStyle/>
+          <a:p>
+            <a:r>
+              <a:rPr lang="en-US" dirty="0"/>
+              <a:t>Team Learning &amp; Researching Objectives</a:t>
+            </a:r>
+          </a:p>
+        </p:txBody>
+      </p:sp>
+      <p:sp>
+        <p:nvSpPr>
+          <p:cNvPr id="3" name="Text Placeholder 2">
+            <a:extLst>
+              <a:ext uri="{FF2B5EF4-FFF2-40B4-BE49-F238E27FC236}">
+                <a16:creationId xmlns:a16="http://schemas.microsoft.com/office/drawing/2014/main" id="{BCEFD45A-2260-68BB-151A-9DBC95E682B8}"/>
+              </a:ext>
+            </a:extLst>
+          </p:cNvPr>
+          <p:cNvSpPr>
+            <a:spLocks noGrp="1"/>
+          </p:cNvSpPr>
+          <p:nvPr>
+            <p:ph type="body" idx="1"/>
+          </p:nvPr>
+        </p:nvSpPr>
+        <p:spPr/>
+        <p:txBody>
+          <a:bodyPr/>
+          <a:lstStyle/>
+          <a:p>
+            <a:r>
+              <a:rPr lang="en-US" dirty="0"/>
+              <a:t>Software Developers</a:t>
+            </a:r>
+          </a:p>
+        </p:txBody>
+      </p:sp>
+      <p:sp>
+        <p:nvSpPr>
+          <p:cNvPr id="4" name="Content Placeholder 3">
+            <a:extLst>
+              <a:ext uri="{FF2B5EF4-FFF2-40B4-BE49-F238E27FC236}">
+                <a16:creationId xmlns:a16="http://schemas.microsoft.com/office/drawing/2014/main" id="{21012009-11CA-8133-72DF-40A524F79CEF}"/>
+              </a:ext>
+            </a:extLst>
+          </p:cNvPr>
+          <p:cNvSpPr>
+            <a:spLocks noGrp="1"/>
+          </p:cNvSpPr>
+          <p:nvPr>
+            <p:ph sz="half" idx="2"/>
+          </p:nvPr>
+        </p:nvSpPr>
+        <p:spPr/>
+        <p:txBody>
+          <a:bodyPr/>
+          <a:lstStyle/>
+          <a:p>
+            <a:r>
+              <a:rPr lang="en-US" dirty="0"/>
+              <a:t>Python 3.</a:t>
+            </a:r>
+          </a:p>
+          <a:p>
+            <a:r>
+              <a:rPr lang="en-US" dirty="0" err="1"/>
+              <a:t>PyQT</a:t>
+            </a:r>
+            <a:r>
+              <a:rPr lang="en-US" dirty="0"/>
+              <a:t> (core software development).</a:t>
+            </a:r>
+          </a:p>
+          <a:p>
+            <a:r>
+              <a:rPr lang="en-US" dirty="0" err="1"/>
+              <a:t>Pytts</a:t>
+            </a:r>
+            <a:r>
+              <a:rPr lang="en-US" dirty="0"/>
+              <a:t> and other related libraries. </a:t>
+            </a:r>
+          </a:p>
+        </p:txBody>
+      </p:sp>
+      <p:sp>
+        <p:nvSpPr>
+          <p:cNvPr id="5" name="Text Placeholder 4">
+            <a:extLst>
+              <a:ext uri="{FF2B5EF4-FFF2-40B4-BE49-F238E27FC236}">
+                <a16:creationId xmlns:a16="http://schemas.microsoft.com/office/drawing/2014/main" id="{62A12570-D173-37EC-03E7-8B6C4DFCE974}"/>
+              </a:ext>
+            </a:extLst>
+          </p:cNvPr>
+          <p:cNvSpPr>
+            <a:spLocks noGrp="1"/>
+          </p:cNvSpPr>
+          <p:nvPr>
+            <p:ph type="body" sz="quarter" idx="3"/>
+          </p:nvPr>
+        </p:nvSpPr>
+        <p:spPr/>
+        <p:txBody>
+          <a:bodyPr/>
+          <a:lstStyle/>
+          <a:p>
+            <a:r>
+              <a:rPr lang="en-US" dirty="0"/>
+              <a:t>AI Developers</a:t>
+            </a:r>
+          </a:p>
+        </p:txBody>
+      </p:sp>
+      <p:sp>
+        <p:nvSpPr>
+          <p:cNvPr id="6" name="Content Placeholder 5">
+            <a:extLst>
+              <a:ext uri="{FF2B5EF4-FFF2-40B4-BE49-F238E27FC236}">
+                <a16:creationId xmlns:a16="http://schemas.microsoft.com/office/drawing/2014/main" id="{0A7F03A2-8779-27C4-D446-336A26C21A7F}"/>
+              </a:ext>
+            </a:extLst>
+          </p:cNvPr>
+          <p:cNvSpPr>
+            <a:spLocks noGrp="1"/>
+          </p:cNvSpPr>
+          <p:nvPr>
+            <p:ph sz="quarter" idx="4"/>
+          </p:nvPr>
+        </p:nvSpPr>
+        <p:spPr/>
+        <p:txBody>
+          <a:bodyPr/>
+          <a:lstStyle/>
+          <a:p>
+            <a:r>
+              <a:rPr lang="en-US" dirty="0"/>
+              <a:t>Python 3.</a:t>
+            </a:r>
+          </a:p>
+          <a:p>
+            <a:r>
+              <a:rPr lang="en-US" dirty="0"/>
+              <a:t>Computer Vision (CNNs – Object Detection – Image Segmentation &amp; other Techniques).</a:t>
+            </a:r>
+          </a:p>
+          <a:p>
+            <a:r>
+              <a:rPr lang="en-US" dirty="0"/>
+              <a:t>OpenCV.</a:t>
+            </a:r>
+          </a:p>
+        </p:txBody>
+      </p:sp>
+    </p:spTree>
+    <p:extLst>
+      <p:ext uri="{BB962C8B-B14F-4D97-AF65-F5344CB8AC3E}">
+        <p14:creationId xmlns:p14="http://schemas.microsoft.com/office/powerpoint/2010/main" val="203540247"/>
       </p:ext>
     </p:extLst>
   </p:cSld>
@@ -15565,4 +16834,319 @@
     </a:ext>
   </a:extLst>
 </a:theme>
+</file>
+
+<file path=ppt/theme/theme2.xml><?xml version="1.0" encoding="utf-8"?>
+<a:theme xmlns:a="http://schemas.openxmlformats.org/drawingml/2006/main" name="Office Theme">
+  <a:themeElements>
+    <a:clrScheme name="Office">
+      <a:dk1>
+        <a:sysClr val="windowText" lastClr="000000"/>
+      </a:dk1>
+      <a:lt1>
+        <a:sysClr val="window" lastClr="FFFFFF"/>
+      </a:lt1>
+      <a:dk2>
+        <a:srgbClr val="0E2841"/>
+      </a:dk2>
+      <a:lt2>
+        <a:srgbClr val="E8E8E8"/>
+      </a:lt2>
+      <a:accent1>
+        <a:srgbClr val="156082"/>
+      </a:accent1>
+      <a:accent2>
+        <a:srgbClr val="E97132"/>
+      </a:accent2>
+      <a:accent3>
+        <a:srgbClr val="196B24"/>
+      </a:accent3>
+      <a:accent4>
+        <a:srgbClr val="0F9ED5"/>
+      </a:accent4>
+      <a:accent5>
+        <a:srgbClr val="A02B93"/>
+      </a:accent5>
+      <a:accent6>
+        <a:srgbClr val="4EA72E"/>
+      </a:accent6>
+      <a:hlink>
+        <a:srgbClr val="467886"/>
+      </a:hlink>
+      <a:folHlink>
+        <a:srgbClr val="96607D"/>
+      </a:folHlink>
+    </a:clrScheme>
+    <a:fontScheme name="Office">
+      <a:majorFont>
+        <a:latin typeface="Aptos Display" panose="02110004020202020204"/>
+        <a:ea typeface=""/>
+        <a:cs typeface=""/>
+        <a:font script="Jpan" typeface="游ゴシック Light"/>
+        <a:font script="Hang" typeface="맑은 고딕"/>
+        <a:font script="Hans" typeface="等线 Light"/>
+        <a:font script="Hant" typeface="新細明體"/>
+        <a:font script="Arab" typeface="Times New Roman"/>
+        <a:font script="Hebr" typeface="Times New Roman"/>
+        <a:font script="Thai" typeface="Angsana New"/>
+        <a:font script="Ethi" typeface="Nyala"/>
+        <a:font script="Beng" typeface="Vrinda"/>
+        <a:font script="Gujr" typeface="Shruti"/>
+        <a:font script="Khmr" typeface="MoolBoran"/>
+        <a:font script="Knda" typeface="Tunga"/>
+        <a:font script="Guru" typeface="Raavi"/>
+        <a:font script="Cans" typeface="Euphemia"/>
+        <a:font script="Cher" typeface="Plantagenet Cherokee"/>
+        <a:font script="Yiii" typeface="Microsoft Yi Baiti"/>
+        <a:font script="Tibt" typeface="Microsoft Himalaya"/>
+        <a:font script="Thaa" typeface="MV Boli"/>
+        <a:font script="Deva" typeface="Mangal"/>
+        <a:font script="Telu" typeface="Gautami"/>
+        <a:font script="Taml" typeface="Latha"/>
+        <a:font script="Syrc" typeface="Estrangelo Edessa"/>
+        <a:font script="Orya" typeface="Kalinga"/>
+        <a:font script="Mlym" typeface="Kartika"/>
+        <a:font script="Laoo" typeface="DokChampa"/>
+        <a:font script="Sinh" typeface="Iskoola Pota"/>
+        <a:font script="Mong" typeface="Mongolian Baiti"/>
+        <a:font script="Viet" typeface="Times New Roman"/>
+        <a:font script="Uigh" typeface="Microsoft Uighur"/>
+        <a:font script="Geor" typeface="Sylfaen"/>
+        <a:font script="Armn" typeface="Arial"/>
+        <a:font script="Bugi" typeface="Leelawadee UI"/>
+        <a:font script="Bopo" typeface="Microsoft JhengHei"/>
+        <a:font script="Java" typeface="Javanese Text"/>
+        <a:font script="Lisu" typeface="Segoe UI"/>
+        <a:font script="Mymr" typeface="Myanmar Text"/>
+        <a:font script="Nkoo" typeface="Ebrima"/>
+        <a:font script="Olck" typeface="Nirmala UI"/>
+        <a:font script="Osma" typeface="Ebrima"/>
+        <a:font script="Phag" typeface="Phagspa"/>
+        <a:font script="Syrn" typeface="Estrangelo Edessa"/>
+        <a:font script="Syrj" typeface="Estrangelo Edessa"/>
+        <a:font script="Syre" typeface="Estrangelo Edessa"/>
+        <a:font script="Sora" typeface="Nirmala UI"/>
+        <a:font script="Tale" typeface="Microsoft Tai Le"/>
+        <a:font script="Talu" typeface="Microsoft New Tai Lue"/>
+        <a:font script="Tfng" typeface="Ebrima"/>
+      </a:majorFont>
+      <a:minorFont>
+        <a:latin typeface="Aptos" panose="02110004020202020204"/>
+        <a:ea typeface=""/>
+        <a:cs typeface=""/>
+        <a:font script="Jpan" typeface="游ゴシック"/>
+        <a:font script="Hang" typeface="맑은 고딕"/>
+        <a:font script="Hans" typeface="等线"/>
+        <a:font script="Hant" typeface="新細明體"/>
+        <a:font script="Arab" typeface="Arial"/>
+        <a:font script="Hebr" typeface="Arial"/>
+        <a:font script="Thai" typeface="Cordia New"/>
+        <a:font script="Ethi" typeface="Nyala"/>
+        <a:font script="Beng" typeface="Vrinda"/>
+        <a:font script="Gujr" typeface="Shruti"/>
+        <a:font script="Khmr" typeface="DaunPenh"/>
+        <a:font script="Knda" typeface="Tunga"/>
+        <a:font script="Guru" typeface="Raavi"/>
+        <a:font script="Cans" typeface="Euphemia"/>
+        <a:font script="Cher" typeface="Plantagenet Cherokee"/>
+        <a:font script="Yiii" typeface="Microsoft Yi Baiti"/>
+        <a:font script="Tibt" typeface="Microsoft Himalaya"/>
+        <a:font script="Thaa" typeface="MV Boli"/>
+        <a:font script="Deva" typeface="Mangal"/>
+        <a:font script="Telu" typeface="Gautami"/>
+        <a:font script="Taml" typeface="Latha"/>
+        <a:font script="Syrc" typeface="Estrangelo Edessa"/>
+        <a:font script="Orya" typeface="Kalinga"/>
+        <a:font script="Mlym" typeface="Kartika"/>
+        <a:font script="Laoo" typeface="DokChampa"/>
+        <a:font script="Sinh" typeface="Iskoola Pota"/>
+        <a:font script="Mong" typeface="Mongolian Baiti"/>
+        <a:font script="Viet" typeface="Arial"/>
+        <a:font script="Uigh" typeface="Microsoft Uighur"/>
+        <a:font script="Geor" typeface="Sylfaen"/>
+        <a:font script="Armn" typeface="Arial"/>
+        <a:font script="Bugi" typeface="Leelawadee UI"/>
+        <a:font script="Bopo" typeface="Microsoft JhengHei"/>
+        <a:font script="Java" typeface="Javanese Text"/>
+        <a:font script="Lisu" typeface="Segoe UI"/>
+        <a:font script="Mymr" typeface="Myanmar Text"/>
+        <a:font script="Nkoo" typeface="Ebrima"/>
+        <a:font script="Olck" typeface="Nirmala UI"/>
+        <a:font script="Osma" typeface="Ebrima"/>
+        <a:font script="Phag" typeface="Phagspa"/>
+        <a:font script="Syrn" typeface="Estrangelo Edessa"/>
+        <a:font script="Syrj" typeface="Estrangelo Edessa"/>
+        <a:font script="Syre" typeface="Estrangelo Edessa"/>
+        <a:font script="Sora" typeface="Nirmala UI"/>
+        <a:font script="Tale" typeface="Microsoft Tai Le"/>
+        <a:font script="Talu" typeface="Microsoft New Tai Lue"/>
+        <a:font script="Tfng" typeface="Ebrima"/>
+      </a:minorFont>
+    </a:fontScheme>
+    <a:fmtScheme name="Office">
+      <a:fillStyleLst>
+        <a:solidFill>
+          <a:schemeClr val="phClr"/>
+        </a:solidFill>
+        <a:gradFill rotWithShape="1">
+          <a:gsLst>
+            <a:gs pos="0">
+              <a:schemeClr val="phClr">
+                <a:lumMod val="110000"/>
+                <a:satMod val="105000"/>
+                <a:tint val="67000"/>
+              </a:schemeClr>
+            </a:gs>
+            <a:gs pos="50000">
+              <a:schemeClr val="phClr">
+                <a:lumMod val="105000"/>
+                <a:satMod val="103000"/>
+                <a:tint val="73000"/>
+              </a:schemeClr>
+            </a:gs>
+            <a:gs pos="100000">
+              <a:schemeClr val="phClr">
+                <a:lumMod val="105000"/>
+                <a:satMod val="109000"/>
+                <a:tint val="81000"/>
+              </a:schemeClr>
+            </a:gs>
+          </a:gsLst>
+          <a:lin ang="5400000" scaled="0"/>
+        </a:gradFill>
+        <a:gradFill rotWithShape="1">
+          <a:gsLst>
+            <a:gs pos="0">
+              <a:schemeClr val="phClr">
+                <a:satMod val="103000"/>
+                <a:lumMod val="102000"/>
+                <a:tint val="94000"/>
+              </a:schemeClr>
+            </a:gs>
+            <a:gs pos="50000">
+              <a:schemeClr val="phClr">
+                <a:satMod val="110000"/>
+                <a:lumMod val="100000"/>
+                <a:shade val="100000"/>
+              </a:schemeClr>
+            </a:gs>
+            <a:gs pos="100000">
+              <a:schemeClr val="phClr">
+                <a:lumMod val="99000"/>
+                <a:satMod val="120000"/>
+                <a:shade val="78000"/>
+              </a:schemeClr>
+            </a:gs>
+          </a:gsLst>
+          <a:lin ang="5400000" scaled="0"/>
+        </a:gradFill>
+      </a:fillStyleLst>
+      <a:lnStyleLst>
+        <a:ln w="12700" cap="flat" cmpd="sng" algn="ctr">
+          <a:solidFill>
+            <a:schemeClr val="phClr"/>
+          </a:solidFill>
+          <a:prstDash val="solid"/>
+          <a:miter lim="800000"/>
+        </a:ln>
+        <a:ln w="19050" cap="flat" cmpd="sng" algn="ctr">
+          <a:solidFill>
+            <a:schemeClr val="phClr"/>
+          </a:solidFill>
+          <a:prstDash val="solid"/>
+          <a:miter lim="800000"/>
+        </a:ln>
+        <a:ln w="25400" cap="flat" cmpd="sng" algn="ctr">
+          <a:solidFill>
+            <a:schemeClr val="phClr"/>
+          </a:solidFill>
+          <a:prstDash val="solid"/>
+          <a:miter lim="800000"/>
+        </a:ln>
+      </a:lnStyleLst>
+      <a:effectStyleLst>
+        <a:effectStyle>
+          <a:effectLst/>
+        </a:effectStyle>
+        <a:effectStyle>
+          <a:effectLst/>
+        </a:effectStyle>
+        <a:effectStyle>
+          <a:effectLst>
+            <a:outerShdw blurRad="57150" dist="19050" dir="5400000" algn="ctr" rotWithShape="0">
+              <a:srgbClr val="000000">
+                <a:alpha val="63000"/>
+              </a:srgbClr>
+            </a:outerShdw>
+          </a:effectLst>
+        </a:effectStyle>
+      </a:effectStyleLst>
+      <a:bgFillStyleLst>
+        <a:solidFill>
+          <a:schemeClr val="phClr"/>
+        </a:solidFill>
+        <a:solidFill>
+          <a:schemeClr val="phClr">
+            <a:tint val="95000"/>
+            <a:satMod val="170000"/>
+          </a:schemeClr>
+        </a:solidFill>
+        <a:gradFill rotWithShape="1">
+          <a:gsLst>
+            <a:gs pos="0">
+              <a:schemeClr val="phClr">
+                <a:tint val="93000"/>
+                <a:satMod val="150000"/>
+                <a:shade val="98000"/>
+                <a:lumMod val="102000"/>
+              </a:schemeClr>
+            </a:gs>
+            <a:gs pos="50000">
+              <a:schemeClr val="phClr">
+                <a:tint val="98000"/>
+                <a:satMod val="130000"/>
+                <a:shade val="90000"/>
+                <a:lumMod val="103000"/>
+              </a:schemeClr>
+            </a:gs>
+            <a:gs pos="100000">
+              <a:schemeClr val="phClr">
+                <a:shade val="63000"/>
+                <a:satMod val="120000"/>
+              </a:schemeClr>
+            </a:gs>
+          </a:gsLst>
+          <a:lin ang="5400000" scaled="0"/>
+        </a:gradFill>
+      </a:bgFillStyleLst>
+    </a:fmtScheme>
+  </a:themeElements>
+  <a:objectDefaults>
+    <a:lnDef>
+      <a:spPr/>
+      <a:bodyPr/>
+      <a:lstStyle/>
+      <a:style>
+        <a:lnRef idx="2">
+          <a:schemeClr val="accent1"/>
+        </a:lnRef>
+        <a:fillRef idx="0">
+          <a:schemeClr val="accent1"/>
+        </a:fillRef>
+        <a:effectRef idx="1">
+          <a:schemeClr val="accent1"/>
+        </a:effectRef>
+        <a:fontRef idx="minor">
+          <a:schemeClr val="tx1"/>
+        </a:fontRef>
+      </a:style>
+    </a:lnDef>
+  </a:objectDefaults>
+  <a:extraClrSchemeLst/>
+  <a:extLst>
+    <a:ext uri="{05A4C25C-085E-4340-85A3-A5531E510DB2}">
+      <thm15:themeFamily xmlns:thm15="http://schemas.microsoft.com/office/thememl/2012/main" name="Office Theme" id="{2E142A2C-CD16-42D6-873A-C26D2A0506FA}" vid="{1BDDFF52-6CD6-40A5-AB3C-68EB2F1E4D0A}"/>
+    </a:ext>
+  </a:extLst>
+</a:theme>
 </file>